--- a/宣道詩/(宣道詩36)惟主能救我.pptx
+++ b/宣道詩/(宣道詩36)惟主能救我.pptx
@@ -111,6 +111,11 @@
       </a:defRPr>
     </a:lvl9pPr>
   </p:defaultTextStyle>
+  <p:extLst>
+    <p:ext uri="{EFAFB233-063F-42B5-8137-9DF3F51BA10A}">
+      <p15:sldGuideLst xmlns:p15="http://schemas.microsoft.com/office/powerpoint/2012/main"/>
+    </p:ext>
+  </p:extLst>
 </p:presentation>
 </file>
 
@@ -295,7 +300,7 @@
           <a:p>
             <a:fld id="{AE20FA72-BF76-4707-8728-BB846590918F}" type="datetimeFigureOut">
               <a:rPr lang="vi-VN" smtClean="0"/>
-              <a:t>03/04/2020</a:t>
+              <a:t>04/09/2020</a:t>
             </a:fld>
             <a:endParaRPr lang="vi-VN"/>
           </a:p>
@@ -465,7 +470,7 @@
           <a:p>
             <a:fld id="{AE20FA72-BF76-4707-8728-BB846590918F}" type="datetimeFigureOut">
               <a:rPr lang="vi-VN" smtClean="0"/>
-              <a:t>03/04/2020</a:t>
+              <a:t>04/09/2020</a:t>
             </a:fld>
             <a:endParaRPr lang="vi-VN"/>
           </a:p>
@@ -645,7 +650,7 @@
           <a:p>
             <a:fld id="{AE20FA72-BF76-4707-8728-BB846590918F}" type="datetimeFigureOut">
               <a:rPr lang="vi-VN" smtClean="0"/>
-              <a:t>03/04/2020</a:t>
+              <a:t>04/09/2020</a:t>
             </a:fld>
             <a:endParaRPr lang="vi-VN"/>
           </a:p>
@@ -815,7 +820,7 @@
           <a:p>
             <a:fld id="{AE20FA72-BF76-4707-8728-BB846590918F}" type="datetimeFigureOut">
               <a:rPr lang="vi-VN" smtClean="0"/>
-              <a:t>03/04/2020</a:t>
+              <a:t>04/09/2020</a:t>
             </a:fld>
             <a:endParaRPr lang="vi-VN"/>
           </a:p>
@@ -1061,7 +1066,7 @@
           <a:p>
             <a:fld id="{AE20FA72-BF76-4707-8728-BB846590918F}" type="datetimeFigureOut">
               <a:rPr lang="vi-VN" smtClean="0"/>
-              <a:t>03/04/2020</a:t>
+              <a:t>04/09/2020</a:t>
             </a:fld>
             <a:endParaRPr lang="vi-VN"/>
           </a:p>
@@ -1349,7 +1354,7 @@
           <a:p>
             <a:fld id="{AE20FA72-BF76-4707-8728-BB846590918F}" type="datetimeFigureOut">
               <a:rPr lang="vi-VN" smtClean="0"/>
-              <a:t>03/04/2020</a:t>
+              <a:t>04/09/2020</a:t>
             </a:fld>
             <a:endParaRPr lang="vi-VN"/>
           </a:p>
@@ -1771,7 +1776,7 @@
           <a:p>
             <a:fld id="{AE20FA72-BF76-4707-8728-BB846590918F}" type="datetimeFigureOut">
               <a:rPr lang="vi-VN" smtClean="0"/>
-              <a:t>03/04/2020</a:t>
+              <a:t>04/09/2020</a:t>
             </a:fld>
             <a:endParaRPr lang="vi-VN"/>
           </a:p>
@@ -1889,7 +1894,7 @@
           <a:p>
             <a:fld id="{AE20FA72-BF76-4707-8728-BB846590918F}" type="datetimeFigureOut">
               <a:rPr lang="vi-VN" smtClean="0"/>
-              <a:t>03/04/2020</a:t>
+              <a:t>04/09/2020</a:t>
             </a:fld>
             <a:endParaRPr lang="vi-VN"/>
           </a:p>
@@ -1984,7 +1989,7 @@
           <a:p>
             <a:fld id="{AE20FA72-BF76-4707-8728-BB846590918F}" type="datetimeFigureOut">
               <a:rPr lang="vi-VN" smtClean="0"/>
-              <a:t>03/04/2020</a:t>
+              <a:t>04/09/2020</a:t>
             </a:fld>
             <a:endParaRPr lang="vi-VN"/>
           </a:p>
@@ -2261,7 +2266,7 @@
           <a:p>
             <a:fld id="{AE20FA72-BF76-4707-8728-BB846590918F}" type="datetimeFigureOut">
               <a:rPr lang="vi-VN" smtClean="0"/>
-              <a:t>03/04/2020</a:t>
+              <a:t>04/09/2020</a:t>
             </a:fld>
             <a:endParaRPr lang="vi-VN"/>
           </a:p>
@@ -2518,7 +2523,7 @@
           <a:p>
             <a:fld id="{AE20FA72-BF76-4707-8728-BB846590918F}" type="datetimeFigureOut">
               <a:rPr lang="vi-VN" smtClean="0"/>
-              <a:t>03/04/2020</a:t>
+              <a:t>04/09/2020</a:t>
             </a:fld>
             <a:endParaRPr lang="vi-VN"/>
           </a:p>
@@ -2736,7 +2741,7 @@
           <a:p>
             <a:fld id="{AE20FA72-BF76-4707-8728-BB846590918F}" type="datetimeFigureOut">
               <a:rPr lang="vi-VN" smtClean="0"/>
-              <a:t>03/04/2020</a:t>
+              <a:t>04/09/2020</a:t>
             </a:fld>
             <a:endParaRPr lang="vi-VN"/>
           </a:p>
@@ -3130,12 +3135,18 @@
           <a:p>
             <a:r>
               <a:rPr lang="zh-CN" altLang="en-US" sz="4800" b="1" dirty="0">
+                <a:solidFill>
+                  <a:srgbClr val="002060"/>
+                </a:solidFill>
                 <a:latin typeface="Microsoft JhengHei" panose="020B0604030504040204" pitchFamily="34" charset="-120"/>
                 <a:ea typeface="Microsoft JhengHei" panose="020B0604030504040204" pitchFamily="34" charset="-120"/>
               </a:rPr>
               <a:t>惟主能救我</a:t>
             </a:r>
             <a:endParaRPr lang="vi-VN" sz="4800" b="1" dirty="0">
+              <a:solidFill>
+                <a:srgbClr val="002060"/>
+              </a:solidFill>
               <a:ea typeface="Microsoft JhengHei" panose="020B0604030504040204" pitchFamily="34" charset="-120"/>
             </a:endParaRPr>
           </a:p>
@@ -3151,7 +3162,12 @@
             <p:ph idx="1"/>
           </p:nvPr>
         </p:nvSpPr>
-        <p:spPr/>
+        <p:spPr>
+          <a:xfrm>
+            <a:off x="609600" y="1600201"/>
+            <a:ext cx="10972800" cy="5257799"/>
+          </a:xfrm>
+        </p:spPr>
         <p:txBody>
           <a:bodyPr>
             <a:normAutofit/>
@@ -3163,12 +3179,28 @@
             </a:pPr>
             <a:r>
               <a:rPr lang="zh-CN" altLang="en-US" sz="5400" b="1" dirty="0" smtClean="0">
+                <a:solidFill>
+                  <a:srgbClr val="002060"/>
+                </a:solidFill>
                 <a:latin typeface="Microsoft JhengHei" panose="020B0604030504040204" pitchFamily="34" charset="-120"/>
                 <a:ea typeface="Microsoft JhengHei" panose="020B0604030504040204" pitchFamily="34" charset="-120"/>
               </a:rPr>
-              <a:t>哀苦不能救我  我雖然不住流淚</a:t>
+              <a:t>哀苦不能救</a:t>
+            </a:r>
+            <a:r>
+              <a:rPr lang="zh-CN" altLang="en-US" sz="5400" b="1" dirty="0" smtClean="0">
+                <a:solidFill>
+                  <a:srgbClr val="002060"/>
+                </a:solidFill>
+                <a:latin typeface="Microsoft JhengHei" panose="020B0604030504040204" pitchFamily="34" charset="-120"/>
+                <a:ea typeface="Microsoft JhengHei" panose="020B0604030504040204" pitchFamily="34" charset="-120"/>
+              </a:rPr>
+              <a:t>我</a:t>
             </a:r>
             <a:endParaRPr lang="en-US" altLang="zh-CN" sz="5400" b="1" dirty="0" smtClean="0">
+              <a:solidFill>
+                <a:srgbClr val="002060"/>
+              </a:solidFill>
               <a:latin typeface="Microsoft JhengHei" panose="020B0604030504040204" pitchFamily="34" charset="-120"/>
               <a:ea typeface="Microsoft JhengHei" panose="020B0604030504040204" pitchFamily="34" charset="-120"/>
             </a:endParaRPr>
@@ -3178,13 +3210,29 @@
               <a:buNone/>
             </a:pPr>
             <a:r>
-              <a:rPr lang="zh-CN" altLang="en-US" sz="5400" b="1" dirty="0">
+              <a:rPr lang="zh-CN" altLang="en-US" sz="5400" b="1" dirty="0" smtClean="0">
+                <a:solidFill>
+                  <a:srgbClr val="002060"/>
+                </a:solidFill>
                 <a:latin typeface="Microsoft JhengHei" panose="020B0604030504040204" pitchFamily="34" charset="-120"/>
                 <a:ea typeface="Microsoft JhengHei" panose="020B0604030504040204" pitchFamily="34" charset="-120"/>
               </a:rPr>
-              <a:t>心未能得主安慰  </a:t>
+              <a:t>我</a:t>
+            </a:r>
+            <a:r>
+              <a:rPr lang="zh-CN" altLang="en-US" sz="5400" b="1" dirty="0" smtClean="0">
+                <a:solidFill>
+                  <a:srgbClr val="002060"/>
+                </a:solidFill>
+                <a:latin typeface="Microsoft JhengHei" panose="020B0604030504040204" pitchFamily="34" charset="-120"/>
+                <a:ea typeface="Microsoft JhengHei" panose="020B0604030504040204" pitchFamily="34" charset="-120"/>
+              </a:rPr>
+              <a:t>雖然不住流淚</a:t>
             </a:r>
             <a:endParaRPr lang="en-US" altLang="zh-CN" sz="5400" b="1" dirty="0" smtClean="0">
+              <a:solidFill>
+                <a:srgbClr val="002060"/>
+              </a:solidFill>
               <a:latin typeface="Microsoft JhengHei" panose="020B0604030504040204" pitchFamily="34" charset="-120"/>
               <a:ea typeface="Microsoft JhengHei" panose="020B0604030504040204" pitchFamily="34" charset="-120"/>
             </a:endParaRPr>
@@ -3194,27 +3242,19 @@
               <a:buNone/>
             </a:pPr>
             <a:r>
-              <a:rPr lang="zh-CN" altLang="en-US" sz="5400" b="1" dirty="0" smtClean="0">
+              <a:rPr lang="zh-CN" altLang="en-US" sz="5400" b="1" dirty="0">
+                <a:solidFill>
+                  <a:srgbClr val="002060"/>
+                </a:solidFill>
                 <a:latin typeface="Microsoft JhengHei" panose="020B0604030504040204" pitchFamily="34" charset="-120"/>
                 <a:ea typeface="Microsoft JhengHei" panose="020B0604030504040204" pitchFamily="34" charset="-120"/>
               </a:rPr>
-              <a:t>又</a:t>
-            </a:r>
-            <a:r>
-              <a:rPr lang="zh-CN" altLang="en-US" sz="5400" b="1" dirty="0">
-                <a:latin typeface="Microsoft JhengHei" panose="020B0604030504040204" pitchFamily="34" charset="-120"/>
-                <a:ea typeface="Microsoft JhengHei" panose="020B0604030504040204" pitchFamily="34" charset="-120"/>
-              </a:rPr>
-              <a:t>不能洗我污</a:t>
-            </a:r>
-            <a:r>
-              <a:rPr lang="zh-CN" altLang="en-US" sz="5400" b="1" dirty="0" smtClean="0">
-                <a:latin typeface="Microsoft JhengHei" panose="020B0604030504040204" pitchFamily="34" charset="-120"/>
-                <a:ea typeface="Microsoft JhengHei" panose="020B0604030504040204" pitchFamily="34" charset="-120"/>
-              </a:rPr>
-              <a:t>穢</a:t>
+              <a:t>心未能得主安慰  </a:t>
             </a:r>
             <a:endParaRPr lang="en-US" altLang="zh-CN" sz="5400" b="1" dirty="0" smtClean="0">
+              <a:solidFill>
+                <a:srgbClr val="002060"/>
+              </a:solidFill>
               <a:latin typeface="Microsoft JhengHei" panose="020B0604030504040204" pitchFamily="34" charset="-120"/>
               <a:ea typeface="Microsoft JhengHei" panose="020B0604030504040204" pitchFamily="34" charset="-120"/>
             </a:endParaRPr>
@@ -3224,13 +3264,61 @@
               <a:buNone/>
             </a:pPr>
             <a:r>
+              <a:rPr lang="zh-CN" altLang="en-US" sz="5400" b="1" dirty="0" smtClean="0">
+                <a:solidFill>
+                  <a:srgbClr val="002060"/>
+                </a:solidFill>
+                <a:latin typeface="Microsoft JhengHei" panose="020B0604030504040204" pitchFamily="34" charset="-120"/>
+                <a:ea typeface="Microsoft JhengHei" panose="020B0604030504040204" pitchFamily="34" charset="-120"/>
+              </a:rPr>
+              <a:t>又</a:t>
+            </a:r>
+            <a:r>
               <a:rPr lang="zh-CN" altLang="en-US" sz="5400" b="1" dirty="0">
+                <a:solidFill>
+                  <a:srgbClr val="002060"/>
+                </a:solidFill>
                 <a:latin typeface="Microsoft JhengHei" panose="020B0604030504040204" pitchFamily="34" charset="-120"/>
                 <a:ea typeface="Microsoft JhengHei" panose="020B0604030504040204" pitchFamily="34" charset="-120"/>
               </a:rPr>
+              <a:t>不能洗我污</a:t>
+            </a:r>
+            <a:r>
+              <a:rPr lang="zh-CN" altLang="en-US" sz="5400" b="1" dirty="0" smtClean="0">
+                <a:solidFill>
+                  <a:srgbClr val="002060"/>
+                </a:solidFill>
+                <a:latin typeface="Microsoft JhengHei" panose="020B0604030504040204" pitchFamily="34" charset="-120"/>
+                <a:ea typeface="Microsoft JhengHei" panose="020B0604030504040204" pitchFamily="34" charset="-120"/>
+              </a:rPr>
+              <a:t>穢</a:t>
+            </a:r>
+            <a:endParaRPr lang="en-US" altLang="zh-CN" sz="5400" b="1" dirty="0" smtClean="0">
+              <a:solidFill>
+                <a:srgbClr val="002060"/>
+              </a:solidFill>
+              <a:latin typeface="Microsoft JhengHei" panose="020B0604030504040204" pitchFamily="34" charset="-120"/>
+              <a:ea typeface="Microsoft JhengHei" panose="020B0604030504040204" pitchFamily="34" charset="-120"/>
+            </a:endParaRPr>
+          </a:p>
+          <a:p>
+            <a:pPr marL="0" indent="0" algn="ctr">
+              <a:buNone/>
+            </a:pPr>
+            <a:r>
+              <a:rPr lang="zh-CN" altLang="en-US" sz="5400" b="1" dirty="0">
+                <a:solidFill>
+                  <a:srgbClr val="002060"/>
+                </a:solidFill>
+                <a:latin typeface="Microsoft JhengHei" panose="020B0604030504040204" pitchFamily="34" charset="-120"/>
+                <a:ea typeface="Microsoft JhengHei" panose="020B0604030504040204" pitchFamily="34" charset="-120"/>
+              </a:rPr>
               <a:t>哀苦不能救我</a:t>
             </a:r>
             <a:endParaRPr lang="vi-VN" sz="5400" b="1" dirty="0">
+              <a:solidFill>
+                <a:srgbClr val="002060"/>
+              </a:solidFill>
               <a:ea typeface="Microsoft JhengHei" panose="020B0604030504040204" pitchFamily="34" charset="-120"/>
             </a:endParaRPr>
           </a:p>
@@ -3244,7 +3332,7 @@
         </p:nvSpPr>
         <p:spPr>
           <a:xfrm>
-            <a:off x="385010" y="1600201"/>
+            <a:off x="1415157" y="1750671"/>
             <a:ext cx="962527" cy="923330"/>
           </a:xfrm>
           <a:prstGeom prst="rect">
@@ -3259,10 +3347,18 @@
           <a:lstStyle/>
           <a:p>
             <a:r>
-              <a:rPr lang="en-US" sz="5400" b="1" dirty="0" smtClean="0"/>
+              <a:rPr lang="en-US" sz="5400" b="1" dirty="0" smtClean="0">
+                <a:solidFill>
+                  <a:srgbClr val="002060"/>
+                </a:solidFill>
+              </a:rPr>
               <a:t>1.</a:t>
             </a:r>
-            <a:endParaRPr lang="vi-VN" sz="5400" b="1" dirty="0"/>
+            <a:endParaRPr lang="vi-VN" sz="5400" b="1" dirty="0">
+              <a:solidFill>
+                <a:srgbClr val="002060"/>
+              </a:solidFill>
+            </a:endParaRPr>
           </a:p>
         </p:txBody>
       </p:sp>
@@ -3315,12 +3411,18 @@
           <a:p>
             <a:r>
               <a:rPr lang="zh-CN" altLang="en-US" sz="4800" b="1" dirty="0">
+                <a:solidFill>
+                  <a:srgbClr val="002060"/>
+                </a:solidFill>
                 <a:latin typeface="Microsoft JhengHei" panose="020B0604030504040204" pitchFamily="34" charset="-120"/>
                 <a:ea typeface="Microsoft JhengHei" panose="020B0604030504040204" pitchFamily="34" charset="-120"/>
               </a:rPr>
               <a:t>惟主能救我</a:t>
             </a:r>
             <a:endParaRPr lang="vi-VN" sz="4800" b="1" dirty="0">
+              <a:solidFill>
+                <a:srgbClr val="002060"/>
+              </a:solidFill>
               <a:ea typeface="Microsoft JhengHei" panose="020B0604030504040204" pitchFamily="34" charset="-120"/>
             </a:endParaRPr>
           </a:p>
@@ -3348,11 +3450,17 @@
             </a:pPr>
             <a:r>
               <a:rPr lang="zh-CN" altLang="en-US" sz="5400" b="1" dirty="0" smtClean="0">
+                <a:solidFill>
+                  <a:srgbClr val="002060"/>
+                </a:solidFill>
                 <a:ea typeface="Microsoft JhengHei" panose="020B0604030504040204" pitchFamily="34" charset="-120"/>
               </a:rPr>
               <a:t>幸耶穌憐我苦況</a:t>
             </a:r>
             <a:endParaRPr lang="en-US" altLang="zh-CN" sz="5400" b="1" dirty="0" smtClean="0">
+              <a:solidFill>
+                <a:srgbClr val="002060"/>
+              </a:solidFill>
               <a:ea typeface="Microsoft JhengHei" panose="020B0604030504040204" pitchFamily="34" charset="-120"/>
             </a:endParaRPr>
           </a:p>
@@ -3362,17 +3470,26 @@
             </a:pPr>
             <a:r>
               <a:rPr lang="zh-CN" altLang="en-US" sz="5400" b="1" dirty="0">
+                <a:solidFill>
+                  <a:srgbClr val="002060"/>
+                </a:solidFill>
                 <a:ea typeface="Microsoft JhengHei" panose="020B0604030504040204" pitchFamily="34" charset="-120"/>
               </a:rPr>
               <a:t>為</a:t>
             </a:r>
             <a:r>
               <a:rPr lang="zh-CN" altLang="en-US" sz="5400" b="1" dirty="0" smtClean="0">
+                <a:solidFill>
+                  <a:srgbClr val="002060"/>
+                </a:solidFill>
                 <a:ea typeface="Microsoft JhengHei" panose="020B0604030504040204" pitchFamily="34" charset="-120"/>
               </a:rPr>
               <a:t>我死在十字架上</a:t>
             </a:r>
             <a:endParaRPr lang="en-US" altLang="zh-CN" sz="5400" b="1" dirty="0" smtClean="0">
+              <a:solidFill>
+                <a:srgbClr val="002060"/>
+              </a:solidFill>
               <a:ea typeface="Microsoft JhengHei" panose="020B0604030504040204" pitchFamily="34" charset="-120"/>
             </a:endParaRPr>
           </a:p>
@@ -3382,17 +3499,26 @@
             </a:pPr>
             <a:r>
               <a:rPr lang="zh-CN" altLang="en-US" sz="5400" b="1" dirty="0">
+                <a:solidFill>
+                  <a:srgbClr val="002060"/>
+                </a:solidFill>
                 <a:ea typeface="Microsoft JhengHei" panose="020B0604030504040204" pitchFamily="34" charset="-120"/>
               </a:rPr>
               <a:t>耶</a:t>
             </a:r>
             <a:r>
               <a:rPr lang="zh-CN" altLang="en-US" sz="5400" b="1" dirty="0" smtClean="0">
+                <a:solidFill>
+                  <a:srgbClr val="002060"/>
+                </a:solidFill>
                 <a:ea typeface="Microsoft JhengHei" panose="020B0604030504040204" pitchFamily="34" charset="-120"/>
               </a:rPr>
               <a:t>穌今把我釋放</a:t>
             </a:r>
             <a:endParaRPr lang="en-US" altLang="zh-CN" sz="5400" b="1" dirty="0" smtClean="0">
+              <a:solidFill>
+                <a:srgbClr val="002060"/>
+              </a:solidFill>
               <a:ea typeface="Microsoft JhengHei" panose="020B0604030504040204" pitchFamily="34" charset="-120"/>
             </a:endParaRPr>
           </a:p>
@@ -3402,18 +3528,27 @@
             </a:pPr>
             <a:r>
               <a:rPr lang="zh-CN" altLang="en-US" sz="5400" b="1" dirty="0" smtClean="0">
+                <a:solidFill>
+                  <a:srgbClr val="002060"/>
+                </a:solidFill>
                 <a:ea typeface="Microsoft JhengHei" panose="020B0604030504040204" pitchFamily="34" charset="-120"/>
               </a:rPr>
               <a:t>惟有主</a:t>
             </a:r>
             <a:r>
               <a:rPr lang="zh-CN" altLang="en-US" sz="5400" b="1" dirty="0">
+                <a:solidFill>
+                  <a:srgbClr val="002060"/>
+                </a:solidFill>
                 <a:latin typeface="Microsoft JhengHei" panose="020B0604030504040204" pitchFamily="34" charset="-120"/>
                 <a:ea typeface="Microsoft JhengHei" panose="020B0604030504040204" pitchFamily="34" charset="-120"/>
               </a:rPr>
               <a:t>能救我</a:t>
             </a:r>
             <a:endParaRPr lang="vi-VN" sz="5400" b="1" dirty="0">
+              <a:solidFill>
+                <a:srgbClr val="002060"/>
+              </a:solidFill>
               <a:ea typeface="Microsoft JhengHei" panose="020B0604030504040204" pitchFamily="34" charset="-120"/>
             </a:endParaRPr>
           </a:p>
@@ -3468,12 +3603,18 @@
           <a:p>
             <a:r>
               <a:rPr lang="zh-CN" altLang="en-US" sz="4800" b="1" dirty="0">
+                <a:solidFill>
+                  <a:srgbClr val="002060"/>
+                </a:solidFill>
                 <a:latin typeface="Microsoft JhengHei" panose="020B0604030504040204" pitchFamily="34" charset="-120"/>
                 <a:ea typeface="Microsoft JhengHei" panose="020B0604030504040204" pitchFamily="34" charset="-120"/>
               </a:rPr>
               <a:t>惟主能救我</a:t>
             </a:r>
             <a:endParaRPr lang="vi-VN" sz="4800" b="1" dirty="0">
+              <a:solidFill>
+                <a:srgbClr val="002060"/>
+              </a:solidFill>
               <a:ea typeface="Microsoft JhengHei" panose="020B0604030504040204" pitchFamily="34" charset="-120"/>
             </a:endParaRPr>
           </a:p>
@@ -3489,7 +3630,12 @@
             <p:ph idx="1"/>
           </p:nvPr>
         </p:nvSpPr>
-        <p:spPr/>
+        <p:spPr>
+          <a:xfrm>
+            <a:off x="609600" y="1600201"/>
+            <a:ext cx="10972800" cy="5257799"/>
+          </a:xfrm>
+        </p:spPr>
         <p:txBody>
           <a:bodyPr>
             <a:normAutofit/>
@@ -3501,11 +3647,26 @@
             </a:pPr>
             <a:r>
               <a:rPr lang="zh-CN" altLang="en-US" sz="5400" b="1" dirty="0" smtClean="0">
-                <a:ea typeface="Microsoft JhengHei" panose="020B0604030504040204" pitchFamily="34" charset="-120"/>
-              </a:rPr>
-              <a:t>勞碌豈能救我  我為人所知所行</a:t>
+                <a:solidFill>
+                  <a:srgbClr val="002060"/>
+                </a:solidFill>
+                <a:ea typeface="Microsoft JhengHei" panose="020B0604030504040204" pitchFamily="34" charset="-120"/>
+              </a:rPr>
+              <a:t>勞碌豈能救</a:t>
+            </a:r>
+            <a:r>
+              <a:rPr lang="zh-CN" altLang="en-US" sz="5400" b="1" dirty="0" smtClean="0">
+                <a:solidFill>
+                  <a:srgbClr val="002060"/>
+                </a:solidFill>
+                <a:ea typeface="Microsoft JhengHei" panose="020B0604030504040204" pitchFamily="34" charset="-120"/>
+              </a:rPr>
+              <a:t>我</a:t>
             </a:r>
             <a:endParaRPr lang="en-US" altLang="zh-CN" sz="5400" b="1" dirty="0" smtClean="0">
+              <a:solidFill>
+                <a:srgbClr val="002060"/>
+              </a:solidFill>
               <a:ea typeface="Microsoft JhengHei" panose="020B0604030504040204" pitchFamily="34" charset="-120"/>
             </a:endParaRPr>
           </a:p>
@@ -3515,11 +3676,26 @@
             </a:pPr>
             <a:r>
               <a:rPr lang="zh-CN" altLang="en-US" sz="5400" b="1" dirty="0" smtClean="0">
-                <a:ea typeface="Microsoft JhengHei" panose="020B0604030504040204" pitchFamily="34" charset="-120"/>
-              </a:rPr>
-              <a:t>雖使我能得好名</a:t>
+                <a:solidFill>
+                  <a:srgbClr val="002060"/>
+                </a:solidFill>
+                <a:ea typeface="Microsoft JhengHei" panose="020B0604030504040204" pitchFamily="34" charset="-120"/>
+              </a:rPr>
+              <a:t>我</a:t>
+            </a:r>
+            <a:r>
+              <a:rPr lang="zh-CN" altLang="en-US" sz="5400" b="1" dirty="0" smtClean="0">
+                <a:solidFill>
+                  <a:srgbClr val="002060"/>
+                </a:solidFill>
+                <a:ea typeface="Microsoft JhengHei" panose="020B0604030504040204" pitchFamily="34" charset="-120"/>
+              </a:rPr>
+              <a:t>為人所知所行</a:t>
             </a:r>
             <a:endParaRPr lang="en-US" altLang="zh-CN" sz="5400" b="1" dirty="0" smtClean="0">
+              <a:solidFill>
+                <a:srgbClr val="002060"/>
+              </a:solidFill>
               <a:ea typeface="Microsoft JhengHei" panose="020B0604030504040204" pitchFamily="34" charset="-120"/>
             </a:endParaRPr>
           </a:p>
@@ -3528,18 +3704,18 @@
               <a:buNone/>
             </a:pPr>
             <a:r>
-              <a:rPr lang="zh-CN" altLang="en-US" sz="5400" b="1" dirty="0">
-                <a:ea typeface="Microsoft JhengHei" panose="020B0604030504040204" pitchFamily="34" charset="-120"/>
-              </a:rPr>
-              <a:t>總不</a:t>
-            </a:r>
-            <a:r>
               <a:rPr lang="zh-CN" altLang="en-US" sz="5400" b="1" dirty="0" smtClean="0">
-                <a:ea typeface="Microsoft JhengHei" panose="020B0604030504040204" pitchFamily="34" charset="-120"/>
-              </a:rPr>
-              <a:t>能改正心情</a:t>
+                <a:solidFill>
+                  <a:srgbClr val="002060"/>
+                </a:solidFill>
+                <a:ea typeface="Microsoft JhengHei" panose="020B0604030504040204" pitchFamily="34" charset="-120"/>
+              </a:rPr>
+              <a:t>雖使我能得好名</a:t>
             </a:r>
             <a:endParaRPr lang="en-US" altLang="zh-CN" sz="5400" b="1" dirty="0" smtClean="0">
+              <a:solidFill>
+                <a:srgbClr val="002060"/>
+              </a:solidFill>
               <a:ea typeface="Microsoft JhengHei" panose="020B0604030504040204" pitchFamily="34" charset="-120"/>
             </a:endParaRPr>
           </a:p>
@@ -3549,49 +3725,96 @@
             </a:pPr>
             <a:r>
               <a:rPr lang="zh-CN" altLang="en-US" sz="5400" b="1" dirty="0">
-                <a:ea typeface="Microsoft JhengHei" panose="020B0604030504040204" pitchFamily="34" charset="-120"/>
-              </a:rPr>
-              <a:t>勞</a:t>
+                <a:solidFill>
+                  <a:srgbClr val="002060"/>
+                </a:solidFill>
+                <a:ea typeface="Microsoft JhengHei" panose="020B0604030504040204" pitchFamily="34" charset="-120"/>
+              </a:rPr>
+              <a:t>總不</a:t>
             </a:r>
             <a:r>
               <a:rPr lang="zh-CN" altLang="en-US" sz="5400" b="1" dirty="0" smtClean="0">
-                <a:ea typeface="Microsoft JhengHei" panose="020B0604030504040204" pitchFamily="34" charset="-120"/>
-              </a:rPr>
-              <a:t>碌</a:t>
-            </a:r>
-            <a:r>
-              <a:rPr lang="zh-CN" altLang="en-US" sz="5400" b="1" dirty="0">
-                <a:ea typeface="Microsoft JhengHei" panose="020B0604030504040204" pitchFamily="34" charset="-120"/>
-              </a:rPr>
-              <a:t>不能</a:t>
-            </a:r>
-            <a:r>
-              <a:rPr lang="zh-CN" altLang="en-US" sz="5400" b="1" dirty="0" smtClean="0">
-                <a:ea typeface="Microsoft JhengHei" panose="020B0604030504040204" pitchFamily="34" charset="-120"/>
-              </a:rPr>
-              <a:t>救</a:t>
-            </a:r>
-            <a:r>
-              <a:rPr lang="zh-CN" altLang="en-US" sz="5400" b="1" dirty="0">
-                <a:ea typeface="Microsoft JhengHei" panose="020B0604030504040204" pitchFamily="34" charset="-120"/>
-              </a:rPr>
-              <a:t>我</a:t>
-            </a:r>
-            <a:endParaRPr lang="vi-VN" sz="5400" b="1" dirty="0">
+                <a:solidFill>
+                  <a:srgbClr val="002060"/>
+                </a:solidFill>
+                <a:ea typeface="Microsoft JhengHei" panose="020B0604030504040204" pitchFamily="34" charset="-120"/>
+              </a:rPr>
+              <a:t>能改正心情</a:t>
+            </a:r>
+            <a:endParaRPr lang="en-US" altLang="zh-CN" sz="5400" b="1" dirty="0" smtClean="0">
+              <a:solidFill>
+                <a:srgbClr val="002060"/>
+              </a:solidFill>
               <a:ea typeface="Microsoft JhengHei" panose="020B0604030504040204" pitchFamily="34" charset="-120"/>
             </a:endParaRPr>
           </a:p>
-        </p:txBody>
-      </p:sp>
-      <p:sp>
-        <p:nvSpPr>
-          <p:cNvPr id="4" name="TextBox 3"/>
+          <a:p>
+            <a:pPr marL="0" indent="0" algn="ctr">
+              <a:buNone/>
+            </a:pPr>
+            <a:r>
+              <a:rPr lang="zh-CN" altLang="en-US" sz="5400" b="1" dirty="0">
+                <a:solidFill>
+                  <a:srgbClr val="002060"/>
+                </a:solidFill>
+                <a:ea typeface="Microsoft JhengHei" panose="020B0604030504040204" pitchFamily="34" charset="-120"/>
+              </a:rPr>
+              <a:t>勞</a:t>
+            </a:r>
+            <a:r>
+              <a:rPr lang="zh-CN" altLang="en-US" sz="5400" b="1" dirty="0" smtClean="0">
+                <a:solidFill>
+                  <a:srgbClr val="002060"/>
+                </a:solidFill>
+                <a:ea typeface="Microsoft JhengHei" panose="020B0604030504040204" pitchFamily="34" charset="-120"/>
+              </a:rPr>
+              <a:t>碌</a:t>
+            </a:r>
+            <a:r>
+              <a:rPr lang="zh-CN" altLang="en-US" sz="5400" b="1" dirty="0">
+                <a:solidFill>
+                  <a:srgbClr val="002060"/>
+                </a:solidFill>
+                <a:ea typeface="Microsoft JhengHei" panose="020B0604030504040204" pitchFamily="34" charset="-120"/>
+              </a:rPr>
+              <a:t>不能</a:t>
+            </a:r>
+            <a:r>
+              <a:rPr lang="zh-CN" altLang="en-US" sz="5400" b="1" dirty="0" smtClean="0">
+                <a:solidFill>
+                  <a:srgbClr val="002060"/>
+                </a:solidFill>
+                <a:ea typeface="Microsoft JhengHei" panose="020B0604030504040204" pitchFamily="34" charset="-120"/>
+              </a:rPr>
+              <a:t>救</a:t>
+            </a:r>
+            <a:r>
+              <a:rPr lang="zh-CN" altLang="en-US" sz="5400" b="1" dirty="0">
+                <a:solidFill>
+                  <a:srgbClr val="002060"/>
+                </a:solidFill>
+                <a:ea typeface="Microsoft JhengHei" panose="020B0604030504040204" pitchFamily="34" charset="-120"/>
+              </a:rPr>
+              <a:t>我</a:t>
+            </a:r>
+            <a:endParaRPr lang="vi-VN" sz="5400" b="1" dirty="0">
+              <a:solidFill>
+                <a:srgbClr val="002060"/>
+              </a:solidFill>
+              <a:ea typeface="Microsoft JhengHei" panose="020B0604030504040204" pitchFamily="34" charset="-120"/>
+            </a:endParaRPr>
+          </a:p>
+        </p:txBody>
+      </p:sp>
+      <p:sp>
+        <p:nvSpPr>
+          <p:cNvPr id="5" name="TextBox 4"/>
           <p:cNvSpPr txBox="1"/>
           <p:nvPr/>
         </p:nvSpPr>
         <p:spPr>
           <a:xfrm>
-            <a:off x="385010" y="1600201"/>
+            <a:off x="1461456" y="1704372"/>
             <a:ext cx="962527" cy="923330"/>
           </a:xfrm>
           <a:prstGeom prst="rect">
@@ -3606,14 +3829,26 @@
           <a:lstStyle/>
           <a:p>
             <a:r>
-              <a:rPr lang="en-US" sz="5400" b="1" dirty="0"/>
+              <a:rPr lang="en-US" sz="5400" b="1" dirty="0">
+                <a:solidFill>
+                  <a:srgbClr val="002060"/>
+                </a:solidFill>
+              </a:rPr>
               <a:t>2</a:t>
             </a:r>
             <a:r>
-              <a:rPr lang="en-US" sz="5400" b="1" dirty="0" smtClean="0"/>
+              <a:rPr lang="en-US" sz="5400" b="1" dirty="0" smtClean="0">
+                <a:solidFill>
+                  <a:srgbClr val="002060"/>
+                </a:solidFill>
+              </a:rPr>
               <a:t>.</a:t>
             </a:r>
-            <a:endParaRPr lang="vi-VN" sz="5400" b="1" dirty="0"/>
+            <a:endParaRPr lang="vi-VN" sz="5400" b="1" dirty="0">
+              <a:solidFill>
+                <a:srgbClr val="002060"/>
+              </a:solidFill>
+            </a:endParaRPr>
           </a:p>
         </p:txBody>
       </p:sp>
@@ -3666,12 +3901,18 @@
           <a:p>
             <a:r>
               <a:rPr lang="zh-CN" altLang="en-US" sz="4800" b="1" dirty="0">
+                <a:solidFill>
+                  <a:srgbClr val="002060"/>
+                </a:solidFill>
                 <a:latin typeface="Microsoft JhengHei" panose="020B0604030504040204" pitchFamily="34" charset="-120"/>
                 <a:ea typeface="Microsoft JhengHei" panose="020B0604030504040204" pitchFamily="34" charset="-120"/>
               </a:rPr>
               <a:t>惟主能救我</a:t>
             </a:r>
             <a:endParaRPr lang="vi-VN" sz="4800" b="1" dirty="0">
+              <a:solidFill>
+                <a:srgbClr val="002060"/>
+              </a:solidFill>
               <a:ea typeface="Microsoft JhengHei" panose="020B0604030504040204" pitchFamily="34" charset="-120"/>
             </a:endParaRPr>
           </a:p>
@@ -3699,11 +3940,17 @@
             </a:pPr>
             <a:r>
               <a:rPr lang="zh-CN" altLang="en-US" sz="5400" b="1" dirty="0" smtClean="0">
+                <a:solidFill>
+                  <a:srgbClr val="002060"/>
+                </a:solidFill>
                 <a:ea typeface="Microsoft JhengHei" panose="020B0604030504040204" pitchFamily="34" charset="-120"/>
               </a:rPr>
               <a:t>幸耶穌憐我苦況</a:t>
             </a:r>
             <a:endParaRPr lang="en-US" altLang="zh-CN" sz="5400" b="1" dirty="0" smtClean="0">
+              <a:solidFill>
+                <a:srgbClr val="002060"/>
+              </a:solidFill>
               <a:ea typeface="Microsoft JhengHei" panose="020B0604030504040204" pitchFamily="34" charset="-120"/>
             </a:endParaRPr>
           </a:p>
@@ -3713,17 +3960,26 @@
             </a:pPr>
             <a:r>
               <a:rPr lang="zh-CN" altLang="en-US" sz="5400" b="1" dirty="0">
+                <a:solidFill>
+                  <a:srgbClr val="002060"/>
+                </a:solidFill>
                 <a:ea typeface="Microsoft JhengHei" panose="020B0604030504040204" pitchFamily="34" charset="-120"/>
               </a:rPr>
               <a:t>為</a:t>
             </a:r>
             <a:r>
               <a:rPr lang="zh-CN" altLang="en-US" sz="5400" b="1" dirty="0" smtClean="0">
+                <a:solidFill>
+                  <a:srgbClr val="002060"/>
+                </a:solidFill>
                 <a:ea typeface="Microsoft JhengHei" panose="020B0604030504040204" pitchFamily="34" charset="-120"/>
               </a:rPr>
               <a:t>我死在十字架上</a:t>
             </a:r>
             <a:endParaRPr lang="en-US" altLang="zh-CN" sz="5400" b="1" dirty="0" smtClean="0">
+              <a:solidFill>
+                <a:srgbClr val="002060"/>
+              </a:solidFill>
               <a:ea typeface="Microsoft JhengHei" panose="020B0604030504040204" pitchFamily="34" charset="-120"/>
             </a:endParaRPr>
           </a:p>
@@ -3733,17 +3989,26 @@
             </a:pPr>
             <a:r>
               <a:rPr lang="zh-CN" altLang="en-US" sz="5400" b="1" dirty="0">
+                <a:solidFill>
+                  <a:srgbClr val="002060"/>
+                </a:solidFill>
                 <a:ea typeface="Microsoft JhengHei" panose="020B0604030504040204" pitchFamily="34" charset="-120"/>
               </a:rPr>
               <a:t>耶</a:t>
             </a:r>
             <a:r>
               <a:rPr lang="zh-CN" altLang="en-US" sz="5400" b="1" dirty="0" smtClean="0">
+                <a:solidFill>
+                  <a:srgbClr val="002060"/>
+                </a:solidFill>
                 <a:ea typeface="Microsoft JhengHei" panose="020B0604030504040204" pitchFamily="34" charset="-120"/>
               </a:rPr>
               <a:t>穌今把我釋放</a:t>
             </a:r>
             <a:endParaRPr lang="en-US" altLang="zh-CN" sz="5400" b="1" dirty="0" smtClean="0">
+              <a:solidFill>
+                <a:srgbClr val="002060"/>
+              </a:solidFill>
               <a:ea typeface="Microsoft JhengHei" panose="020B0604030504040204" pitchFamily="34" charset="-120"/>
             </a:endParaRPr>
           </a:p>
@@ -3753,18 +4018,27 @@
             </a:pPr>
             <a:r>
               <a:rPr lang="zh-CN" altLang="en-US" sz="5400" b="1" dirty="0" smtClean="0">
+                <a:solidFill>
+                  <a:srgbClr val="002060"/>
+                </a:solidFill>
                 <a:ea typeface="Microsoft JhengHei" panose="020B0604030504040204" pitchFamily="34" charset="-120"/>
               </a:rPr>
               <a:t>惟有主</a:t>
             </a:r>
             <a:r>
               <a:rPr lang="zh-CN" altLang="en-US" sz="5400" b="1" dirty="0">
+                <a:solidFill>
+                  <a:srgbClr val="002060"/>
+                </a:solidFill>
                 <a:latin typeface="Microsoft JhengHei" panose="020B0604030504040204" pitchFamily="34" charset="-120"/>
                 <a:ea typeface="Microsoft JhengHei" panose="020B0604030504040204" pitchFamily="34" charset="-120"/>
               </a:rPr>
               <a:t>能救我</a:t>
             </a:r>
             <a:endParaRPr lang="vi-VN" sz="5400" b="1" dirty="0">
+              <a:solidFill>
+                <a:srgbClr val="002060"/>
+              </a:solidFill>
               <a:ea typeface="Microsoft JhengHei" panose="020B0604030504040204" pitchFamily="34" charset="-120"/>
             </a:endParaRPr>
           </a:p>
@@ -3819,12 +4093,18 @@
           <a:p>
             <a:r>
               <a:rPr lang="zh-CN" altLang="en-US" sz="4800" b="1" dirty="0">
+                <a:solidFill>
+                  <a:srgbClr val="002060"/>
+                </a:solidFill>
                 <a:latin typeface="Microsoft JhengHei" panose="020B0604030504040204" pitchFamily="34" charset="-120"/>
                 <a:ea typeface="Microsoft JhengHei" panose="020B0604030504040204" pitchFamily="34" charset="-120"/>
               </a:rPr>
               <a:t>惟主能救我</a:t>
             </a:r>
             <a:endParaRPr lang="vi-VN" sz="4800" b="1" dirty="0">
+              <a:solidFill>
+                <a:srgbClr val="002060"/>
+              </a:solidFill>
               <a:ea typeface="Microsoft JhengHei" panose="020B0604030504040204" pitchFamily="34" charset="-120"/>
             </a:endParaRPr>
           </a:p>
@@ -3840,7 +4120,12 @@
             <p:ph idx="1"/>
           </p:nvPr>
         </p:nvSpPr>
-        <p:spPr/>
+        <p:spPr>
+          <a:xfrm>
+            <a:off x="609600" y="1600201"/>
+            <a:ext cx="10972800" cy="5257799"/>
+          </a:xfrm>
+        </p:spPr>
         <p:txBody>
           <a:bodyPr>
             <a:normAutofit/>
@@ -3852,35 +4137,35 @@
             </a:pPr>
             <a:r>
               <a:rPr lang="zh-CN" altLang="en-US" sz="5400" b="1" dirty="0">
+                <a:solidFill>
+                  <a:srgbClr val="002060"/>
+                </a:solidFill>
                 <a:ea typeface="Microsoft JhengHei" panose="020B0604030504040204" pitchFamily="34" charset="-120"/>
               </a:rPr>
               <a:t>等</a:t>
             </a:r>
             <a:r>
               <a:rPr lang="zh-CN" altLang="en-US" sz="5400" b="1" dirty="0" smtClean="0">
-                <a:ea typeface="Microsoft JhengHei" panose="020B0604030504040204" pitchFamily="34" charset="-120"/>
-              </a:rPr>
-              <a:t>候豈能救我</a:t>
-            </a:r>
-            <a:r>
-              <a:rPr lang="en-US" altLang="zh-CN" sz="5400" b="1" dirty="0">
-                <a:ea typeface="Microsoft JhengHei" panose="020B0604030504040204" pitchFamily="34" charset="-120"/>
-              </a:rPr>
-              <a:t> </a:t>
-            </a:r>
-            <a:r>
-              <a:rPr lang="en-US" altLang="zh-CN" sz="5400" b="1" dirty="0" smtClean="0">
-                <a:ea typeface="Microsoft JhengHei" panose="020B0604030504040204" pitchFamily="34" charset="-120"/>
-              </a:rPr>
-              <a:t> </a:t>
+                <a:solidFill>
+                  <a:srgbClr val="002060"/>
+                </a:solidFill>
+                <a:ea typeface="Microsoft JhengHei" panose="020B0604030504040204" pitchFamily="34" charset="-120"/>
+              </a:rPr>
+              <a:t>候豈能救</a:t>
             </a:r>
             <a:r>
               <a:rPr lang="zh-CN" altLang="en-US" sz="5400" b="1" dirty="0" smtClean="0">
-                <a:ea typeface="Microsoft JhengHei" panose="020B0604030504040204" pitchFamily="34" charset="-120"/>
-              </a:rPr>
-              <a:t>我無法惟奔耶穌</a:t>
-            </a:r>
-            <a:endParaRPr lang="en-US" altLang="zh-CN" sz="5400" b="1" dirty="0" smtClean="0">
+                <a:solidFill>
+                  <a:srgbClr val="002060"/>
+                </a:solidFill>
+                <a:ea typeface="Microsoft JhengHei" panose="020B0604030504040204" pitchFamily="34" charset="-120"/>
+              </a:rPr>
+              <a:t>我</a:t>
+            </a:r>
+            <a:endParaRPr lang="en-US" altLang="zh-CN" sz="5400" b="1" dirty="0">
+              <a:solidFill>
+                <a:srgbClr val="002060"/>
+              </a:solidFill>
               <a:ea typeface="Microsoft JhengHei" panose="020B0604030504040204" pitchFamily="34" charset="-120"/>
             </a:endParaRPr>
           </a:p>
@@ -3889,18 +4174,27 @@
               <a:buNone/>
             </a:pPr>
             <a:r>
-              <a:rPr lang="zh-CN" altLang="en-US" sz="5400" b="1" dirty="0">
-                <a:ea typeface="Microsoft JhengHei" panose="020B0604030504040204" pitchFamily="34" charset="-120"/>
-              </a:rPr>
-              <a:t>速求主挽</a:t>
-            </a:r>
-            <a:r>
               <a:rPr lang="zh-CN" altLang="en-US" sz="5400" b="1" dirty="0" smtClean="0">
-                <a:ea typeface="Microsoft JhengHei" panose="020B0604030504040204" pitchFamily="34" charset="-120"/>
-              </a:rPr>
-              <a:t>囘義怒</a:t>
+                <a:solidFill>
+                  <a:srgbClr val="002060"/>
+                </a:solidFill>
+                <a:ea typeface="Microsoft JhengHei" panose="020B0604030504040204" pitchFamily="34" charset="-120"/>
+              </a:rPr>
+              <a:t>我</a:t>
+            </a:r>
+            <a:r>
+              <a:rPr lang="zh-CN" altLang="en-US" sz="5400" b="1" dirty="0" smtClean="0">
+                <a:solidFill>
+                  <a:srgbClr val="002060"/>
+                </a:solidFill>
+                <a:ea typeface="Microsoft JhengHei" panose="020B0604030504040204" pitchFamily="34" charset="-120"/>
+              </a:rPr>
+              <a:t>無法惟奔耶穌</a:t>
             </a:r>
             <a:endParaRPr lang="en-US" altLang="zh-CN" sz="5400" b="1" dirty="0" smtClean="0">
+              <a:solidFill>
+                <a:srgbClr val="002060"/>
+              </a:solidFill>
               <a:ea typeface="Microsoft JhengHei" panose="020B0604030504040204" pitchFamily="34" charset="-120"/>
             </a:endParaRPr>
           </a:p>
@@ -3910,17 +4204,26 @@
             </a:pPr>
             <a:r>
               <a:rPr lang="zh-CN" altLang="en-US" sz="5400" b="1" dirty="0">
-                <a:ea typeface="Microsoft JhengHei" panose="020B0604030504040204" pitchFamily="34" charset="-120"/>
-              </a:rPr>
-              <a:t>若躭</a:t>
+                <a:solidFill>
+                  <a:srgbClr val="002060"/>
+                </a:solidFill>
+                <a:ea typeface="Microsoft JhengHei" panose="020B0604030504040204" pitchFamily="34" charset="-120"/>
+              </a:rPr>
+              <a:t>速求主挽</a:t>
             </a:r>
             <a:r>
               <a:rPr lang="zh-CN" altLang="en-US" sz="5400" b="1" dirty="0" smtClean="0">
-                <a:ea typeface="Microsoft JhengHei" panose="020B0604030504040204" pitchFamily="34" charset="-120"/>
-              </a:rPr>
-              <a:t>延必受永苦</a:t>
+                <a:solidFill>
+                  <a:srgbClr val="002060"/>
+                </a:solidFill>
+                <a:ea typeface="Microsoft JhengHei" panose="020B0604030504040204" pitchFamily="34" charset="-120"/>
+              </a:rPr>
+              <a:t>囘義怒</a:t>
             </a:r>
             <a:endParaRPr lang="en-US" altLang="zh-CN" sz="5400" b="1" dirty="0" smtClean="0">
+              <a:solidFill>
+                <a:srgbClr val="002060"/>
+              </a:solidFill>
               <a:ea typeface="Microsoft JhengHei" panose="020B0604030504040204" pitchFamily="34" charset="-120"/>
             </a:endParaRPr>
           </a:p>
@@ -3930,31 +4233,69 @@
             </a:pPr>
             <a:r>
               <a:rPr lang="zh-CN" altLang="en-US" sz="5400" b="1" dirty="0">
-                <a:ea typeface="Microsoft JhengHei" panose="020B0604030504040204" pitchFamily="34" charset="-120"/>
-              </a:rPr>
-              <a:t>等</a:t>
+                <a:solidFill>
+                  <a:srgbClr val="002060"/>
+                </a:solidFill>
+                <a:ea typeface="Microsoft JhengHei" panose="020B0604030504040204" pitchFamily="34" charset="-120"/>
+              </a:rPr>
+              <a:t>若躭</a:t>
             </a:r>
             <a:r>
               <a:rPr lang="zh-CN" altLang="en-US" sz="5400" b="1" dirty="0" smtClean="0">
-                <a:ea typeface="Microsoft JhengHei" panose="020B0604030504040204" pitchFamily="34" charset="-120"/>
-              </a:rPr>
-              <a:t>候豈能救我</a:t>
+                <a:solidFill>
+                  <a:srgbClr val="002060"/>
+                </a:solidFill>
+                <a:ea typeface="Microsoft JhengHei" panose="020B0604030504040204" pitchFamily="34" charset="-120"/>
+              </a:rPr>
+              <a:t>延必受永苦</a:t>
             </a:r>
             <a:endParaRPr lang="en-US" altLang="zh-CN" sz="5400" b="1" dirty="0" smtClean="0">
+              <a:solidFill>
+                <a:srgbClr val="002060"/>
+              </a:solidFill>
               <a:ea typeface="Microsoft JhengHei" panose="020B0604030504040204" pitchFamily="34" charset="-120"/>
             </a:endParaRPr>
           </a:p>
-        </p:txBody>
-      </p:sp>
-      <p:sp>
-        <p:nvSpPr>
-          <p:cNvPr id="4" name="TextBox 3"/>
+          <a:p>
+            <a:pPr marL="0" indent="0" algn="ctr">
+              <a:buNone/>
+            </a:pPr>
+            <a:r>
+              <a:rPr lang="zh-CN" altLang="en-US" sz="5400" b="1" dirty="0">
+                <a:solidFill>
+                  <a:srgbClr val="002060"/>
+                </a:solidFill>
+                <a:ea typeface="Microsoft JhengHei" panose="020B0604030504040204" pitchFamily="34" charset="-120"/>
+              </a:rPr>
+              <a:t>等</a:t>
+            </a:r>
+            <a:r>
+              <a:rPr lang="zh-CN" altLang="en-US" sz="5400" b="1" dirty="0" smtClean="0">
+                <a:solidFill>
+                  <a:srgbClr val="002060"/>
+                </a:solidFill>
+                <a:ea typeface="Microsoft JhengHei" panose="020B0604030504040204" pitchFamily="34" charset="-120"/>
+              </a:rPr>
+              <a:t>候豈能救我</a:t>
+            </a:r>
+            <a:endParaRPr lang="en-US" altLang="zh-CN" sz="5400" b="1" dirty="0" smtClean="0">
+              <a:solidFill>
+                <a:srgbClr val="002060"/>
+              </a:solidFill>
+              <a:ea typeface="Microsoft JhengHei" panose="020B0604030504040204" pitchFamily="34" charset="-120"/>
+            </a:endParaRPr>
+          </a:p>
+        </p:txBody>
+      </p:sp>
+      <p:sp>
+        <p:nvSpPr>
+          <p:cNvPr id="5" name="TextBox 4"/>
           <p:cNvSpPr txBox="1"/>
           <p:nvPr/>
         </p:nvSpPr>
         <p:spPr>
           <a:xfrm>
-            <a:off x="385010" y="1600201"/>
+            <a:off x="1461456" y="1704372"/>
             <a:ext cx="962527" cy="923330"/>
           </a:xfrm>
           <a:prstGeom prst="rect">
@@ -3969,10 +4310,26 @@
           <a:lstStyle/>
           <a:p>
             <a:r>
-              <a:rPr lang="en-US" sz="5400" b="1" dirty="0" smtClean="0"/>
-              <a:t>3.</a:t>
-            </a:r>
-            <a:endParaRPr lang="vi-VN" sz="5400" b="1" dirty="0"/>
+              <a:rPr lang="en-US" sz="5400" b="1" dirty="0" smtClean="0">
+                <a:solidFill>
+                  <a:srgbClr val="002060"/>
+                </a:solidFill>
+              </a:rPr>
+              <a:t>3</a:t>
+            </a:r>
+            <a:r>
+              <a:rPr lang="en-US" sz="5400" b="1" dirty="0" smtClean="0">
+                <a:solidFill>
+                  <a:srgbClr val="002060"/>
+                </a:solidFill>
+              </a:rPr>
+              <a:t>.</a:t>
+            </a:r>
+            <a:endParaRPr lang="vi-VN" sz="5400" b="1" dirty="0">
+              <a:solidFill>
+                <a:srgbClr val="002060"/>
+              </a:solidFill>
+            </a:endParaRPr>
           </a:p>
         </p:txBody>
       </p:sp>
@@ -4025,12 +4382,18 @@
           <a:p>
             <a:r>
               <a:rPr lang="zh-CN" altLang="en-US" sz="4800" b="1" dirty="0">
+                <a:solidFill>
+                  <a:srgbClr val="002060"/>
+                </a:solidFill>
                 <a:latin typeface="Microsoft JhengHei" panose="020B0604030504040204" pitchFamily="34" charset="-120"/>
                 <a:ea typeface="Microsoft JhengHei" panose="020B0604030504040204" pitchFamily="34" charset="-120"/>
               </a:rPr>
               <a:t>惟主能救我</a:t>
             </a:r>
             <a:endParaRPr lang="vi-VN" sz="4800" b="1" dirty="0">
+              <a:solidFill>
+                <a:srgbClr val="002060"/>
+              </a:solidFill>
               <a:ea typeface="Microsoft JhengHei" panose="020B0604030504040204" pitchFamily="34" charset="-120"/>
             </a:endParaRPr>
           </a:p>
@@ -4058,11 +4421,17 @@
             </a:pPr>
             <a:r>
               <a:rPr lang="zh-CN" altLang="en-US" sz="5400" b="1" dirty="0" smtClean="0">
+                <a:solidFill>
+                  <a:srgbClr val="002060"/>
+                </a:solidFill>
                 <a:ea typeface="Microsoft JhengHei" panose="020B0604030504040204" pitchFamily="34" charset="-120"/>
               </a:rPr>
               <a:t>幸耶穌憐我苦況</a:t>
             </a:r>
             <a:endParaRPr lang="en-US" altLang="zh-CN" sz="5400" b="1" dirty="0" smtClean="0">
+              <a:solidFill>
+                <a:srgbClr val="002060"/>
+              </a:solidFill>
               <a:ea typeface="Microsoft JhengHei" panose="020B0604030504040204" pitchFamily="34" charset="-120"/>
             </a:endParaRPr>
           </a:p>
@@ -4072,17 +4441,26 @@
             </a:pPr>
             <a:r>
               <a:rPr lang="zh-CN" altLang="en-US" sz="5400" b="1" dirty="0">
+                <a:solidFill>
+                  <a:srgbClr val="002060"/>
+                </a:solidFill>
                 <a:ea typeface="Microsoft JhengHei" panose="020B0604030504040204" pitchFamily="34" charset="-120"/>
               </a:rPr>
               <a:t>為</a:t>
             </a:r>
             <a:r>
               <a:rPr lang="zh-CN" altLang="en-US" sz="5400" b="1" dirty="0" smtClean="0">
+                <a:solidFill>
+                  <a:srgbClr val="002060"/>
+                </a:solidFill>
                 <a:ea typeface="Microsoft JhengHei" panose="020B0604030504040204" pitchFamily="34" charset="-120"/>
               </a:rPr>
               <a:t>我死在十字架上</a:t>
             </a:r>
             <a:endParaRPr lang="en-US" altLang="zh-CN" sz="5400" b="1" dirty="0" smtClean="0">
+              <a:solidFill>
+                <a:srgbClr val="002060"/>
+              </a:solidFill>
               <a:ea typeface="Microsoft JhengHei" panose="020B0604030504040204" pitchFamily="34" charset="-120"/>
             </a:endParaRPr>
           </a:p>
@@ -4092,17 +4470,26 @@
             </a:pPr>
             <a:r>
               <a:rPr lang="zh-CN" altLang="en-US" sz="5400" b="1" dirty="0">
+                <a:solidFill>
+                  <a:srgbClr val="002060"/>
+                </a:solidFill>
                 <a:ea typeface="Microsoft JhengHei" panose="020B0604030504040204" pitchFamily="34" charset="-120"/>
               </a:rPr>
               <a:t>耶</a:t>
             </a:r>
             <a:r>
               <a:rPr lang="zh-CN" altLang="en-US" sz="5400" b="1" dirty="0" smtClean="0">
+                <a:solidFill>
+                  <a:srgbClr val="002060"/>
+                </a:solidFill>
                 <a:ea typeface="Microsoft JhengHei" panose="020B0604030504040204" pitchFamily="34" charset="-120"/>
               </a:rPr>
               <a:t>穌今把我釋放</a:t>
             </a:r>
             <a:endParaRPr lang="en-US" altLang="zh-CN" sz="5400" b="1" dirty="0" smtClean="0">
+              <a:solidFill>
+                <a:srgbClr val="002060"/>
+              </a:solidFill>
               <a:ea typeface="Microsoft JhengHei" panose="020B0604030504040204" pitchFamily="34" charset="-120"/>
             </a:endParaRPr>
           </a:p>
@@ -4112,18 +4499,27 @@
             </a:pPr>
             <a:r>
               <a:rPr lang="zh-CN" altLang="en-US" sz="5400" b="1" dirty="0" smtClean="0">
+                <a:solidFill>
+                  <a:srgbClr val="002060"/>
+                </a:solidFill>
                 <a:ea typeface="Microsoft JhengHei" panose="020B0604030504040204" pitchFamily="34" charset="-120"/>
               </a:rPr>
               <a:t>惟有主</a:t>
             </a:r>
             <a:r>
               <a:rPr lang="zh-CN" altLang="en-US" sz="5400" b="1" dirty="0">
+                <a:solidFill>
+                  <a:srgbClr val="002060"/>
+                </a:solidFill>
                 <a:latin typeface="Microsoft JhengHei" panose="020B0604030504040204" pitchFamily="34" charset="-120"/>
                 <a:ea typeface="Microsoft JhengHei" panose="020B0604030504040204" pitchFamily="34" charset="-120"/>
               </a:rPr>
               <a:t>能救我</a:t>
             </a:r>
             <a:endParaRPr lang="vi-VN" sz="5400" b="1" dirty="0">
+              <a:solidFill>
+                <a:srgbClr val="002060"/>
+              </a:solidFill>
               <a:ea typeface="Microsoft JhengHei" panose="020B0604030504040204" pitchFamily="34" charset="-120"/>
             </a:endParaRPr>
           </a:p>
@@ -4178,12 +4574,18 @@
           <a:p>
             <a:r>
               <a:rPr lang="zh-CN" altLang="en-US" sz="4800" b="1" dirty="0">
+                <a:solidFill>
+                  <a:srgbClr val="002060"/>
+                </a:solidFill>
                 <a:latin typeface="Microsoft JhengHei" panose="020B0604030504040204" pitchFamily="34" charset="-120"/>
                 <a:ea typeface="Microsoft JhengHei" panose="020B0604030504040204" pitchFamily="34" charset="-120"/>
               </a:rPr>
               <a:t>惟主能救我</a:t>
             </a:r>
             <a:endParaRPr lang="vi-VN" sz="4800" b="1" dirty="0">
+              <a:solidFill>
+                <a:srgbClr val="002060"/>
+              </a:solidFill>
               <a:ea typeface="Microsoft JhengHei" panose="020B0604030504040204" pitchFamily="34" charset="-120"/>
             </a:endParaRPr>
           </a:p>
@@ -4199,7 +4601,12 @@
             <p:ph idx="1"/>
           </p:nvPr>
         </p:nvSpPr>
-        <p:spPr/>
+        <p:spPr>
+          <a:xfrm>
+            <a:off x="609600" y="1600201"/>
+            <a:ext cx="10972800" cy="5257799"/>
+          </a:xfrm>
+        </p:spPr>
         <p:txBody>
           <a:bodyPr>
             <a:normAutofit/>
@@ -4211,6 +4618,9 @@
             </a:pPr>
             <a:r>
               <a:rPr lang="zh-CN" altLang="en-US" sz="5400" b="1" dirty="0">
+                <a:solidFill>
+                  <a:srgbClr val="002060"/>
+                </a:solidFill>
                 <a:latin typeface="Microsoft JhengHei" panose="020B0604030504040204" pitchFamily="34" charset="-120"/>
                 <a:ea typeface="Microsoft JhengHei" panose="020B0604030504040204" pitchFamily="34" charset="-120"/>
               </a:rPr>
@@ -4218,12 +4628,18 @@
             </a:r>
             <a:r>
               <a:rPr lang="zh-CN" altLang="en-US" sz="5400" b="1" dirty="0" smtClean="0">
+                <a:solidFill>
+                  <a:srgbClr val="002060"/>
+                </a:solidFill>
                 <a:latin typeface="Microsoft JhengHei" panose="020B0604030504040204" pitchFamily="34" charset="-120"/>
                 <a:ea typeface="Microsoft JhengHei" panose="020B0604030504040204" pitchFamily="34" charset="-120"/>
               </a:rPr>
-              <a:t>我  只要我靠主救恩</a:t>
+              <a:t>我</a:t>
             </a:r>
             <a:endParaRPr lang="en-US" altLang="zh-CN" sz="5400" b="1" dirty="0" smtClean="0">
+              <a:solidFill>
+                <a:srgbClr val="002060"/>
+              </a:solidFill>
               <a:latin typeface="Microsoft JhengHei" panose="020B0604030504040204" pitchFamily="34" charset="-120"/>
               <a:ea typeface="Microsoft JhengHei" panose="020B0604030504040204" pitchFamily="34" charset="-120"/>
             </a:endParaRPr>
@@ -4233,20 +4649,29 @@
               <a:buNone/>
             </a:pPr>
             <a:r>
-              <a:rPr lang="zh-CN" altLang="en-US" sz="5400" b="1" dirty="0">
+              <a:rPr lang="zh-CN" altLang="en-US" sz="5400" b="1" dirty="0" smtClean="0">
+                <a:solidFill>
+                  <a:srgbClr val="002060"/>
+                </a:solidFill>
                 <a:latin typeface="Microsoft JhengHei" panose="020B0604030504040204" pitchFamily="34" charset="-120"/>
                 <a:ea typeface="Microsoft JhengHei" panose="020B0604030504040204" pitchFamily="34" charset="-120"/>
               </a:rPr>
-              <a:t>他為</a:t>
+              <a:t>只</a:t>
             </a:r>
             <a:r>
               <a:rPr lang="zh-CN" altLang="en-US" sz="5400" b="1" dirty="0" smtClean="0">
+                <a:solidFill>
+                  <a:srgbClr val="002060"/>
+                </a:solidFill>
                 <a:latin typeface="Microsoft JhengHei" panose="020B0604030504040204" pitchFamily="34" charset="-120"/>
                 <a:ea typeface="Microsoft JhengHei" panose="020B0604030504040204" pitchFamily="34" charset="-120"/>
               </a:rPr>
-              <a:t>我打開天門</a:t>
+              <a:t>要我靠主救恩</a:t>
             </a:r>
             <a:endParaRPr lang="en-US" altLang="zh-CN" sz="5400" b="1" dirty="0" smtClean="0">
+              <a:solidFill>
+                <a:srgbClr val="002060"/>
+              </a:solidFill>
               <a:latin typeface="Microsoft JhengHei" panose="020B0604030504040204" pitchFamily="34" charset="-120"/>
               <a:ea typeface="Microsoft JhengHei" panose="020B0604030504040204" pitchFamily="34" charset="-120"/>
             </a:endParaRPr>
@@ -4257,19 +4682,28 @@
             </a:pPr>
             <a:r>
               <a:rPr lang="zh-CN" altLang="en-US" sz="5400" b="1" dirty="0">
+                <a:solidFill>
+                  <a:srgbClr val="002060"/>
+                </a:solidFill>
                 <a:latin typeface="Microsoft JhengHei" panose="020B0604030504040204" pitchFamily="34" charset="-120"/>
                 <a:ea typeface="Microsoft JhengHei" panose="020B0604030504040204" pitchFamily="34" charset="-120"/>
               </a:rPr>
-              <a:t>我因</a:t>
+              <a:t>他為</a:t>
             </a:r>
             <a:r>
               <a:rPr lang="zh-CN" altLang="en-US" sz="5400" b="1" dirty="0" smtClean="0">
+                <a:solidFill>
+                  <a:srgbClr val="002060"/>
+                </a:solidFill>
                 <a:latin typeface="Microsoft JhengHei" panose="020B0604030504040204" pitchFamily="34" charset="-120"/>
                 <a:ea typeface="Microsoft JhengHei" panose="020B0604030504040204" pitchFamily="34" charset="-120"/>
               </a:rPr>
-              <a:t>此向主直奔</a:t>
+              <a:t>我打開天門</a:t>
             </a:r>
             <a:endParaRPr lang="en-US" altLang="zh-CN" sz="5400" b="1" dirty="0" smtClean="0">
+              <a:solidFill>
+                <a:srgbClr val="002060"/>
+              </a:solidFill>
               <a:latin typeface="Microsoft JhengHei" panose="020B0604030504040204" pitchFamily="34" charset="-120"/>
               <a:ea typeface="Microsoft JhengHei" panose="020B0604030504040204" pitchFamily="34" charset="-120"/>
             </a:endParaRPr>
@@ -4280,26 +4714,74 @@
             </a:pPr>
             <a:r>
               <a:rPr lang="zh-CN" altLang="en-US" sz="5400" b="1" dirty="0">
+                <a:solidFill>
+                  <a:srgbClr val="002060"/>
+                </a:solidFill>
                 <a:latin typeface="Microsoft JhengHei" panose="020B0604030504040204" pitchFamily="34" charset="-120"/>
                 <a:ea typeface="Microsoft JhengHei" panose="020B0604030504040204" pitchFamily="34" charset="-120"/>
               </a:rPr>
-              <a:t>惟主能救我</a:t>
+              <a:t>我因</a:t>
+            </a:r>
+            <a:r>
+              <a:rPr lang="zh-CN" altLang="en-US" sz="5400" b="1" dirty="0" smtClean="0">
+                <a:solidFill>
+                  <a:srgbClr val="002060"/>
+                </a:solidFill>
+                <a:latin typeface="Microsoft JhengHei" panose="020B0604030504040204" pitchFamily="34" charset="-120"/>
+                <a:ea typeface="Microsoft JhengHei" panose="020B0604030504040204" pitchFamily="34" charset="-120"/>
+              </a:rPr>
+              <a:t>此向主直奔</a:t>
             </a:r>
             <a:endParaRPr lang="en-US" altLang="zh-CN" sz="5400" b="1" dirty="0" smtClean="0">
+              <a:solidFill>
+                <a:srgbClr val="002060"/>
+              </a:solidFill>
+              <a:latin typeface="Microsoft JhengHei" panose="020B0604030504040204" pitchFamily="34" charset="-120"/>
               <a:ea typeface="Microsoft JhengHei" panose="020B0604030504040204" pitchFamily="34" charset="-120"/>
             </a:endParaRPr>
           </a:p>
-        </p:txBody>
-      </p:sp>
-      <p:sp>
-        <p:nvSpPr>
-          <p:cNvPr id="4" name="TextBox 3"/>
+          <a:p>
+            <a:pPr marL="0" indent="0" algn="ctr">
+              <a:buNone/>
+            </a:pPr>
+            <a:r>
+              <a:rPr lang="zh-CN" altLang="en-US" sz="5400" b="1" dirty="0" smtClean="0">
+                <a:solidFill>
+                  <a:srgbClr val="002060"/>
+                </a:solidFill>
+                <a:latin typeface="Microsoft JhengHei" panose="020B0604030504040204" pitchFamily="34" charset="-120"/>
+                <a:ea typeface="Microsoft JhengHei" panose="020B0604030504040204" pitchFamily="34" charset="-120"/>
+              </a:rPr>
+              <a:t>惟有主</a:t>
+            </a:r>
+            <a:r>
+              <a:rPr lang="zh-CN" altLang="en-US" sz="5400" b="1" dirty="0">
+                <a:solidFill>
+                  <a:srgbClr val="002060"/>
+                </a:solidFill>
+                <a:latin typeface="Microsoft JhengHei" panose="020B0604030504040204" pitchFamily="34" charset="-120"/>
+                <a:ea typeface="Microsoft JhengHei" panose="020B0604030504040204" pitchFamily="34" charset="-120"/>
+              </a:rPr>
+              <a:t>能救我</a:t>
+            </a:r>
+            <a:endParaRPr lang="en-US" altLang="zh-CN" sz="5400" b="1" dirty="0" smtClean="0">
+              <a:solidFill>
+                <a:srgbClr val="002060"/>
+              </a:solidFill>
+              <a:ea typeface="Microsoft JhengHei" panose="020B0604030504040204" pitchFamily="34" charset="-120"/>
+            </a:endParaRPr>
+          </a:p>
+        </p:txBody>
+      </p:sp>
+      <p:sp>
+        <p:nvSpPr>
+          <p:cNvPr id="6" name="TextBox 5"/>
           <p:cNvSpPr txBox="1"/>
           <p:nvPr/>
         </p:nvSpPr>
         <p:spPr>
           <a:xfrm>
-            <a:off x="385010" y="1600201"/>
+            <a:off x="1461456" y="1704372"/>
             <a:ext cx="962527" cy="923330"/>
           </a:xfrm>
           <a:prstGeom prst="rect">
@@ -4314,14 +4796,26 @@
           <a:lstStyle/>
           <a:p>
             <a:r>
-              <a:rPr lang="en-US" sz="5400" b="1" dirty="0"/>
+              <a:rPr lang="en-US" sz="5400" b="1" dirty="0">
+                <a:solidFill>
+                  <a:srgbClr val="002060"/>
+                </a:solidFill>
+              </a:rPr>
               <a:t>4</a:t>
             </a:r>
             <a:r>
-              <a:rPr lang="en-US" sz="5400" b="1" dirty="0" smtClean="0"/>
+              <a:rPr lang="en-US" sz="5400" b="1" dirty="0" smtClean="0">
+                <a:solidFill>
+                  <a:srgbClr val="002060"/>
+                </a:solidFill>
+              </a:rPr>
               <a:t>.</a:t>
             </a:r>
-            <a:endParaRPr lang="vi-VN" sz="5400" b="1" dirty="0"/>
+            <a:endParaRPr lang="vi-VN" sz="5400" b="1" dirty="0">
+              <a:solidFill>
+                <a:srgbClr val="002060"/>
+              </a:solidFill>
+            </a:endParaRPr>
           </a:p>
         </p:txBody>
       </p:sp>
@@ -4374,12 +4868,18 @@
           <a:p>
             <a:r>
               <a:rPr lang="zh-CN" altLang="en-US" sz="4800" b="1" dirty="0">
+                <a:solidFill>
+                  <a:srgbClr val="002060"/>
+                </a:solidFill>
                 <a:latin typeface="Microsoft JhengHei" panose="020B0604030504040204" pitchFamily="34" charset="-120"/>
                 <a:ea typeface="Microsoft JhengHei" panose="020B0604030504040204" pitchFamily="34" charset="-120"/>
               </a:rPr>
               <a:t>惟主能救我</a:t>
             </a:r>
             <a:endParaRPr lang="vi-VN" sz="4800" b="1" dirty="0">
+              <a:solidFill>
+                <a:srgbClr val="002060"/>
+              </a:solidFill>
               <a:ea typeface="Microsoft JhengHei" panose="020B0604030504040204" pitchFamily="34" charset="-120"/>
             </a:endParaRPr>
           </a:p>
@@ -4407,11 +4907,17 @@
             </a:pPr>
             <a:r>
               <a:rPr lang="zh-CN" altLang="en-US" sz="5400" b="1" dirty="0" smtClean="0">
+                <a:solidFill>
+                  <a:srgbClr val="002060"/>
+                </a:solidFill>
                 <a:ea typeface="Microsoft JhengHei" panose="020B0604030504040204" pitchFamily="34" charset="-120"/>
               </a:rPr>
               <a:t>幸耶穌憐我苦況</a:t>
             </a:r>
             <a:endParaRPr lang="en-US" altLang="zh-CN" sz="5400" b="1" dirty="0" smtClean="0">
+              <a:solidFill>
+                <a:srgbClr val="002060"/>
+              </a:solidFill>
               <a:ea typeface="Microsoft JhengHei" panose="020B0604030504040204" pitchFamily="34" charset="-120"/>
             </a:endParaRPr>
           </a:p>
@@ -4421,17 +4927,26 @@
             </a:pPr>
             <a:r>
               <a:rPr lang="zh-CN" altLang="en-US" sz="5400" b="1" dirty="0">
+                <a:solidFill>
+                  <a:srgbClr val="002060"/>
+                </a:solidFill>
                 <a:ea typeface="Microsoft JhengHei" panose="020B0604030504040204" pitchFamily="34" charset="-120"/>
               </a:rPr>
               <a:t>為</a:t>
             </a:r>
             <a:r>
               <a:rPr lang="zh-CN" altLang="en-US" sz="5400" b="1" dirty="0" smtClean="0">
+                <a:solidFill>
+                  <a:srgbClr val="002060"/>
+                </a:solidFill>
                 <a:ea typeface="Microsoft JhengHei" panose="020B0604030504040204" pitchFamily="34" charset="-120"/>
               </a:rPr>
               <a:t>我死在十字架上</a:t>
             </a:r>
             <a:endParaRPr lang="en-US" altLang="zh-CN" sz="5400" b="1" dirty="0" smtClean="0">
+              <a:solidFill>
+                <a:srgbClr val="002060"/>
+              </a:solidFill>
               <a:ea typeface="Microsoft JhengHei" panose="020B0604030504040204" pitchFamily="34" charset="-120"/>
             </a:endParaRPr>
           </a:p>
@@ -4441,17 +4956,26 @@
             </a:pPr>
             <a:r>
               <a:rPr lang="zh-CN" altLang="en-US" sz="5400" b="1" dirty="0">
+                <a:solidFill>
+                  <a:srgbClr val="002060"/>
+                </a:solidFill>
                 <a:ea typeface="Microsoft JhengHei" panose="020B0604030504040204" pitchFamily="34" charset="-120"/>
               </a:rPr>
               <a:t>耶</a:t>
             </a:r>
             <a:r>
               <a:rPr lang="zh-CN" altLang="en-US" sz="5400" b="1" dirty="0" smtClean="0">
+                <a:solidFill>
+                  <a:srgbClr val="002060"/>
+                </a:solidFill>
                 <a:ea typeface="Microsoft JhengHei" panose="020B0604030504040204" pitchFamily="34" charset="-120"/>
               </a:rPr>
               <a:t>穌今把我釋放</a:t>
             </a:r>
             <a:endParaRPr lang="en-US" altLang="zh-CN" sz="5400" b="1" dirty="0" smtClean="0">
+              <a:solidFill>
+                <a:srgbClr val="002060"/>
+              </a:solidFill>
               <a:ea typeface="Microsoft JhengHei" panose="020B0604030504040204" pitchFamily="34" charset="-120"/>
             </a:endParaRPr>
           </a:p>
@@ -4461,18 +4985,27 @@
             </a:pPr>
             <a:r>
               <a:rPr lang="zh-CN" altLang="en-US" sz="5400" b="1" dirty="0" smtClean="0">
+                <a:solidFill>
+                  <a:srgbClr val="002060"/>
+                </a:solidFill>
                 <a:ea typeface="Microsoft JhengHei" panose="020B0604030504040204" pitchFamily="34" charset="-120"/>
               </a:rPr>
               <a:t>惟有主</a:t>
             </a:r>
             <a:r>
               <a:rPr lang="zh-CN" altLang="en-US" sz="5400" b="1" dirty="0">
+                <a:solidFill>
+                  <a:srgbClr val="002060"/>
+                </a:solidFill>
                 <a:latin typeface="Microsoft JhengHei" panose="020B0604030504040204" pitchFamily="34" charset="-120"/>
                 <a:ea typeface="Microsoft JhengHei" panose="020B0604030504040204" pitchFamily="34" charset="-120"/>
               </a:rPr>
               <a:t>能救我</a:t>
             </a:r>
             <a:endParaRPr lang="vi-VN" sz="5400" b="1" dirty="0">
+              <a:solidFill>
+                <a:srgbClr val="002060"/>
+              </a:solidFill>
               <a:ea typeface="Microsoft JhengHei" panose="020B0604030504040204" pitchFamily="34" charset="-120"/>
             </a:endParaRPr>
           </a:p>

--- a/宣道詩/(宣道詩36)惟主能救我.pptx
+++ b/宣道詩/(宣道詩36)惟主能救我.pptx
@@ -5,14 +5,23 @@
     <p:sldMasterId id="2147483660" r:id="rId1"/>
   </p:sldMasterIdLst>
   <p:sldIdLst>
-    <p:sldId id="257" r:id="rId2"/>
-    <p:sldId id="261" r:id="rId3"/>
+    <p:sldId id="256" r:id="rId2"/>
+    <p:sldId id="257" r:id="rId3"/>
     <p:sldId id="258" r:id="rId4"/>
-    <p:sldId id="262" r:id="rId5"/>
-    <p:sldId id="259" r:id="rId6"/>
-    <p:sldId id="263" r:id="rId7"/>
-    <p:sldId id="260" r:id="rId8"/>
-    <p:sldId id="264" r:id="rId9"/>
+    <p:sldId id="259" r:id="rId5"/>
+    <p:sldId id="260" r:id="rId6"/>
+    <p:sldId id="261" r:id="rId7"/>
+    <p:sldId id="262" r:id="rId8"/>
+    <p:sldId id="263" r:id="rId9"/>
+    <p:sldId id="264" r:id="rId10"/>
+    <p:sldId id="265" r:id="rId11"/>
+    <p:sldId id="266" r:id="rId12"/>
+    <p:sldId id="267" r:id="rId13"/>
+    <p:sldId id="268" r:id="rId14"/>
+    <p:sldId id="269" r:id="rId15"/>
+    <p:sldId id="270" r:id="rId16"/>
+    <p:sldId id="271" r:id="rId17"/>
+    <p:sldId id="272" r:id="rId18"/>
   </p:sldIdLst>
   <p:sldSz cx="12192000" cy="6858000"/>
   <p:notesSz cx="6858000" cy="9144000"/>
@@ -300,7 +309,7 @@
           <a:p>
             <a:fld id="{AE20FA72-BF76-4707-8728-BB846590918F}" type="datetimeFigureOut">
               <a:rPr lang="vi-VN" smtClean="0"/>
-              <a:t>04/09/2020</a:t>
+              <a:t>04/12/2020</a:t>
             </a:fld>
             <a:endParaRPr lang="vi-VN"/>
           </a:p>
@@ -470,7 +479,7 @@
           <a:p>
             <a:fld id="{AE20FA72-BF76-4707-8728-BB846590918F}" type="datetimeFigureOut">
               <a:rPr lang="vi-VN" smtClean="0"/>
-              <a:t>04/09/2020</a:t>
+              <a:t>04/12/2020</a:t>
             </a:fld>
             <a:endParaRPr lang="vi-VN"/>
           </a:p>
@@ -650,7 +659,7 @@
           <a:p>
             <a:fld id="{AE20FA72-BF76-4707-8728-BB846590918F}" type="datetimeFigureOut">
               <a:rPr lang="vi-VN" smtClean="0"/>
-              <a:t>04/09/2020</a:t>
+              <a:t>04/12/2020</a:t>
             </a:fld>
             <a:endParaRPr lang="vi-VN"/>
           </a:p>
@@ -820,7 +829,7 @@
           <a:p>
             <a:fld id="{AE20FA72-BF76-4707-8728-BB846590918F}" type="datetimeFigureOut">
               <a:rPr lang="vi-VN" smtClean="0"/>
-              <a:t>04/09/2020</a:t>
+              <a:t>04/12/2020</a:t>
             </a:fld>
             <a:endParaRPr lang="vi-VN"/>
           </a:p>
@@ -1066,7 +1075,7 @@
           <a:p>
             <a:fld id="{AE20FA72-BF76-4707-8728-BB846590918F}" type="datetimeFigureOut">
               <a:rPr lang="vi-VN" smtClean="0"/>
-              <a:t>04/09/2020</a:t>
+              <a:t>04/12/2020</a:t>
             </a:fld>
             <a:endParaRPr lang="vi-VN"/>
           </a:p>
@@ -1354,7 +1363,7 @@
           <a:p>
             <a:fld id="{AE20FA72-BF76-4707-8728-BB846590918F}" type="datetimeFigureOut">
               <a:rPr lang="vi-VN" smtClean="0"/>
-              <a:t>04/09/2020</a:t>
+              <a:t>04/12/2020</a:t>
             </a:fld>
             <a:endParaRPr lang="vi-VN"/>
           </a:p>
@@ -1776,7 +1785,7 @@
           <a:p>
             <a:fld id="{AE20FA72-BF76-4707-8728-BB846590918F}" type="datetimeFigureOut">
               <a:rPr lang="vi-VN" smtClean="0"/>
-              <a:t>04/09/2020</a:t>
+              <a:t>04/12/2020</a:t>
             </a:fld>
             <a:endParaRPr lang="vi-VN"/>
           </a:p>
@@ -1894,7 +1903,7 @@
           <a:p>
             <a:fld id="{AE20FA72-BF76-4707-8728-BB846590918F}" type="datetimeFigureOut">
               <a:rPr lang="vi-VN" smtClean="0"/>
-              <a:t>04/09/2020</a:t>
+              <a:t>04/12/2020</a:t>
             </a:fld>
             <a:endParaRPr lang="vi-VN"/>
           </a:p>
@@ -1989,7 +1998,7 @@
           <a:p>
             <a:fld id="{AE20FA72-BF76-4707-8728-BB846590918F}" type="datetimeFigureOut">
               <a:rPr lang="vi-VN" smtClean="0"/>
-              <a:t>04/09/2020</a:t>
+              <a:t>04/12/2020</a:t>
             </a:fld>
             <a:endParaRPr lang="vi-VN"/>
           </a:p>
@@ -2266,7 +2275,7 @@
           <a:p>
             <a:fld id="{AE20FA72-BF76-4707-8728-BB846590918F}" type="datetimeFigureOut">
               <a:rPr lang="vi-VN" smtClean="0"/>
-              <a:t>04/09/2020</a:t>
+              <a:t>04/12/2020</a:t>
             </a:fld>
             <a:endParaRPr lang="vi-VN"/>
           </a:p>
@@ -2523,7 +2532,7 @@
           <a:p>
             <a:fld id="{AE20FA72-BF76-4707-8728-BB846590918F}" type="datetimeFigureOut">
               <a:rPr lang="vi-VN" smtClean="0"/>
-              <a:t>04/09/2020</a:t>
+              <a:t>04/12/2020</a:t>
             </a:fld>
             <a:endParaRPr lang="vi-VN"/>
           </a:p>
@@ -2741,7 +2750,7 @@
           <a:p>
             <a:fld id="{AE20FA72-BF76-4707-8728-BB846590918F}" type="datetimeFigureOut">
               <a:rPr lang="vi-VN" smtClean="0"/>
-              <a:t>04/09/2020</a:t>
+              <a:t>04/12/2020</a:t>
             </a:fld>
             <a:endParaRPr lang="vi-VN"/>
           </a:p>
@@ -3118,7 +3127,7 @@
       </p:grpSpPr>
       <p:sp>
         <p:nvSpPr>
-          <p:cNvPr id="2" name="Title 1"/>
+          <p:cNvPr id="4" name="標題 3"/>
           <p:cNvSpPr>
             <a:spLocks noGrp="1"/>
           </p:cNvSpPr>
@@ -3126,198 +3135,248 @@
             <p:ph type="title"/>
           </p:nvPr>
         </p:nvSpPr>
-        <p:spPr/>
+        <p:spPr>
+          <a:xfrm>
+            <a:off x="0" y="2857513"/>
+            <a:ext cx="12192000" cy="1143000"/>
+          </a:xfrm>
+        </p:spPr>
         <p:txBody>
           <a:bodyPr>
+            <a:noAutofit/>
+          </a:bodyPr>
+          <a:lstStyle/>
+          <a:p>
+            <a:r>
+              <a:rPr lang="zh-CN" altLang="en-US" sz="5333" b="1" u="sng" dirty="0">
+                <a:solidFill>
+                  <a:srgbClr val="000066"/>
+                </a:solidFill>
+                <a:effectLst>
+                  <a:outerShdw blurRad="38100" dist="38100" dir="2700000" algn="tl">
+                    <a:srgbClr val="000000">
+                      <a:alpha val="43137"/>
+                    </a:srgbClr>
+                  </a:outerShdw>
+                </a:effectLst>
+                <a:latin typeface="微軟正黑體" pitchFamily="34" charset="-120"/>
+                <a:ea typeface="微軟正黑體" pitchFamily="34" charset="-120"/>
+              </a:rPr>
+              <a:t>宣道詩 </a:t>
+            </a:r>
+            <a:r>
+              <a:rPr lang="en-US" altLang="zh-CN" sz="5333" b="1" u="sng" dirty="0">
+                <a:solidFill>
+                  <a:srgbClr val="000066"/>
+                </a:solidFill>
+                <a:effectLst>
+                  <a:outerShdw blurRad="38100" dist="38100" dir="2700000" algn="tl">
+                    <a:srgbClr val="000000">
+                      <a:alpha val="43137"/>
+                    </a:srgbClr>
+                  </a:outerShdw>
+                </a:effectLst>
+                <a:latin typeface="微軟正黑體" pitchFamily="34" charset="-120"/>
+                <a:ea typeface="微軟正黑體" pitchFamily="34" charset="-120"/>
+              </a:rPr>
+              <a:t>36</a:t>
+            </a:r>
+            <a:r>
+              <a:rPr lang="en-US" altLang="zh-CN" sz="7200" b="1" i="1" dirty="0">
+                <a:solidFill>
+                  <a:srgbClr val="660033"/>
+                </a:solidFill>
+                <a:effectLst>
+                  <a:outerShdw blurRad="38100" dist="38100" dir="2700000" algn="tl">
+                    <a:srgbClr val="000000">
+                      <a:alpha val="43137"/>
+                    </a:srgbClr>
+                  </a:outerShdw>
+                </a:effectLst>
+                <a:latin typeface="微軟正黑體" pitchFamily="34" charset="-120"/>
+                <a:ea typeface="微軟正黑體" pitchFamily="34" charset="-120"/>
+              </a:rPr>
+              <a:t/>
+            </a:r>
+            <a:br>
+              <a:rPr lang="en-US" altLang="zh-CN" sz="7200" b="1" i="1" dirty="0">
+                <a:solidFill>
+                  <a:srgbClr val="660033"/>
+                </a:solidFill>
+                <a:effectLst>
+                  <a:outerShdw blurRad="38100" dist="38100" dir="2700000" algn="tl">
+                    <a:srgbClr val="000000">
+                      <a:alpha val="43137"/>
+                    </a:srgbClr>
+                  </a:outerShdw>
+                </a:effectLst>
+                <a:latin typeface="微軟正黑體" pitchFamily="34" charset="-120"/>
+                <a:ea typeface="微軟正黑體" pitchFamily="34" charset="-120"/>
+              </a:rPr>
+            </a:br>
+            <a:r>
+              <a:rPr lang="zh-CN" altLang="en-US" sz="8000" b="1" dirty="0">
+                <a:solidFill>
+                  <a:srgbClr val="660033"/>
+                </a:solidFill>
+                <a:effectLst>
+                  <a:outerShdw blurRad="38100" dist="38100" dir="2700000" algn="tl">
+                    <a:srgbClr val="000000">
+                      <a:alpha val="43137"/>
+                    </a:srgbClr>
+                  </a:outerShdw>
+                </a:effectLst>
+                <a:latin typeface="微軟正黑體" pitchFamily="34" charset="-120"/>
+                <a:ea typeface="微軟正黑體" pitchFamily="34" charset="-120"/>
+              </a:rPr>
+              <a:t>惟</a:t>
+            </a:r>
+            <a:r>
+              <a:rPr lang="zh-CN" altLang="en-US" sz="8000" b="1" dirty="0">
+                <a:solidFill>
+                  <a:srgbClr val="660033"/>
+                </a:solidFill>
+                <a:effectLst>
+                  <a:outerShdw blurRad="38100" dist="38100" dir="2700000" algn="tl">
+                    <a:srgbClr val="000000">
+                      <a:alpha val="43137"/>
+                    </a:srgbClr>
+                  </a:outerShdw>
+                </a:effectLst>
+                <a:latin typeface="微軟正黑體" pitchFamily="34" charset="-120"/>
+                <a:ea typeface="微軟正黑體" pitchFamily="34" charset="-120"/>
+              </a:rPr>
+              <a:t>主能救我</a:t>
+            </a:r>
+            <a:endParaRPr lang="zh-TW" altLang="en-US" sz="8000" b="1" dirty="0">
+              <a:solidFill>
+                <a:srgbClr val="660033"/>
+              </a:solidFill>
+              <a:effectLst>
+                <a:outerShdw blurRad="38100" dist="38100" dir="2700000" algn="tl">
+                  <a:srgbClr val="000000">
+                    <a:alpha val="43137"/>
+                  </a:srgbClr>
+                </a:outerShdw>
+              </a:effectLst>
+              <a:latin typeface="微軟正黑體" pitchFamily="34" charset="-120"/>
+              <a:ea typeface="微軟正黑體" pitchFamily="34" charset="-120"/>
+            </a:endParaRPr>
+          </a:p>
+        </p:txBody>
+      </p:sp>
+    </p:spTree>
+    <p:extLst>
+      <p:ext uri="{BB962C8B-B14F-4D97-AF65-F5344CB8AC3E}">
+        <p14:creationId xmlns:p14="http://schemas.microsoft.com/office/powerpoint/2010/main" val="1628004142"/>
+      </p:ext>
+    </p:extLst>
+  </p:cSld>
+  <p:clrMapOvr>
+    <a:masterClrMapping/>
+  </p:clrMapOvr>
+  <p:timing>
+    <p:tnLst>
+      <p:par>
+        <p:cTn id="1" dur="indefinite" restart="never" nodeType="tmRoot"/>
+      </p:par>
+    </p:tnLst>
+  </p:timing>
+</p:sld>
+</file>
+
+<file path=ppt/slides/slide10.xml><?xml version="1.0" encoding="utf-8"?>
+<p:sld xmlns:a="http://schemas.openxmlformats.org/drawingml/2006/main" xmlns:r="http://schemas.openxmlformats.org/officeDocument/2006/relationships" xmlns:p="http://schemas.openxmlformats.org/presentationml/2006/main">
+  <p:cSld>
+    <p:spTree>
+      <p:nvGrpSpPr>
+        <p:cNvPr id="1" name=""/>
+        <p:cNvGrpSpPr/>
+        <p:nvPr/>
+      </p:nvGrpSpPr>
+      <p:grpSpPr>
+        <a:xfrm>
+          <a:off x="0" y="0"/>
+          <a:ext cx="0" cy="0"/>
+          <a:chOff x="0" y="0"/>
+          <a:chExt cx="0" cy="0"/>
+        </a:xfrm>
+      </p:grpSpPr>
+      <p:sp>
+        <p:nvSpPr>
+          <p:cNvPr id="5" name="內容版面配置區 4"/>
+          <p:cNvSpPr>
+            <a:spLocks noGrp="1"/>
+          </p:cNvSpPr>
+          <p:nvPr>
+            <p:ph idx="1"/>
+          </p:nvPr>
+        </p:nvSpPr>
+        <p:spPr>
+          <a:xfrm>
+            <a:off x="0" y="2084851"/>
+            <a:ext cx="12192000" cy="2404863"/>
+          </a:xfrm>
+        </p:spPr>
+        <p:txBody>
+          <a:bodyPr anchor="ctr">
             <a:normAutofit/>
           </a:bodyPr>
           <a:lstStyle/>
           <a:p>
-            <a:r>
-              <a:rPr lang="zh-CN" altLang="en-US" sz="4800" b="1" dirty="0">
-                <a:solidFill>
-                  <a:srgbClr val="002060"/>
-                </a:solidFill>
-                <a:latin typeface="Microsoft JhengHei" panose="020B0604030504040204" pitchFamily="34" charset="-120"/>
+            <a:pPr marL="0" indent="0" algn="ctr">
+              <a:buNone/>
+            </a:pPr>
+            <a:r>
+              <a:rPr lang="zh-CN" altLang="en-US" sz="6400" b="1" dirty="0">
+                <a:solidFill>
+                  <a:srgbClr val="660033"/>
+                </a:solidFill>
                 <a:ea typeface="Microsoft JhengHei" panose="020B0604030504040204" pitchFamily="34" charset="-120"/>
               </a:rPr>
-              <a:t>惟主能救我</a:t>
-            </a:r>
-            <a:endParaRPr lang="vi-VN" sz="4800" b="1" dirty="0">
+              <a:t>等候豈能救我</a:t>
+            </a:r>
+            <a:endParaRPr lang="en-US" altLang="zh-CN" sz="6400" b="1" dirty="0">
               <a:solidFill>
-                <a:srgbClr val="002060"/>
+                <a:srgbClr val="660033"/>
               </a:solidFill>
               <a:ea typeface="Microsoft JhengHei" panose="020B0604030504040204" pitchFamily="34" charset="-120"/>
             </a:endParaRPr>
           </a:p>
-        </p:txBody>
-      </p:sp>
-      <p:sp>
-        <p:nvSpPr>
-          <p:cNvPr id="3" name="Content Placeholder 2"/>
-          <p:cNvSpPr>
-            <a:spLocks noGrp="1"/>
-          </p:cNvSpPr>
-          <p:nvPr>
-            <p:ph idx="1"/>
-          </p:nvPr>
-        </p:nvSpPr>
-        <p:spPr>
-          <a:xfrm>
-            <a:off x="609600" y="1600201"/>
-            <a:ext cx="10972800" cy="5257799"/>
-          </a:xfrm>
-        </p:spPr>
-        <p:txBody>
-          <a:bodyPr>
-            <a:normAutofit/>
-          </a:bodyPr>
-          <a:lstStyle/>
           <a:p>
             <a:pPr marL="0" indent="0" algn="ctr">
               <a:buNone/>
             </a:pPr>
             <a:r>
-              <a:rPr lang="zh-CN" altLang="en-US" sz="5400" b="1" dirty="0" smtClean="0">
-                <a:solidFill>
-                  <a:srgbClr val="002060"/>
-                </a:solidFill>
-                <a:latin typeface="Microsoft JhengHei" panose="020B0604030504040204" pitchFamily="34" charset="-120"/>
+              <a:rPr lang="zh-CN" altLang="en-US" sz="6400" b="1" dirty="0">
+                <a:solidFill>
+                  <a:srgbClr val="660033"/>
+                </a:solidFill>
                 <a:ea typeface="Microsoft JhengHei" panose="020B0604030504040204" pitchFamily="34" charset="-120"/>
               </a:rPr>
-              <a:t>哀苦不能救</a:t>
-            </a:r>
-            <a:r>
-              <a:rPr lang="zh-CN" altLang="en-US" sz="5400" b="1" dirty="0" smtClean="0">
-                <a:solidFill>
-                  <a:srgbClr val="002060"/>
-                </a:solidFill>
-                <a:latin typeface="Microsoft JhengHei" panose="020B0604030504040204" pitchFamily="34" charset="-120"/>
+              <a:t>我無法惟奔耶穌</a:t>
+            </a:r>
+            <a:r>
+              <a:rPr lang="en-US" altLang="zh-CN" sz="6400" b="1" dirty="0">
+                <a:solidFill>
+                  <a:srgbClr val="660033"/>
+                </a:solidFill>
                 <a:ea typeface="Microsoft JhengHei" panose="020B0604030504040204" pitchFamily="34" charset="-120"/>
               </a:rPr>
-              <a:t>我</a:t>
-            </a:r>
-            <a:endParaRPr lang="en-US" altLang="zh-CN" sz="5400" b="1" dirty="0" smtClean="0">
-              <a:solidFill>
-                <a:srgbClr val="002060"/>
-              </a:solidFill>
-              <a:latin typeface="Microsoft JhengHei" panose="020B0604030504040204" pitchFamily="34" charset="-120"/>
-              <a:ea typeface="Microsoft JhengHei" panose="020B0604030504040204" pitchFamily="34" charset="-120"/>
-            </a:endParaRPr>
-          </a:p>
-          <a:p>
-            <a:pPr marL="0" indent="0" algn="ctr">
-              <a:buNone/>
-            </a:pPr>
-            <a:r>
-              <a:rPr lang="zh-CN" altLang="en-US" sz="5400" b="1" dirty="0" smtClean="0">
-                <a:solidFill>
-                  <a:srgbClr val="002060"/>
-                </a:solidFill>
-                <a:latin typeface="Microsoft JhengHei" panose="020B0604030504040204" pitchFamily="34" charset="-120"/>
+              <a:t>  </a:t>
+            </a:r>
+            <a:r>
+              <a:rPr lang="zh-CN" altLang="en-US" sz="6400" b="1" dirty="0">
+                <a:solidFill>
+                  <a:srgbClr val="660033"/>
+                </a:solidFill>
                 <a:ea typeface="Microsoft JhengHei" panose="020B0604030504040204" pitchFamily="34" charset="-120"/>
               </a:rPr>
-              <a:t>我</a:t>
-            </a:r>
-            <a:r>
-              <a:rPr lang="zh-CN" altLang="en-US" sz="5400" b="1" dirty="0" smtClean="0">
-                <a:solidFill>
-                  <a:srgbClr val="002060"/>
-                </a:solidFill>
-                <a:latin typeface="Microsoft JhengHei" panose="020B0604030504040204" pitchFamily="34" charset="-120"/>
-                <a:ea typeface="Microsoft JhengHei" panose="020B0604030504040204" pitchFamily="34" charset="-120"/>
-              </a:rPr>
-              <a:t>雖然不住流淚</a:t>
-            </a:r>
-            <a:endParaRPr lang="en-US" altLang="zh-CN" sz="5400" b="1" dirty="0" smtClean="0">
+              <a:t>速求主挽囘義怒</a:t>
+            </a:r>
+            <a:endParaRPr lang="en-US" altLang="zh-CN" sz="6400" b="1" dirty="0">
               <a:solidFill>
-                <a:srgbClr val="002060"/>
-              </a:solidFill>
-              <a:latin typeface="Microsoft JhengHei" panose="020B0604030504040204" pitchFamily="34" charset="-120"/>
-              <a:ea typeface="Microsoft JhengHei" panose="020B0604030504040204" pitchFamily="34" charset="-120"/>
-            </a:endParaRPr>
-          </a:p>
-          <a:p>
-            <a:pPr marL="0" indent="0" algn="ctr">
-              <a:buNone/>
-            </a:pPr>
-            <a:r>
-              <a:rPr lang="zh-CN" altLang="en-US" sz="5400" b="1" dirty="0">
-                <a:solidFill>
-                  <a:srgbClr val="002060"/>
-                </a:solidFill>
-                <a:latin typeface="Microsoft JhengHei" panose="020B0604030504040204" pitchFamily="34" charset="-120"/>
-                <a:ea typeface="Microsoft JhengHei" panose="020B0604030504040204" pitchFamily="34" charset="-120"/>
-              </a:rPr>
-              <a:t>心未能得主安慰  </a:t>
-            </a:r>
-            <a:endParaRPr lang="en-US" altLang="zh-CN" sz="5400" b="1" dirty="0" smtClean="0">
-              <a:solidFill>
-                <a:srgbClr val="002060"/>
-              </a:solidFill>
-              <a:latin typeface="Microsoft JhengHei" panose="020B0604030504040204" pitchFamily="34" charset="-120"/>
-              <a:ea typeface="Microsoft JhengHei" panose="020B0604030504040204" pitchFamily="34" charset="-120"/>
-            </a:endParaRPr>
-          </a:p>
-          <a:p>
-            <a:pPr marL="0" indent="0" algn="ctr">
-              <a:buNone/>
-            </a:pPr>
-            <a:r>
-              <a:rPr lang="zh-CN" altLang="en-US" sz="5400" b="1" dirty="0" smtClean="0">
-                <a:solidFill>
-                  <a:srgbClr val="002060"/>
-                </a:solidFill>
-                <a:latin typeface="Microsoft JhengHei" panose="020B0604030504040204" pitchFamily="34" charset="-120"/>
-                <a:ea typeface="Microsoft JhengHei" panose="020B0604030504040204" pitchFamily="34" charset="-120"/>
-              </a:rPr>
-              <a:t>又</a:t>
-            </a:r>
-            <a:r>
-              <a:rPr lang="zh-CN" altLang="en-US" sz="5400" b="1" dirty="0">
-                <a:solidFill>
-                  <a:srgbClr val="002060"/>
-                </a:solidFill>
-                <a:latin typeface="Microsoft JhengHei" panose="020B0604030504040204" pitchFamily="34" charset="-120"/>
-                <a:ea typeface="Microsoft JhengHei" panose="020B0604030504040204" pitchFamily="34" charset="-120"/>
-              </a:rPr>
-              <a:t>不能洗我污</a:t>
-            </a:r>
-            <a:r>
-              <a:rPr lang="zh-CN" altLang="en-US" sz="5400" b="1" dirty="0" smtClean="0">
-                <a:solidFill>
-                  <a:srgbClr val="002060"/>
-                </a:solidFill>
-                <a:latin typeface="Microsoft JhengHei" panose="020B0604030504040204" pitchFamily="34" charset="-120"/>
-                <a:ea typeface="Microsoft JhengHei" panose="020B0604030504040204" pitchFamily="34" charset="-120"/>
-              </a:rPr>
-              <a:t>穢</a:t>
-            </a:r>
-            <a:endParaRPr lang="en-US" altLang="zh-CN" sz="5400" b="1" dirty="0" smtClean="0">
-              <a:solidFill>
-                <a:srgbClr val="002060"/>
-              </a:solidFill>
-              <a:latin typeface="Microsoft JhengHei" panose="020B0604030504040204" pitchFamily="34" charset="-120"/>
-              <a:ea typeface="Microsoft JhengHei" panose="020B0604030504040204" pitchFamily="34" charset="-120"/>
-            </a:endParaRPr>
-          </a:p>
-          <a:p>
-            <a:pPr marL="0" indent="0" algn="ctr">
-              <a:buNone/>
-            </a:pPr>
-            <a:r>
-              <a:rPr lang="zh-CN" altLang="en-US" sz="5400" b="1" dirty="0">
-                <a:solidFill>
-                  <a:srgbClr val="002060"/>
-                </a:solidFill>
-                <a:latin typeface="Microsoft JhengHei" panose="020B0604030504040204" pitchFamily="34" charset="-120"/>
-                <a:ea typeface="Microsoft JhengHei" panose="020B0604030504040204" pitchFamily="34" charset="-120"/>
-              </a:rPr>
-              <a:t>哀苦不能救我</a:t>
-            </a:r>
-            <a:endParaRPr lang="vi-VN" sz="5400" b="1" dirty="0">
-              <a:solidFill>
-                <a:srgbClr val="002060"/>
+                <a:srgbClr val="660033"/>
               </a:solidFill>
               <a:ea typeface="Microsoft JhengHei" panose="020B0604030504040204" pitchFamily="34" charset="-120"/>
             </a:endParaRPr>
@@ -3326,14 +3385,14 @@
       </p:sp>
       <p:sp>
         <p:nvSpPr>
-          <p:cNvPr id="4" name="TextBox 3"/>
+          <p:cNvPr id="6" name="TextBox 5"/>
           <p:cNvSpPr txBox="1"/>
           <p:nvPr/>
         </p:nvSpPr>
         <p:spPr>
           <a:xfrm>
-            <a:off x="1415157" y="1750671"/>
-            <a:ext cx="962527" cy="923330"/>
+            <a:off x="1199456" y="2276872"/>
+            <a:ext cx="1248139" cy="1077218"/>
           </a:xfrm>
           <a:prstGeom prst="rect">
             <a:avLst/>
@@ -3347,16 +3406,16 @@
           <a:lstStyle/>
           <a:p>
             <a:r>
-              <a:rPr lang="en-US" sz="5400" b="1" dirty="0" smtClean="0">
-                <a:solidFill>
-                  <a:srgbClr val="002060"/>
+              <a:rPr lang="en-US" sz="6400" b="1" dirty="0">
+                <a:solidFill>
+                  <a:srgbClr val="660033"/>
                 </a:solidFill>
               </a:rPr>
-              <a:t>1.</a:t>
-            </a:r>
-            <a:endParaRPr lang="vi-VN" sz="5400" b="1" dirty="0">
+              <a:t>3.</a:t>
+            </a:r>
+            <a:endParaRPr lang="vi-VN" sz="6400" b="1" dirty="0">
               <a:solidFill>
-                <a:srgbClr val="002060"/>
+                <a:srgbClr val="660033"/>
               </a:solidFill>
             </a:endParaRPr>
           </a:p>
@@ -3365,13 +3424,881 @@
     </p:spTree>
     <p:extLst>
       <p:ext uri="{BB962C8B-B14F-4D97-AF65-F5344CB8AC3E}">
-        <p14:creationId xmlns:p14="http://schemas.microsoft.com/office/powerpoint/2010/main" val="2599952479"/>
+        <p14:creationId xmlns:p14="http://schemas.microsoft.com/office/powerpoint/2010/main" val="4071808887"/>
       </p:ext>
     </p:extLst>
   </p:cSld>
   <p:clrMapOvr>
     <a:masterClrMapping/>
   </p:clrMapOvr>
+  <p:timing>
+    <p:tnLst>
+      <p:par>
+        <p:cTn id="1" dur="indefinite" restart="never" nodeType="tmRoot"/>
+      </p:par>
+    </p:tnLst>
+  </p:timing>
+</p:sld>
+</file>
+
+<file path=ppt/slides/slide11.xml><?xml version="1.0" encoding="utf-8"?>
+<p:sld xmlns:a="http://schemas.openxmlformats.org/drawingml/2006/main" xmlns:r="http://schemas.openxmlformats.org/officeDocument/2006/relationships" xmlns:p="http://schemas.openxmlformats.org/presentationml/2006/main">
+  <p:cSld>
+    <p:spTree>
+      <p:nvGrpSpPr>
+        <p:cNvPr id="1" name=""/>
+        <p:cNvGrpSpPr/>
+        <p:nvPr/>
+      </p:nvGrpSpPr>
+      <p:grpSpPr>
+        <a:xfrm>
+          <a:off x="0" y="0"/>
+          <a:ext cx="0" cy="0"/>
+          <a:chOff x="0" y="0"/>
+          <a:chExt cx="0" cy="0"/>
+        </a:xfrm>
+      </p:grpSpPr>
+      <p:sp>
+        <p:nvSpPr>
+          <p:cNvPr id="5" name="內容版面配置區 4"/>
+          <p:cNvSpPr>
+            <a:spLocks noGrp="1"/>
+          </p:cNvSpPr>
+          <p:nvPr>
+            <p:ph idx="1"/>
+          </p:nvPr>
+        </p:nvSpPr>
+        <p:spPr>
+          <a:xfrm>
+            <a:off x="0" y="2084851"/>
+            <a:ext cx="12192000" cy="2404863"/>
+          </a:xfrm>
+        </p:spPr>
+        <p:txBody>
+          <a:bodyPr anchor="ctr">
+            <a:normAutofit/>
+          </a:bodyPr>
+          <a:lstStyle/>
+          <a:p>
+            <a:pPr marL="0" indent="0" algn="ctr">
+              <a:buNone/>
+            </a:pPr>
+            <a:r>
+              <a:rPr lang="zh-CN" altLang="en-US" sz="6400" b="1" dirty="0">
+                <a:solidFill>
+                  <a:srgbClr val="660033"/>
+                </a:solidFill>
+                <a:ea typeface="Microsoft JhengHei" panose="020B0604030504040204" pitchFamily="34" charset="-120"/>
+              </a:rPr>
+              <a:t>若躭延必受永苦</a:t>
+            </a:r>
+            <a:endParaRPr lang="en-US" altLang="zh-CN" sz="6400" b="1" dirty="0">
+              <a:solidFill>
+                <a:srgbClr val="660033"/>
+              </a:solidFill>
+              <a:ea typeface="Microsoft JhengHei" panose="020B0604030504040204" pitchFamily="34" charset="-120"/>
+            </a:endParaRPr>
+          </a:p>
+          <a:p>
+            <a:pPr marL="0" indent="0" algn="ctr">
+              <a:buNone/>
+            </a:pPr>
+            <a:r>
+              <a:rPr lang="zh-CN" altLang="en-US" sz="6400" b="1" dirty="0">
+                <a:solidFill>
+                  <a:srgbClr val="660033"/>
+                </a:solidFill>
+                <a:ea typeface="Microsoft JhengHei" panose="020B0604030504040204" pitchFamily="34" charset="-120"/>
+              </a:rPr>
+              <a:t>等候豈能救我</a:t>
+            </a:r>
+            <a:endParaRPr lang="en-US" altLang="zh-CN" sz="6400" b="1" dirty="0">
+              <a:solidFill>
+                <a:srgbClr val="660033"/>
+              </a:solidFill>
+              <a:ea typeface="Microsoft JhengHei" panose="020B0604030504040204" pitchFamily="34" charset="-120"/>
+            </a:endParaRPr>
+          </a:p>
+        </p:txBody>
+      </p:sp>
+      <p:sp>
+        <p:nvSpPr>
+          <p:cNvPr id="6" name="TextBox 5"/>
+          <p:cNvSpPr txBox="1"/>
+          <p:nvPr/>
+        </p:nvSpPr>
+        <p:spPr>
+          <a:xfrm>
+            <a:off x="1199456" y="2276872"/>
+            <a:ext cx="1248139" cy="1077218"/>
+          </a:xfrm>
+          <a:prstGeom prst="rect">
+            <a:avLst/>
+          </a:prstGeom>
+          <a:noFill/>
+        </p:spPr>
+        <p:txBody>
+          <a:bodyPr wrap="square" rtlCol="0">
+            <a:spAutoFit/>
+          </a:bodyPr>
+          <a:lstStyle/>
+          <a:p>
+            <a:r>
+              <a:rPr lang="en-US" sz="6400" b="1" dirty="0">
+                <a:solidFill>
+                  <a:srgbClr val="660033"/>
+                </a:solidFill>
+              </a:rPr>
+              <a:t>3.</a:t>
+            </a:r>
+            <a:endParaRPr lang="vi-VN" sz="6400" b="1" dirty="0">
+              <a:solidFill>
+                <a:srgbClr val="660033"/>
+              </a:solidFill>
+            </a:endParaRPr>
+          </a:p>
+        </p:txBody>
+      </p:sp>
+    </p:spTree>
+    <p:extLst>
+      <p:ext uri="{BB962C8B-B14F-4D97-AF65-F5344CB8AC3E}">
+        <p14:creationId xmlns:p14="http://schemas.microsoft.com/office/powerpoint/2010/main" val="2869838781"/>
+      </p:ext>
+    </p:extLst>
+  </p:cSld>
+  <p:clrMapOvr>
+    <a:masterClrMapping/>
+  </p:clrMapOvr>
+  <p:timing>
+    <p:tnLst>
+      <p:par>
+        <p:cTn id="1" dur="indefinite" restart="never" nodeType="tmRoot"/>
+      </p:par>
+    </p:tnLst>
+  </p:timing>
+</p:sld>
+</file>
+
+<file path=ppt/slides/slide12.xml><?xml version="1.0" encoding="utf-8"?>
+<p:sld xmlns:a="http://schemas.openxmlformats.org/drawingml/2006/main" xmlns:r="http://schemas.openxmlformats.org/officeDocument/2006/relationships" xmlns:p="http://schemas.openxmlformats.org/presentationml/2006/main">
+  <p:cSld>
+    <p:spTree>
+      <p:nvGrpSpPr>
+        <p:cNvPr id="1" name=""/>
+        <p:cNvGrpSpPr/>
+        <p:nvPr/>
+      </p:nvGrpSpPr>
+      <p:grpSpPr>
+        <a:xfrm>
+          <a:off x="0" y="0"/>
+          <a:ext cx="0" cy="0"/>
+          <a:chOff x="0" y="0"/>
+          <a:chExt cx="0" cy="0"/>
+        </a:xfrm>
+      </p:grpSpPr>
+      <p:sp>
+        <p:nvSpPr>
+          <p:cNvPr id="5" name="內容版面配置區 4"/>
+          <p:cNvSpPr>
+            <a:spLocks noGrp="1"/>
+          </p:cNvSpPr>
+          <p:nvPr>
+            <p:ph idx="1"/>
+          </p:nvPr>
+        </p:nvSpPr>
+        <p:spPr>
+          <a:xfrm>
+            <a:off x="0" y="2084851"/>
+            <a:ext cx="12192000" cy="2404863"/>
+          </a:xfrm>
+        </p:spPr>
+        <p:txBody>
+          <a:bodyPr anchor="ctr">
+            <a:normAutofit/>
+          </a:bodyPr>
+          <a:lstStyle/>
+          <a:p>
+            <a:pPr marL="0" indent="0" algn="ctr">
+              <a:buNone/>
+            </a:pPr>
+            <a:r>
+              <a:rPr lang="zh-CN" altLang="en-US" sz="6400" b="1" dirty="0">
+                <a:solidFill>
+                  <a:srgbClr val="660033"/>
+                </a:solidFill>
+                <a:ea typeface="Microsoft JhengHei" panose="020B0604030504040204" pitchFamily="34" charset="-120"/>
+              </a:rPr>
+              <a:t>幸耶穌憐我苦況</a:t>
+            </a:r>
+            <a:endParaRPr lang="en-US" altLang="zh-CN" sz="6400" b="1" dirty="0">
+              <a:solidFill>
+                <a:srgbClr val="660033"/>
+              </a:solidFill>
+              <a:ea typeface="Microsoft JhengHei" panose="020B0604030504040204" pitchFamily="34" charset="-120"/>
+            </a:endParaRPr>
+          </a:p>
+          <a:p>
+            <a:pPr marL="0" indent="0" algn="ctr">
+              <a:buNone/>
+            </a:pPr>
+            <a:r>
+              <a:rPr lang="zh-CN" altLang="en-US" sz="6400" b="1" dirty="0">
+                <a:solidFill>
+                  <a:srgbClr val="660033"/>
+                </a:solidFill>
+                <a:ea typeface="Microsoft JhengHei" panose="020B0604030504040204" pitchFamily="34" charset="-120"/>
+              </a:rPr>
+              <a:t>為我死在十字架上</a:t>
+            </a:r>
+            <a:endParaRPr lang="en-US" altLang="zh-CN" sz="6400" b="1" dirty="0">
+              <a:solidFill>
+                <a:srgbClr val="660033"/>
+              </a:solidFill>
+              <a:ea typeface="Microsoft JhengHei" panose="020B0604030504040204" pitchFamily="34" charset="-120"/>
+            </a:endParaRPr>
+          </a:p>
+        </p:txBody>
+      </p:sp>
+    </p:spTree>
+    <p:extLst>
+      <p:ext uri="{BB962C8B-B14F-4D97-AF65-F5344CB8AC3E}">
+        <p14:creationId xmlns:p14="http://schemas.microsoft.com/office/powerpoint/2010/main" val="3640722013"/>
+      </p:ext>
+    </p:extLst>
+  </p:cSld>
+  <p:clrMapOvr>
+    <a:masterClrMapping/>
+  </p:clrMapOvr>
+  <p:timing>
+    <p:tnLst>
+      <p:par>
+        <p:cTn id="1" dur="indefinite" restart="never" nodeType="tmRoot"/>
+      </p:par>
+    </p:tnLst>
+  </p:timing>
+</p:sld>
+</file>
+
+<file path=ppt/slides/slide13.xml><?xml version="1.0" encoding="utf-8"?>
+<p:sld xmlns:a="http://schemas.openxmlformats.org/drawingml/2006/main" xmlns:r="http://schemas.openxmlformats.org/officeDocument/2006/relationships" xmlns:p="http://schemas.openxmlformats.org/presentationml/2006/main">
+  <p:cSld>
+    <p:spTree>
+      <p:nvGrpSpPr>
+        <p:cNvPr id="1" name=""/>
+        <p:cNvGrpSpPr/>
+        <p:nvPr/>
+      </p:nvGrpSpPr>
+      <p:grpSpPr>
+        <a:xfrm>
+          <a:off x="0" y="0"/>
+          <a:ext cx="0" cy="0"/>
+          <a:chOff x="0" y="0"/>
+          <a:chExt cx="0" cy="0"/>
+        </a:xfrm>
+      </p:grpSpPr>
+      <p:sp>
+        <p:nvSpPr>
+          <p:cNvPr id="5" name="內容版面配置區 4"/>
+          <p:cNvSpPr>
+            <a:spLocks noGrp="1"/>
+          </p:cNvSpPr>
+          <p:nvPr>
+            <p:ph idx="1"/>
+          </p:nvPr>
+        </p:nvSpPr>
+        <p:spPr>
+          <a:xfrm>
+            <a:off x="0" y="2084851"/>
+            <a:ext cx="12192000" cy="2404863"/>
+          </a:xfrm>
+        </p:spPr>
+        <p:txBody>
+          <a:bodyPr anchor="ctr">
+            <a:normAutofit/>
+          </a:bodyPr>
+          <a:lstStyle/>
+          <a:p>
+            <a:pPr marL="0" indent="0" algn="ctr">
+              <a:buNone/>
+            </a:pPr>
+            <a:r>
+              <a:rPr lang="zh-CN" altLang="en-US" sz="6400" b="1" dirty="0">
+                <a:solidFill>
+                  <a:srgbClr val="660033"/>
+                </a:solidFill>
+                <a:ea typeface="Microsoft JhengHei" panose="020B0604030504040204" pitchFamily="34" charset="-120"/>
+              </a:rPr>
+              <a:t>耶穌今把我釋放</a:t>
+            </a:r>
+            <a:endParaRPr lang="en-US" altLang="zh-CN" sz="6400" b="1" dirty="0">
+              <a:solidFill>
+                <a:srgbClr val="660033"/>
+              </a:solidFill>
+              <a:ea typeface="Microsoft JhengHei" panose="020B0604030504040204" pitchFamily="34" charset="-120"/>
+            </a:endParaRPr>
+          </a:p>
+          <a:p>
+            <a:pPr marL="0" indent="0" algn="ctr">
+              <a:buNone/>
+            </a:pPr>
+            <a:r>
+              <a:rPr lang="zh-CN" altLang="en-US" sz="6400" b="1" dirty="0">
+                <a:solidFill>
+                  <a:srgbClr val="660033"/>
+                </a:solidFill>
+                <a:ea typeface="Microsoft JhengHei" panose="020B0604030504040204" pitchFamily="34" charset="-120"/>
+              </a:rPr>
+              <a:t>惟有主</a:t>
+            </a:r>
+            <a:r>
+              <a:rPr lang="zh-CN" altLang="en-US" sz="6400" b="1" dirty="0">
+                <a:solidFill>
+                  <a:srgbClr val="660033"/>
+                </a:solidFill>
+                <a:latin typeface="Microsoft JhengHei" panose="020B0604030504040204" pitchFamily="34" charset="-120"/>
+                <a:ea typeface="Microsoft JhengHei" panose="020B0604030504040204" pitchFamily="34" charset="-120"/>
+              </a:rPr>
+              <a:t>能救我</a:t>
+            </a:r>
+            <a:endParaRPr lang="vi-VN" sz="6400" b="1" dirty="0">
+              <a:solidFill>
+                <a:srgbClr val="660033"/>
+              </a:solidFill>
+              <a:ea typeface="Microsoft JhengHei" panose="020B0604030504040204" pitchFamily="34" charset="-120"/>
+            </a:endParaRPr>
+          </a:p>
+        </p:txBody>
+      </p:sp>
+    </p:spTree>
+    <p:extLst>
+      <p:ext uri="{BB962C8B-B14F-4D97-AF65-F5344CB8AC3E}">
+        <p14:creationId xmlns:p14="http://schemas.microsoft.com/office/powerpoint/2010/main" val="3745960629"/>
+      </p:ext>
+    </p:extLst>
+  </p:cSld>
+  <p:clrMapOvr>
+    <a:masterClrMapping/>
+  </p:clrMapOvr>
+  <p:timing>
+    <p:tnLst>
+      <p:par>
+        <p:cTn id="1" dur="indefinite" restart="never" nodeType="tmRoot"/>
+      </p:par>
+    </p:tnLst>
+  </p:timing>
+</p:sld>
+</file>
+
+<file path=ppt/slides/slide14.xml><?xml version="1.0" encoding="utf-8"?>
+<p:sld xmlns:a="http://schemas.openxmlformats.org/drawingml/2006/main" xmlns:r="http://schemas.openxmlformats.org/officeDocument/2006/relationships" xmlns:p="http://schemas.openxmlformats.org/presentationml/2006/main">
+  <p:cSld>
+    <p:spTree>
+      <p:nvGrpSpPr>
+        <p:cNvPr id="1" name=""/>
+        <p:cNvGrpSpPr/>
+        <p:nvPr/>
+      </p:nvGrpSpPr>
+      <p:grpSpPr>
+        <a:xfrm>
+          <a:off x="0" y="0"/>
+          <a:ext cx="0" cy="0"/>
+          <a:chOff x="0" y="0"/>
+          <a:chExt cx="0" cy="0"/>
+        </a:xfrm>
+      </p:grpSpPr>
+      <p:sp>
+        <p:nvSpPr>
+          <p:cNvPr id="5" name="內容版面配置區 4"/>
+          <p:cNvSpPr>
+            <a:spLocks noGrp="1"/>
+          </p:cNvSpPr>
+          <p:nvPr>
+            <p:ph idx="1"/>
+          </p:nvPr>
+        </p:nvSpPr>
+        <p:spPr>
+          <a:xfrm>
+            <a:off x="0" y="2084851"/>
+            <a:ext cx="12192000" cy="2404863"/>
+          </a:xfrm>
+        </p:spPr>
+        <p:txBody>
+          <a:bodyPr anchor="ctr">
+            <a:normAutofit/>
+          </a:bodyPr>
+          <a:lstStyle/>
+          <a:p>
+            <a:pPr marL="0" indent="0" algn="ctr">
+              <a:buNone/>
+            </a:pPr>
+            <a:r>
+              <a:rPr lang="zh-CN" altLang="en-US" sz="6400" b="1" dirty="0">
+                <a:solidFill>
+                  <a:srgbClr val="660033"/>
+                </a:solidFill>
+                <a:latin typeface="Microsoft JhengHei" panose="020B0604030504040204" pitchFamily="34" charset="-120"/>
+                <a:ea typeface="Microsoft JhengHei" panose="020B0604030504040204" pitchFamily="34" charset="-120"/>
+              </a:rPr>
+              <a:t>惟主能救我</a:t>
+            </a:r>
+            <a:endParaRPr lang="en-US" altLang="zh-CN" sz="6400" b="1" dirty="0">
+              <a:solidFill>
+                <a:srgbClr val="660033"/>
+              </a:solidFill>
+              <a:latin typeface="Microsoft JhengHei" panose="020B0604030504040204" pitchFamily="34" charset="-120"/>
+              <a:ea typeface="Microsoft JhengHei" panose="020B0604030504040204" pitchFamily="34" charset="-120"/>
+            </a:endParaRPr>
+          </a:p>
+          <a:p>
+            <a:pPr marL="0" indent="0" algn="ctr">
+              <a:buNone/>
+            </a:pPr>
+            <a:r>
+              <a:rPr lang="zh-CN" altLang="en-US" sz="6400" b="1" dirty="0">
+                <a:solidFill>
+                  <a:srgbClr val="660033"/>
+                </a:solidFill>
+                <a:latin typeface="Microsoft JhengHei" panose="020B0604030504040204" pitchFamily="34" charset="-120"/>
+                <a:ea typeface="Microsoft JhengHei" panose="020B0604030504040204" pitchFamily="34" charset="-120"/>
+              </a:rPr>
+              <a:t>只要我靠主救恩</a:t>
+            </a:r>
+            <a:r>
+              <a:rPr lang="en-US" altLang="zh-CN" sz="6400" b="1" dirty="0">
+                <a:solidFill>
+                  <a:srgbClr val="660033"/>
+                </a:solidFill>
+                <a:latin typeface="Microsoft JhengHei" panose="020B0604030504040204" pitchFamily="34" charset="-120"/>
+                <a:ea typeface="Microsoft JhengHei" panose="020B0604030504040204" pitchFamily="34" charset="-120"/>
+              </a:rPr>
+              <a:t>  </a:t>
+            </a:r>
+            <a:r>
+              <a:rPr lang="zh-CN" altLang="en-US" sz="6400" b="1" dirty="0">
+                <a:solidFill>
+                  <a:srgbClr val="660033"/>
+                </a:solidFill>
+                <a:latin typeface="Microsoft JhengHei" panose="020B0604030504040204" pitchFamily="34" charset="-120"/>
+                <a:ea typeface="Microsoft JhengHei" panose="020B0604030504040204" pitchFamily="34" charset="-120"/>
+              </a:rPr>
+              <a:t>他為我打開天門</a:t>
+            </a:r>
+            <a:endParaRPr lang="en-US" altLang="zh-CN" sz="6400" b="1" dirty="0">
+              <a:solidFill>
+                <a:srgbClr val="660033"/>
+              </a:solidFill>
+              <a:latin typeface="Microsoft JhengHei" panose="020B0604030504040204" pitchFamily="34" charset="-120"/>
+              <a:ea typeface="Microsoft JhengHei" panose="020B0604030504040204" pitchFamily="34" charset="-120"/>
+            </a:endParaRPr>
+          </a:p>
+        </p:txBody>
+      </p:sp>
+      <p:sp>
+        <p:nvSpPr>
+          <p:cNvPr id="6" name="TextBox 5"/>
+          <p:cNvSpPr txBox="1"/>
+          <p:nvPr/>
+        </p:nvSpPr>
+        <p:spPr>
+          <a:xfrm>
+            <a:off x="1199456" y="2276872"/>
+            <a:ext cx="1248139" cy="1077218"/>
+          </a:xfrm>
+          <a:prstGeom prst="rect">
+            <a:avLst/>
+          </a:prstGeom>
+          <a:noFill/>
+        </p:spPr>
+        <p:txBody>
+          <a:bodyPr wrap="square" rtlCol="0">
+            <a:spAutoFit/>
+          </a:bodyPr>
+          <a:lstStyle/>
+          <a:p>
+            <a:r>
+              <a:rPr lang="en-US" sz="6400" b="1" dirty="0">
+                <a:solidFill>
+                  <a:srgbClr val="660033"/>
+                </a:solidFill>
+              </a:rPr>
+              <a:t>4.</a:t>
+            </a:r>
+            <a:endParaRPr lang="vi-VN" sz="6400" b="1" dirty="0">
+              <a:solidFill>
+                <a:srgbClr val="660033"/>
+              </a:solidFill>
+            </a:endParaRPr>
+          </a:p>
+        </p:txBody>
+      </p:sp>
+    </p:spTree>
+    <p:extLst>
+      <p:ext uri="{BB962C8B-B14F-4D97-AF65-F5344CB8AC3E}">
+        <p14:creationId xmlns:p14="http://schemas.microsoft.com/office/powerpoint/2010/main" val="199853878"/>
+      </p:ext>
+    </p:extLst>
+  </p:cSld>
+  <p:clrMapOvr>
+    <a:masterClrMapping/>
+  </p:clrMapOvr>
+  <p:timing>
+    <p:tnLst>
+      <p:par>
+        <p:cTn id="1" dur="indefinite" restart="never" nodeType="tmRoot"/>
+      </p:par>
+    </p:tnLst>
+  </p:timing>
+</p:sld>
+</file>
+
+<file path=ppt/slides/slide15.xml><?xml version="1.0" encoding="utf-8"?>
+<p:sld xmlns:a="http://schemas.openxmlformats.org/drawingml/2006/main" xmlns:r="http://schemas.openxmlformats.org/officeDocument/2006/relationships" xmlns:p="http://schemas.openxmlformats.org/presentationml/2006/main">
+  <p:cSld>
+    <p:spTree>
+      <p:nvGrpSpPr>
+        <p:cNvPr id="1" name=""/>
+        <p:cNvGrpSpPr/>
+        <p:nvPr/>
+      </p:nvGrpSpPr>
+      <p:grpSpPr>
+        <a:xfrm>
+          <a:off x="0" y="0"/>
+          <a:ext cx="0" cy="0"/>
+          <a:chOff x="0" y="0"/>
+          <a:chExt cx="0" cy="0"/>
+        </a:xfrm>
+      </p:grpSpPr>
+      <p:sp>
+        <p:nvSpPr>
+          <p:cNvPr id="5" name="內容版面配置區 4"/>
+          <p:cNvSpPr>
+            <a:spLocks noGrp="1"/>
+          </p:cNvSpPr>
+          <p:nvPr>
+            <p:ph idx="1"/>
+          </p:nvPr>
+        </p:nvSpPr>
+        <p:spPr>
+          <a:xfrm>
+            <a:off x="0" y="2084851"/>
+            <a:ext cx="12192000" cy="2404863"/>
+          </a:xfrm>
+        </p:spPr>
+        <p:txBody>
+          <a:bodyPr anchor="ctr">
+            <a:normAutofit/>
+          </a:bodyPr>
+          <a:lstStyle/>
+          <a:p>
+            <a:pPr marL="0" indent="0" algn="ctr">
+              <a:buNone/>
+            </a:pPr>
+            <a:r>
+              <a:rPr lang="zh-CN" altLang="en-US" sz="6400" b="1" dirty="0">
+                <a:solidFill>
+                  <a:srgbClr val="660033"/>
+                </a:solidFill>
+                <a:latin typeface="Microsoft JhengHei" panose="020B0604030504040204" pitchFamily="34" charset="-120"/>
+                <a:ea typeface="Microsoft JhengHei" panose="020B0604030504040204" pitchFamily="34" charset="-120"/>
+              </a:rPr>
+              <a:t>我因此向主直奔</a:t>
+            </a:r>
+            <a:endParaRPr lang="en-US" altLang="zh-CN" sz="6400" b="1" dirty="0">
+              <a:solidFill>
+                <a:srgbClr val="660033"/>
+              </a:solidFill>
+              <a:latin typeface="Microsoft JhengHei" panose="020B0604030504040204" pitchFamily="34" charset="-120"/>
+              <a:ea typeface="Microsoft JhengHei" panose="020B0604030504040204" pitchFamily="34" charset="-120"/>
+            </a:endParaRPr>
+          </a:p>
+          <a:p>
+            <a:pPr marL="0" indent="0" algn="ctr">
+              <a:buNone/>
+            </a:pPr>
+            <a:r>
+              <a:rPr lang="zh-CN" altLang="en-US" sz="6400" b="1" dirty="0">
+                <a:solidFill>
+                  <a:srgbClr val="660033"/>
+                </a:solidFill>
+                <a:latin typeface="Microsoft JhengHei" panose="020B0604030504040204" pitchFamily="34" charset="-120"/>
+                <a:ea typeface="Microsoft JhengHei" panose="020B0604030504040204" pitchFamily="34" charset="-120"/>
+              </a:rPr>
+              <a:t>惟有主能救我</a:t>
+            </a:r>
+            <a:endParaRPr lang="en-US" altLang="zh-CN" sz="6400" b="1" dirty="0">
+              <a:solidFill>
+                <a:srgbClr val="660033"/>
+              </a:solidFill>
+              <a:ea typeface="Microsoft JhengHei" panose="020B0604030504040204" pitchFamily="34" charset="-120"/>
+            </a:endParaRPr>
+          </a:p>
+        </p:txBody>
+      </p:sp>
+      <p:sp>
+        <p:nvSpPr>
+          <p:cNvPr id="6" name="TextBox 5"/>
+          <p:cNvSpPr txBox="1"/>
+          <p:nvPr/>
+        </p:nvSpPr>
+        <p:spPr>
+          <a:xfrm>
+            <a:off x="1199456" y="2276872"/>
+            <a:ext cx="1248139" cy="1077218"/>
+          </a:xfrm>
+          <a:prstGeom prst="rect">
+            <a:avLst/>
+          </a:prstGeom>
+          <a:noFill/>
+        </p:spPr>
+        <p:txBody>
+          <a:bodyPr wrap="square" rtlCol="0">
+            <a:spAutoFit/>
+          </a:bodyPr>
+          <a:lstStyle/>
+          <a:p>
+            <a:r>
+              <a:rPr lang="en-US" sz="6400" b="1" dirty="0">
+                <a:solidFill>
+                  <a:srgbClr val="660033"/>
+                </a:solidFill>
+              </a:rPr>
+              <a:t>4.</a:t>
+            </a:r>
+            <a:endParaRPr lang="vi-VN" sz="6400" b="1" dirty="0">
+              <a:solidFill>
+                <a:srgbClr val="660033"/>
+              </a:solidFill>
+            </a:endParaRPr>
+          </a:p>
+        </p:txBody>
+      </p:sp>
+    </p:spTree>
+    <p:extLst>
+      <p:ext uri="{BB962C8B-B14F-4D97-AF65-F5344CB8AC3E}">
+        <p14:creationId xmlns:p14="http://schemas.microsoft.com/office/powerpoint/2010/main" val="4132507830"/>
+      </p:ext>
+    </p:extLst>
+  </p:cSld>
+  <p:clrMapOvr>
+    <a:masterClrMapping/>
+  </p:clrMapOvr>
+  <p:timing>
+    <p:tnLst>
+      <p:par>
+        <p:cTn id="1" dur="indefinite" restart="never" nodeType="tmRoot"/>
+      </p:par>
+    </p:tnLst>
+  </p:timing>
+</p:sld>
+</file>
+
+<file path=ppt/slides/slide16.xml><?xml version="1.0" encoding="utf-8"?>
+<p:sld xmlns:a="http://schemas.openxmlformats.org/drawingml/2006/main" xmlns:r="http://schemas.openxmlformats.org/officeDocument/2006/relationships" xmlns:p="http://schemas.openxmlformats.org/presentationml/2006/main">
+  <p:cSld>
+    <p:spTree>
+      <p:nvGrpSpPr>
+        <p:cNvPr id="1" name=""/>
+        <p:cNvGrpSpPr/>
+        <p:nvPr/>
+      </p:nvGrpSpPr>
+      <p:grpSpPr>
+        <a:xfrm>
+          <a:off x="0" y="0"/>
+          <a:ext cx="0" cy="0"/>
+          <a:chOff x="0" y="0"/>
+          <a:chExt cx="0" cy="0"/>
+        </a:xfrm>
+      </p:grpSpPr>
+      <p:sp>
+        <p:nvSpPr>
+          <p:cNvPr id="5" name="內容版面配置區 4"/>
+          <p:cNvSpPr>
+            <a:spLocks noGrp="1"/>
+          </p:cNvSpPr>
+          <p:nvPr>
+            <p:ph idx="1"/>
+          </p:nvPr>
+        </p:nvSpPr>
+        <p:spPr>
+          <a:xfrm>
+            <a:off x="0" y="2084851"/>
+            <a:ext cx="12192000" cy="2404863"/>
+          </a:xfrm>
+        </p:spPr>
+        <p:txBody>
+          <a:bodyPr anchor="ctr">
+            <a:normAutofit/>
+          </a:bodyPr>
+          <a:lstStyle/>
+          <a:p>
+            <a:pPr marL="0" indent="0" algn="ctr">
+              <a:buNone/>
+            </a:pPr>
+            <a:r>
+              <a:rPr lang="zh-CN" altLang="en-US" sz="6400" b="1" dirty="0">
+                <a:solidFill>
+                  <a:srgbClr val="660033"/>
+                </a:solidFill>
+                <a:ea typeface="Microsoft JhengHei" panose="020B0604030504040204" pitchFamily="34" charset="-120"/>
+              </a:rPr>
+              <a:t>幸耶穌憐我苦況</a:t>
+            </a:r>
+            <a:endParaRPr lang="en-US" altLang="zh-CN" sz="6400" b="1" dirty="0">
+              <a:solidFill>
+                <a:srgbClr val="660033"/>
+              </a:solidFill>
+              <a:ea typeface="Microsoft JhengHei" panose="020B0604030504040204" pitchFamily="34" charset="-120"/>
+            </a:endParaRPr>
+          </a:p>
+          <a:p>
+            <a:pPr marL="0" indent="0" algn="ctr">
+              <a:buNone/>
+            </a:pPr>
+            <a:r>
+              <a:rPr lang="zh-CN" altLang="en-US" sz="6400" b="1" dirty="0">
+                <a:solidFill>
+                  <a:srgbClr val="660033"/>
+                </a:solidFill>
+                <a:ea typeface="Microsoft JhengHei" panose="020B0604030504040204" pitchFamily="34" charset="-120"/>
+              </a:rPr>
+              <a:t>為我死在十字架上</a:t>
+            </a:r>
+            <a:endParaRPr lang="en-US" altLang="zh-CN" sz="6400" b="1" dirty="0">
+              <a:solidFill>
+                <a:srgbClr val="660033"/>
+              </a:solidFill>
+              <a:ea typeface="Microsoft JhengHei" panose="020B0604030504040204" pitchFamily="34" charset="-120"/>
+            </a:endParaRPr>
+          </a:p>
+        </p:txBody>
+      </p:sp>
+    </p:spTree>
+    <p:extLst>
+      <p:ext uri="{BB962C8B-B14F-4D97-AF65-F5344CB8AC3E}">
+        <p14:creationId xmlns:p14="http://schemas.microsoft.com/office/powerpoint/2010/main" val="2152046418"/>
+      </p:ext>
+    </p:extLst>
+  </p:cSld>
+  <p:clrMapOvr>
+    <a:masterClrMapping/>
+  </p:clrMapOvr>
+  <p:timing>
+    <p:tnLst>
+      <p:par>
+        <p:cTn id="1" dur="indefinite" restart="never" nodeType="tmRoot"/>
+      </p:par>
+    </p:tnLst>
+  </p:timing>
+</p:sld>
+</file>
+
+<file path=ppt/slides/slide17.xml><?xml version="1.0" encoding="utf-8"?>
+<p:sld xmlns:a="http://schemas.openxmlformats.org/drawingml/2006/main" xmlns:r="http://schemas.openxmlformats.org/officeDocument/2006/relationships" xmlns:p="http://schemas.openxmlformats.org/presentationml/2006/main">
+  <p:cSld>
+    <p:spTree>
+      <p:nvGrpSpPr>
+        <p:cNvPr id="1" name=""/>
+        <p:cNvGrpSpPr/>
+        <p:nvPr/>
+      </p:nvGrpSpPr>
+      <p:grpSpPr>
+        <a:xfrm>
+          <a:off x="0" y="0"/>
+          <a:ext cx="0" cy="0"/>
+          <a:chOff x="0" y="0"/>
+          <a:chExt cx="0" cy="0"/>
+        </a:xfrm>
+      </p:grpSpPr>
+      <p:sp>
+        <p:nvSpPr>
+          <p:cNvPr id="5" name="內容版面配置區 4"/>
+          <p:cNvSpPr>
+            <a:spLocks noGrp="1"/>
+          </p:cNvSpPr>
+          <p:nvPr>
+            <p:ph idx="1"/>
+          </p:nvPr>
+        </p:nvSpPr>
+        <p:spPr>
+          <a:xfrm>
+            <a:off x="0" y="2084851"/>
+            <a:ext cx="12192000" cy="2404863"/>
+          </a:xfrm>
+        </p:spPr>
+        <p:txBody>
+          <a:bodyPr anchor="ctr">
+            <a:normAutofit/>
+          </a:bodyPr>
+          <a:lstStyle/>
+          <a:p>
+            <a:pPr marL="0" indent="0" algn="ctr">
+              <a:buNone/>
+            </a:pPr>
+            <a:r>
+              <a:rPr lang="zh-CN" altLang="en-US" sz="6400" b="1" dirty="0">
+                <a:solidFill>
+                  <a:srgbClr val="660033"/>
+                </a:solidFill>
+                <a:ea typeface="Microsoft JhengHei" panose="020B0604030504040204" pitchFamily="34" charset="-120"/>
+              </a:rPr>
+              <a:t>耶穌今把我釋放</a:t>
+            </a:r>
+            <a:endParaRPr lang="en-US" altLang="zh-CN" sz="6400" b="1" dirty="0">
+              <a:solidFill>
+                <a:srgbClr val="660033"/>
+              </a:solidFill>
+              <a:ea typeface="Microsoft JhengHei" panose="020B0604030504040204" pitchFamily="34" charset="-120"/>
+            </a:endParaRPr>
+          </a:p>
+          <a:p>
+            <a:pPr marL="0" indent="0" algn="ctr">
+              <a:buNone/>
+            </a:pPr>
+            <a:r>
+              <a:rPr lang="zh-CN" altLang="en-US" sz="6400" b="1" dirty="0">
+                <a:solidFill>
+                  <a:srgbClr val="660033"/>
+                </a:solidFill>
+                <a:ea typeface="Microsoft JhengHei" panose="020B0604030504040204" pitchFamily="34" charset="-120"/>
+              </a:rPr>
+              <a:t>惟有主</a:t>
+            </a:r>
+            <a:r>
+              <a:rPr lang="zh-CN" altLang="en-US" sz="6400" b="1" dirty="0">
+                <a:solidFill>
+                  <a:srgbClr val="660033"/>
+                </a:solidFill>
+                <a:latin typeface="Microsoft JhengHei" panose="020B0604030504040204" pitchFamily="34" charset="-120"/>
+                <a:ea typeface="Microsoft JhengHei" panose="020B0604030504040204" pitchFamily="34" charset="-120"/>
+              </a:rPr>
+              <a:t>能救我</a:t>
+            </a:r>
+            <a:endParaRPr lang="vi-VN" sz="6400" b="1" dirty="0">
+              <a:solidFill>
+                <a:srgbClr val="660033"/>
+              </a:solidFill>
+              <a:ea typeface="Microsoft JhengHei" panose="020B0604030504040204" pitchFamily="34" charset="-120"/>
+            </a:endParaRPr>
+          </a:p>
+        </p:txBody>
+      </p:sp>
+    </p:spTree>
+    <p:extLst>
+      <p:ext uri="{BB962C8B-B14F-4D97-AF65-F5344CB8AC3E}">
+        <p14:creationId xmlns:p14="http://schemas.microsoft.com/office/powerpoint/2010/main" val="1318851750"/>
+      </p:ext>
+    </p:extLst>
+  </p:cSld>
+  <p:clrMapOvr>
+    <a:masterClrMapping/>
+  </p:clrMapOvr>
+  <p:timing>
+    <p:tnLst>
+      <p:par>
+        <p:cTn id="1" dur="indefinite" restart="never" nodeType="tmRoot"/>
+      </p:par>
+    </p:tnLst>
+  </p:timing>
 </p:sld>
 </file>
 
@@ -3394,162 +4321,105 @@
       </p:grpSpPr>
       <p:sp>
         <p:nvSpPr>
-          <p:cNvPr id="2" name="Title 1"/>
-          <p:cNvSpPr>
-            <a:spLocks noGrp="1"/>
-          </p:cNvSpPr>
-          <p:nvPr>
-            <p:ph type="title"/>
-          </p:nvPr>
-        </p:nvSpPr>
-        <p:spPr/>
-        <p:txBody>
-          <a:bodyPr>
+          <p:cNvPr id="5" name="內容版面配置區 4"/>
+          <p:cNvSpPr>
+            <a:spLocks noGrp="1"/>
+          </p:cNvSpPr>
+          <p:nvPr>
+            <p:ph idx="1"/>
+          </p:nvPr>
+        </p:nvSpPr>
+        <p:spPr>
+          <a:xfrm>
+            <a:off x="0" y="2084851"/>
+            <a:ext cx="12192000" cy="2404863"/>
+          </a:xfrm>
+        </p:spPr>
+        <p:txBody>
+          <a:bodyPr anchor="ctr">
             <a:normAutofit/>
           </a:bodyPr>
           <a:lstStyle/>
           <a:p>
-            <a:r>
-              <a:rPr lang="zh-CN" altLang="en-US" sz="4800" b="1" dirty="0">
-                <a:solidFill>
-                  <a:srgbClr val="002060"/>
+            <a:pPr marL="0" indent="0" algn="ctr">
+              <a:buNone/>
+            </a:pPr>
+            <a:r>
+              <a:rPr lang="zh-CN" altLang="en-US" sz="6400" b="1" dirty="0">
+                <a:solidFill>
+                  <a:srgbClr val="660033"/>
                 </a:solidFill>
                 <a:latin typeface="Microsoft JhengHei" panose="020B0604030504040204" pitchFamily="34" charset="-120"/>
                 <a:ea typeface="Microsoft JhengHei" panose="020B0604030504040204" pitchFamily="34" charset="-120"/>
               </a:rPr>
-              <a:t>惟主能救我</a:t>
-            </a:r>
-            <a:endParaRPr lang="vi-VN" sz="4800" b="1" dirty="0">
+              <a:t>哀苦不能救我</a:t>
+            </a:r>
+            <a:endParaRPr lang="en-US" altLang="zh-CN" sz="6400" b="1" dirty="0">
               <a:solidFill>
-                <a:srgbClr val="002060"/>
+                <a:srgbClr val="660033"/>
               </a:solidFill>
+              <a:latin typeface="Microsoft JhengHei" panose="020B0604030504040204" pitchFamily="34" charset="-120"/>
               <a:ea typeface="Microsoft JhengHei" panose="020B0604030504040204" pitchFamily="34" charset="-120"/>
             </a:endParaRPr>
           </a:p>
-        </p:txBody>
-      </p:sp>
-      <p:sp>
-        <p:nvSpPr>
-          <p:cNvPr id="3" name="Content Placeholder 2"/>
-          <p:cNvSpPr>
-            <a:spLocks noGrp="1"/>
-          </p:cNvSpPr>
-          <p:nvPr>
-            <p:ph idx="1"/>
-          </p:nvPr>
-        </p:nvSpPr>
-        <p:spPr/>
-        <p:txBody>
-          <a:bodyPr>
-            <a:normAutofit/>
-          </a:bodyPr>
-          <a:lstStyle/>
           <a:p>
             <a:pPr marL="0" indent="0" algn="ctr">
               <a:buNone/>
             </a:pPr>
             <a:r>
-              <a:rPr lang="zh-CN" altLang="en-US" sz="5400" b="1" dirty="0" smtClean="0">
-                <a:solidFill>
-                  <a:srgbClr val="002060"/>
-                </a:solidFill>
-                <a:ea typeface="Microsoft JhengHei" panose="020B0604030504040204" pitchFamily="34" charset="-120"/>
-              </a:rPr>
-              <a:t>幸耶穌憐我苦況</a:t>
-            </a:r>
-            <a:endParaRPr lang="en-US" altLang="zh-CN" sz="5400" b="1" dirty="0" smtClean="0">
-              <a:solidFill>
-                <a:srgbClr val="002060"/>
-              </a:solidFill>
-              <a:ea typeface="Microsoft JhengHei" panose="020B0604030504040204" pitchFamily="34" charset="-120"/>
-            </a:endParaRPr>
-          </a:p>
-          <a:p>
-            <a:pPr marL="0" indent="0" algn="ctr">
-              <a:buNone/>
-            </a:pPr>
-            <a:r>
-              <a:rPr lang="zh-CN" altLang="en-US" sz="5400" b="1" dirty="0">
-                <a:solidFill>
-                  <a:srgbClr val="002060"/>
-                </a:solidFill>
-                <a:ea typeface="Microsoft JhengHei" panose="020B0604030504040204" pitchFamily="34" charset="-120"/>
-              </a:rPr>
-              <a:t>為</a:t>
-            </a:r>
-            <a:r>
-              <a:rPr lang="zh-CN" altLang="en-US" sz="5400" b="1" dirty="0" smtClean="0">
-                <a:solidFill>
-                  <a:srgbClr val="002060"/>
-                </a:solidFill>
-                <a:ea typeface="Microsoft JhengHei" panose="020B0604030504040204" pitchFamily="34" charset="-120"/>
-              </a:rPr>
-              <a:t>我死在十字架上</a:t>
-            </a:r>
-            <a:endParaRPr lang="en-US" altLang="zh-CN" sz="5400" b="1" dirty="0" smtClean="0">
-              <a:solidFill>
-                <a:srgbClr val="002060"/>
-              </a:solidFill>
-              <a:ea typeface="Microsoft JhengHei" panose="020B0604030504040204" pitchFamily="34" charset="-120"/>
-            </a:endParaRPr>
-          </a:p>
-          <a:p>
-            <a:pPr marL="0" indent="0" algn="ctr">
-              <a:buNone/>
-            </a:pPr>
-            <a:r>
-              <a:rPr lang="zh-CN" altLang="en-US" sz="5400" b="1" dirty="0">
-                <a:solidFill>
-                  <a:srgbClr val="002060"/>
-                </a:solidFill>
-                <a:ea typeface="Microsoft JhengHei" panose="020B0604030504040204" pitchFamily="34" charset="-120"/>
-              </a:rPr>
-              <a:t>耶</a:t>
-            </a:r>
-            <a:r>
-              <a:rPr lang="zh-CN" altLang="en-US" sz="5400" b="1" dirty="0" smtClean="0">
-                <a:solidFill>
-                  <a:srgbClr val="002060"/>
-                </a:solidFill>
-                <a:ea typeface="Microsoft JhengHei" panose="020B0604030504040204" pitchFamily="34" charset="-120"/>
-              </a:rPr>
-              <a:t>穌今把我釋放</a:t>
-            </a:r>
-            <a:endParaRPr lang="en-US" altLang="zh-CN" sz="5400" b="1" dirty="0" smtClean="0">
-              <a:solidFill>
-                <a:srgbClr val="002060"/>
-              </a:solidFill>
-              <a:ea typeface="Microsoft JhengHei" panose="020B0604030504040204" pitchFamily="34" charset="-120"/>
-            </a:endParaRPr>
-          </a:p>
-          <a:p>
-            <a:pPr marL="0" indent="0" algn="ctr">
-              <a:buNone/>
-            </a:pPr>
-            <a:r>
-              <a:rPr lang="zh-CN" altLang="en-US" sz="5400" b="1" dirty="0" smtClean="0">
-                <a:solidFill>
-                  <a:srgbClr val="002060"/>
-                </a:solidFill>
-                <a:ea typeface="Microsoft JhengHei" panose="020B0604030504040204" pitchFamily="34" charset="-120"/>
-              </a:rPr>
-              <a:t>惟有主</a:t>
-            </a:r>
-            <a:r>
-              <a:rPr lang="zh-CN" altLang="en-US" sz="5400" b="1" dirty="0">
-                <a:solidFill>
-                  <a:srgbClr val="002060"/>
+              <a:rPr lang="zh-CN" altLang="en-US" sz="6400" b="1" dirty="0">
+                <a:solidFill>
+                  <a:srgbClr val="660033"/>
                 </a:solidFill>
                 <a:latin typeface="Microsoft JhengHei" panose="020B0604030504040204" pitchFamily="34" charset="-120"/>
                 <a:ea typeface="Microsoft JhengHei" panose="020B0604030504040204" pitchFamily="34" charset="-120"/>
               </a:rPr>
-              <a:t>能救我</a:t>
-            </a:r>
-            <a:endParaRPr lang="vi-VN" sz="5400" b="1" dirty="0">
+              <a:t>我雖然不住流淚  心未能得主安慰</a:t>
+            </a:r>
+            <a:endParaRPr lang="en-US" altLang="zh-CN" sz="6400" b="1" dirty="0">
               <a:solidFill>
-                <a:srgbClr val="002060"/>
+                <a:srgbClr val="660033"/>
               </a:solidFill>
+              <a:latin typeface="Microsoft JhengHei" panose="020B0604030504040204" pitchFamily="34" charset="-120"/>
               <a:ea typeface="Microsoft JhengHei" panose="020B0604030504040204" pitchFamily="34" charset="-120"/>
+            </a:endParaRPr>
+          </a:p>
+        </p:txBody>
+      </p:sp>
+      <p:sp>
+        <p:nvSpPr>
+          <p:cNvPr id="6" name="TextBox 5"/>
+          <p:cNvSpPr txBox="1"/>
+          <p:nvPr/>
+        </p:nvSpPr>
+        <p:spPr>
+          <a:xfrm>
+            <a:off x="1199456" y="2276872"/>
+            <a:ext cx="1248139" cy="1077218"/>
+          </a:xfrm>
+          <a:prstGeom prst="rect">
+            <a:avLst/>
+          </a:prstGeom>
+          <a:noFill/>
+        </p:spPr>
+        <p:txBody>
+          <a:bodyPr wrap="square" rtlCol="0">
+            <a:spAutoFit/>
+          </a:bodyPr>
+          <a:lstStyle/>
+          <a:p>
+            <a:r>
+              <a:rPr lang="en-US" sz="6400" b="1" dirty="0">
+                <a:solidFill>
+                  <a:srgbClr val="660033"/>
+                </a:solidFill>
+              </a:rPr>
+              <a:t>1.</a:t>
+            </a:r>
+            <a:endParaRPr lang="vi-VN" sz="6400" b="1" dirty="0">
+              <a:solidFill>
+                <a:srgbClr val="660033"/>
+              </a:solidFill>
             </a:endParaRPr>
           </a:p>
         </p:txBody>
@@ -3557,13 +4427,20 @@
     </p:spTree>
     <p:extLst>
       <p:ext uri="{BB962C8B-B14F-4D97-AF65-F5344CB8AC3E}">
-        <p14:creationId xmlns:p14="http://schemas.microsoft.com/office/powerpoint/2010/main" val="1025000706"/>
+        <p14:creationId xmlns:p14="http://schemas.microsoft.com/office/powerpoint/2010/main" val="560096528"/>
       </p:ext>
     </p:extLst>
   </p:cSld>
   <p:clrMapOvr>
     <a:masterClrMapping/>
   </p:clrMapOvr>
+  <p:timing>
+    <p:tnLst>
+      <p:par>
+        <p:cTn id="1" dur="indefinite" restart="never" nodeType="tmRoot"/>
+      </p:par>
+    </p:tnLst>
+  </p:timing>
 </p:sld>
 </file>
 
@@ -3586,34 +4463,64 @@
       </p:grpSpPr>
       <p:sp>
         <p:nvSpPr>
-          <p:cNvPr id="2" name="Title 1"/>
-          <p:cNvSpPr>
-            <a:spLocks noGrp="1"/>
-          </p:cNvSpPr>
-          <p:nvPr>
-            <p:ph type="title"/>
-          </p:nvPr>
-        </p:nvSpPr>
-        <p:spPr/>
-        <p:txBody>
-          <a:bodyPr>
+          <p:cNvPr id="5" name="內容版面配置區 4"/>
+          <p:cNvSpPr>
+            <a:spLocks noGrp="1"/>
+          </p:cNvSpPr>
+          <p:nvPr>
+            <p:ph idx="1"/>
+          </p:nvPr>
+        </p:nvSpPr>
+        <p:spPr>
+          <a:xfrm>
+            <a:off x="0" y="2084851"/>
+            <a:ext cx="12192000" cy="2404863"/>
+          </a:xfrm>
+        </p:spPr>
+        <p:txBody>
+          <a:bodyPr anchor="ctr">
             <a:normAutofit/>
           </a:bodyPr>
           <a:lstStyle/>
           <a:p>
-            <a:r>
-              <a:rPr lang="zh-CN" altLang="en-US" sz="4800" b="1" dirty="0">
-                <a:solidFill>
-                  <a:srgbClr val="002060"/>
+            <a:pPr marL="0" indent="0" algn="ctr">
+              <a:buNone/>
+            </a:pPr>
+            <a:r>
+              <a:rPr lang="zh-CN" altLang="en-US" sz="6400" b="1" dirty="0">
+                <a:solidFill>
+                  <a:srgbClr val="660033"/>
                 </a:solidFill>
                 <a:latin typeface="Microsoft JhengHei" panose="020B0604030504040204" pitchFamily="34" charset="-120"/>
                 <a:ea typeface="Microsoft JhengHei" panose="020B0604030504040204" pitchFamily="34" charset="-120"/>
               </a:rPr>
-              <a:t>惟主能救我</a:t>
-            </a:r>
-            <a:endParaRPr lang="vi-VN" sz="4800" b="1" dirty="0">
+              <a:t>又不能洗我污穢</a:t>
+            </a:r>
+            <a:endParaRPr lang="en-US" altLang="zh-CN" sz="6400" b="1" dirty="0">
               <a:solidFill>
-                <a:srgbClr val="002060"/>
+                <a:srgbClr val="660033"/>
+              </a:solidFill>
+              <a:latin typeface="Microsoft JhengHei" panose="020B0604030504040204" pitchFamily="34" charset="-120"/>
+              <a:ea typeface="Microsoft JhengHei" panose="020B0604030504040204" pitchFamily="34" charset="-120"/>
+            </a:endParaRPr>
+          </a:p>
+          <a:p>
+            <a:pPr marL="0" indent="0" algn="ctr">
+              <a:buNone/>
+            </a:pPr>
+            <a:r>
+              <a:rPr lang="zh-CN" altLang="en-US" sz="6400" b="1" dirty="0">
+                <a:solidFill>
+                  <a:srgbClr val="660033"/>
+                </a:solidFill>
+                <a:latin typeface="Microsoft JhengHei" panose="020B0604030504040204" pitchFamily="34" charset="-120"/>
+                <a:ea typeface="Microsoft JhengHei" panose="020B0604030504040204" pitchFamily="34" charset="-120"/>
+              </a:rPr>
+              <a:t>哀苦不能救我</a:t>
+            </a:r>
+            <a:endParaRPr lang="vi-VN" sz="6400" b="1" dirty="0">
+              <a:solidFill>
+                <a:srgbClr val="660033"/>
               </a:solidFill>
               <a:ea typeface="Microsoft JhengHei" panose="020B0604030504040204" pitchFamily="34" charset="-120"/>
             </a:endParaRPr>
@@ -3622,200 +4529,14 @@
       </p:sp>
       <p:sp>
         <p:nvSpPr>
-          <p:cNvPr id="3" name="Content Placeholder 2"/>
-          <p:cNvSpPr>
-            <a:spLocks noGrp="1"/>
-          </p:cNvSpPr>
-          <p:nvPr>
-            <p:ph idx="1"/>
-          </p:nvPr>
+          <p:cNvPr id="6" name="TextBox 5"/>
+          <p:cNvSpPr txBox="1"/>
+          <p:nvPr/>
         </p:nvSpPr>
         <p:spPr>
           <a:xfrm>
-            <a:off x="609600" y="1600201"/>
-            <a:ext cx="10972800" cy="5257799"/>
-          </a:xfrm>
-        </p:spPr>
-        <p:txBody>
-          <a:bodyPr>
-            <a:normAutofit/>
-          </a:bodyPr>
-          <a:lstStyle/>
-          <a:p>
-            <a:pPr marL="0" indent="0" algn="ctr">
-              <a:buNone/>
-            </a:pPr>
-            <a:r>
-              <a:rPr lang="zh-CN" altLang="en-US" sz="5400" b="1" dirty="0" smtClean="0">
-                <a:solidFill>
-                  <a:srgbClr val="002060"/>
-                </a:solidFill>
-                <a:ea typeface="Microsoft JhengHei" panose="020B0604030504040204" pitchFamily="34" charset="-120"/>
-              </a:rPr>
-              <a:t>勞碌豈能救</a:t>
-            </a:r>
-            <a:r>
-              <a:rPr lang="zh-CN" altLang="en-US" sz="5400" b="1" dirty="0" smtClean="0">
-                <a:solidFill>
-                  <a:srgbClr val="002060"/>
-                </a:solidFill>
-                <a:ea typeface="Microsoft JhengHei" panose="020B0604030504040204" pitchFamily="34" charset="-120"/>
-              </a:rPr>
-              <a:t>我</a:t>
-            </a:r>
-            <a:endParaRPr lang="en-US" altLang="zh-CN" sz="5400" b="1" dirty="0" smtClean="0">
-              <a:solidFill>
-                <a:srgbClr val="002060"/>
-              </a:solidFill>
-              <a:ea typeface="Microsoft JhengHei" panose="020B0604030504040204" pitchFamily="34" charset="-120"/>
-            </a:endParaRPr>
-          </a:p>
-          <a:p>
-            <a:pPr marL="0" indent="0" algn="ctr">
-              <a:buNone/>
-            </a:pPr>
-            <a:r>
-              <a:rPr lang="zh-CN" altLang="en-US" sz="5400" b="1" dirty="0" smtClean="0">
-                <a:solidFill>
-                  <a:srgbClr val="002060"/>
-                </a:solidFill>
-                <a:ea typeface="Microsoft JhengHei" panose="020B0604030504040204" pitchFamily="34" charset="-120"/>
-              </a:rPr>
-              <a:t>我</a:t>
-            </a:r>
-            <a:r>
-              <a:rPr lang="zh-CN" altLang="en-US" sz="5400" b="1" dirty="0" smtClean="0">
-                <a:solidFill>
-                  <a:srgbClr val="002060"/>
-                </a:solidFill>
-                <a:ea typeface="Microsoft JhengHei" panose="020B0604030504040204" pitchFamily="34" charset="-120"/>
-              </a:rPr>
-              <a:t>為人所知所行</a:t>
-            </a:r>
-            <a:endParaRPr lang="en-US" altLang="zh-CN" sz="5400" b="1" dirty="0" smtClean="0">
-              <a:solidFill>
-                <a:srgbClr val="002060"/>
-              </a:solidFill>
-              <a:ea typeface="Microsoft JhengHei" panose="020B0604030504040204" pitchFamily="34" charset="-120"/>
-            </a:endParaRPr>
-          </a:p>
-          <a:p>
-            <a:pPr marL="0" indent="0" algn="ctr">
-              <a:buNone/>
-            </a:pPr>
-            <a:r>
-              <a:rPr lang="zh-CN" altLang="en-US" sz="5400" b="1" dirty="0" smtClean="0">
-                <a:solidFill>
-                  <a:srgbClr val="002060"/>
-                </a:solidFill>
-                <a:ea typeface="Microsoft JhengHei" panose="020B0604030504040204" pitchFamily="34" charset="-120"/>
-              </a:rPr>
-              <a:t>雖使我能得好名</a:t>
-            </a:r>
-            <a:endParaRPr lang="en-US" altLang="zh-CN" sz="5400" b="1" dirty="0" smtClean="0">
-              <a:solidFill>
-                <a:srgbClr val="002060"/>
-              </a:solidFill>
-              <a:ea typeface="Microsoft JhengHei" panose="020B0604030504040204" pitchFamily="34" charset="-120"/>
-            </a:endParaRPr>
-          </a:p>
-          <a:p>
-            <a:pPr marL="0" indent="0" algn="ctr">
-              <a:buNone/>
-            </a:pPr>
-            <a:r>
-              <a:rPr lang="zh-CN" altLang="en-US" sz="5400" b="1" dirty="0">
-                <a:solidFill>
-                  <a:srgbClr val="002060"/>
-                </a:solidFill>
-                <a:ea typeface="Microsoft JhengHei" panose="020B0604030504040204" pitchFamily="34" charset="-120"/>
-              </a:rPr>
-              <a:t>總不</a:t>
-            </a:r>
-            <a:r>
-              <a:rPr lang="zh-CN" altLang="en-US" sz="5400" b="1" dirty="0" smtClean="0">
-                <a:solidFill>
-                  <a:srgbClr val="002060"/>
-                </a:solidFill>
-                <a:ea typeface="Microsoft JhengHei" panose="020B0604030504040204" pitchFamily="34" charset="-120"/>
-              </a:rPr>
-              <a:t>能改正心情</a:t>
-            </a:r>
-            <a:endParaRPr lang="en-US" altLang="zh-CN" sz="5400" b="1" dirty="0" smtClean="0">
-              <a:solidFill>
-                <a:srgbClr val="002060"/>
-              </a:solidFill>
-              <a:ea typeface="Microsoft JhengHei" panose="020B0604030504040204" pitchFamily="34" charset="-120"/>
-            </a:endParaRPr>
-          </a:p>
-          <a:p>
-            <a:pPr marL="0" indent="0" algn="ctr">
-              <a:buNone/>
-            </a:pPr>
-            <a:r>
-              <a:rPr lang="zh-CN" altLang="en-US" sz="5400" b="1" dirty="0">
-                <a:solidFill>
-                  <a:srgbClr val="002060"/>
-                </a:solidFill>
-                <a:ea typeface="Microsoft JhengHei" panose="020B0604030504040204" pitchFamily="34" charset="-120"/>
-              </a:rPr>
-              <a:t>勞</a:t>
-            </a:r>
-            <a:r>
-              <a:rPr lang="zh-CN" altLang="en-US" sz="5400" b="1" dirty="0" smtClean="0">
-                <a:solidFill>
-                  <a:srgbClr val="002060"/>
-                </a:solidFill>
-                <a:ea typeface="Microsoft JhengHei" panose="020B0604030504040204" pitchFamily="34" charset="-120"/>
-              </a:rPr>
-              <a:t>碌</a:t>
-            </a:r>
-            <a:r>
-              <a:rPr lang="zh-CN" altLang="en-US" sz="5400" b="1" dirty="0">
-                <a:solidFill>
-                  <a:srgbClr val="002060"/>
-                </a:solidFill>
-                <a:ea typeface="Microsoft JhengHei" panose="020B0604030504040204" pitchFamily="34" charset="-120"/>
-              </a:rPr>
-              <a:t>不能</a:t>
-            </a:r>
-            <a:r>
-              <a:rPr lang="zh-CN" altLang="en-US" sz="5400" b="1" dirty="0" smtClean="0">
-                <a:solidFill>
-                  <a:srgbClr val="002060"/>
-                </a:solidFill>
-                <a:ea typeface="Microsoft JhengHei" panose="020B0604030504040204" pitchFamily="34" charset="-120"/>
-              </a:rPr>
-              <a:t>救</a:t>
-            </a:r>
-            <a:r>
-              <a:rPr lang="zh-CN" altLang="en-US" sz="5400" b="1" dirty="0">
-                <a:solidFill>
-                  <a:srgbClr val="002060"/>
-                </a:solidFill>
-                <a:ea typeface="Microsoft JhengHei" panose="020B0604030504040204" pitchFamily="34" charset="-120"/>
-              </a:rPr>
-              <a:t>我</a:t>
-            </a:r>
-            <a:endParaRPr lang="vi-VN" sz="5400" b="1" dirty="0">
-              <a:solidFill>
-                <a:srgbClr val="002060"/>
-              </a:solidFill>
-              <a:ea typeface="Microsoft JhengHei" panose="020B0604030504040204" pitchFamily="34" charset="-120"/>
-            </a:endParaRPr>
-          </a:p>
-        </p:txBody>
-      </p:sp>
-      <p:sp>
-        <p:nvSpPr>
-          <p:cNvPr id="5" name="TextBox 4"/>
-          <p:cNvSpPr txBox="1"/>
-          <p:nvPr/>
-        </p:nvSpPr>
-        <p:spPr>
-          <a:xfrm>
-            <a:off x="1461456" y="1704372"/>
-            <a:ext cx="962527" cy="923330"/>
+            <a:off x="1199456" y="2276872"/>
+            <a:ext cx="1248139" cy="1077218"/>
           </a:xfrm>
           <a:prstGeom prst="rect">
             <a:avLst/>
@@ -3829,24 +4550,16 @@
           <a:lstStyle/>
           <a:p>
             <a:r>
-              <a:rPr lang="en-US" sz="5400" b="1" dirty="0">
-                <a:solidFill>
-                  <a:srgbClr val="002060"/>
+              <a:rPr lang="en-US" sz="6400" b="1" dirty="0">
+                <a:solidFill>
+                  <a:srgbClr val="660033"/>
                 </a:solidFill>
               </a:rPr>
-              <a:t>2</a:t>
-            </a:r>
-            <a:r>
-              <a:rPr lang="en-US" sz="5400" b="1" dirty="0" smtClean="0">
-                <a:solidFill>
-                  <a:srgbClr val="002060"/>
-                </a:solidFill>
-              </a:rPr>
-              <a:t>.</a:t>
-            </a:r>
-            <a:endParaRPr lang="vi-VN" sz="5400" b="1" dirty="0">
+              <a:t>1.</a:t>
+            </a:r>
+            <a:endParaRPr lang="vi-VN" sz="6400" b="1" dirty="0">
               <a:solidFill>
-                <a:srgbClr val="002060"/>
+                <a:srgbClr val="660033"/>
               </a:solidFill>
             </a:endParaRPr>
           </a:p>
@@ -3855,13 +4568,20 @@
     </p:spTree>
     <p:extLst>
       <p:ext uri="{BB962C8B-B14F-4D97-AF65-F5344CB8AC3E}">
-        <p14:creationId xmlns:p14="http://schemas.microsoft.com/office/powerpoint/2010/main" val="2633569338"/>
+        <p14:creationId xmlns:p14="http://schemas.microsoft.com/office/powerpoint/2010/main" val="1210811747"/>
       </p:ext>
     </p:extLst>
   </p:cSld>
   <p:clrMapOvr>
     <a:masterClrMapping/>
   </p:clrMapOvr>
+  <p:timing>
+    <p:tnLst>
+      <p:par>
+        <p:cTn id="1" dur="indefinite" restart="never" nodeType="tmRoot"/>
+      </p:par>
+    </p:tnLst>
+  </p:timing>
 </p:sld>
 </file>
 
@@ -3884,176 +4604,84 @@
       </p:grpSpPr>
       <p:sp>
         <p:nvSpPr>
-          <p:cNvPr id="2" name="Title 1"/>
-          <p:cNvSpPr>
-            <a:spLocks noGrp="1"/>
-          </p:cNvSpPr>
-          <p:nvPr>
-            <p:ph type="title"/>
-          </p:nvPr>
-        </p:nvSpPr>
-        <p:spPr/>
-        <p:txBody>
-          <a:bodyPr>
+          <p:cNvPr id="5" name="內容版面配置區 4"/>
+          <p:cNvSpPr>
+            <a:spLocks noGrp="1"/>
+          </p:cNvSpPr>
+          <p:nvPr>
+            <p:ph idx="1"/>
+          </p:nvPr>
+        </p:nvSpPr>
+        <p:spPr>
+          <a:xfrm>
+            <a:off x="0" y="2084851"/>
+            <a:ext cx="12192000" cy="2404863"/>
+          </a:xfrm>
+        </p:spPr>
+        <p:txBody>
+          <a:bodyPr anchor="ctr">
             <a:normAutofit/>
           </a:bodyPr>
           <a:lstStyle/>
           <a:p>
-            <a:r>
-              <a:rPr lang="zh-CN" altLang="en-US" sz="4800" b="1" dirty="0">
-                <a:solidFill>
-                  <a:srgbClr val="002060"/>
-                </a:solidFill>
-                <a:latin typeface="Microsoft JhengHei" panose="020B0604030504040204" pitchFamily="34" charset="-120"/>
+            <a:pPr marL="0" indent="0" algn="ctr">
+              <a:buNone/>
+            </a:pPr>
+            <a:r>
+              <a:rPr lang="zh-CN" altLang="en-US" sz="6400" b="1" dirty="0">
+                <a:solidFill>
+                  <a:srgbClr val="660033"/>
+                </a:solidFill>
                 <a:ea typeface="Microsoft JhengHei" panose="020B0604030504040204" pitchFamily="34" charset="-120"/>
               </a:rPr>
-              <a:t>惟主能救我</a:t>
-            </a:r>
-            <a:endParaRPr lang="vi-VN" sz="4800" b="1" dirty="0">
+              <a:t>幸耶穌憐我苦況</a:t>
+            </a:r>
+            <a:endParaRPr lang="en-US" altLang="zh-CN" sz="6400" b="1" dirty="0">
               <a:solidFill>
-                <a:srgbClr val="002060"/>
+                <a:srgbClr val="660033"/>
               </a:solidFill>
               <a:ea typeface="Microsoft JhengHei" panose="020B0604030504040204" pitchFamily="34" charset="-120"/>
             </a:endParaRPr>
           </a:p>
-        </p:txBody>
-      </p:sp>
-      <p:sp>
-        <p:nvSpPr>
-          <p:cNvPr id="3" name="Content Placeholder 2"/>
-          <p:cNvSpPr>
-            <a:spLocks noGrp="1"/>
-          </p:cNvSpPr>
-          <p:nvPr>
-            <p:ph idx="1"/>
-          </p:nvPr>
-        </p:nvSpPr>
-        <p:spPr/>
-        <p:txBody>
-          <a:bodyPr>
-            <a:normAutofit/>
-          </a:bodyPr>
-          <a:lstStyle/>
           <a:p>
             <a:pPr marL="0" indent="0" algn="ctr">
               <a:buNone/>
             </a:pPr>
             <a:r>
-              <a:rPr lang="zh-CN" altLang="en-US" sz="5400" b="1" dirty="0" smtClean="0">
-                <a:solidFill>
-                  <a:srgbClr val="002060"/>
+              <a:rPr lang="zh-CN" altLang="en-US" sz="6400" b="1" dirty="0">
+                <a:solidFill>
+                  <a:srgbClr val="660033"/>
                 </a:solidFill>
                 <a:ea typeface="Microsoft JhengHei" panose="020B0604030504040204" pitchFamily="34" charset="-120"/>
               </a:rPr>
-              <a:t>幸耶穌憐我苦況</a:t>
-            </a:r>
-            <a:endParaRPr lang="en-US" altLang="zh-CN" sz="5400" b="1" dirty="0" smtClean="0">
+              <a:t>為我死在十字架上</a:t>
+            </a:r>
+            <a:endParaRPr lang="en-US" altLang="zh-CN" sz="6400" b="1" dirty="0">
               <a:solidFill>
-                <a:srgbClr val="002060"/>
+                <a:srgbClr val="660033"/>
               </a:solidFill>
               <a:ea typeface="Microsoft JhengHei" panose="020B0604030504040204" pitchFamily="34" charset="-120"/>
             </a:endParaRPr>
           </a:p>
-          <a:p>
-            <a:pPr marL="0" indent="0" algn="ctr">
-              <a:buNone/>
-            </a:pPr>
-            <a:r>
-              <a:rPr lang="zh-CN" altLang="en-US" sz="5400" b="1" dirty="0">
-                <a:solidFill>
-                  <a:srgbClr val="002060"/>
-                </a:solidFill>
-                <a:ea typeface="Microsoft JhengHei" panose="020B0604030504040204" pitchFamily="34" charset="-120"/>
-              </a:rPr>
-              <a:t>為</a:t>
-            </a:r>
-            <a:r>
-              <a:rPr lang="zh-CN" altLang="en-US" sz="5400" b="1" dirty="0" smtClean="0">
-                <a:solidFill>
-                  <a:srgbClr val="002060"/>
-                </a:solidFill>
-                <a:ea typeface="Microsoft JhengHei" panose="020B0604030504040204" pitchFamily="34" charset="-120"/>
-              </a:rPr>
-              <a:t>我死在十字架上</a:t>
-            </a:r>
-            <a:endParaRPr lang="en-US" altLang="zh-CN" sz="5400" b="1" dirty="0" smtClean="0">
-              <a:solidFill>
-                <a:srgbClr val="002060"/>
-              </a:solidFill>
-              <a:ea typeface="Microsoft JhengHei" panose="020B0604030504040204" pitchFamily="34" charset="-120"/>
-            </a:endParaRPr>
-          </a:p>
-          <a:p>
-            <a:pPr marL="0" indent="0" algn="ctr">
-              <a:buNone/>
-            </a:pPr>
-            <a:r>
-              <a:rPr lang="zh-CN" altLang="en-US" sz="5400" b="1" dirty="0">
-                <a:solidFill>
-                  <a:srgbClr val="002060"/>
-                </a:solidFill>
-                <a:ea typeface="Microsoft JhengHei" panose="020B0604030504040204" pitchFamily="34" charset="-120"/>
-              </a:rPr>
-              <a:t>耶</a:t>
-            </a:r>
-            <a:r>
-              <a:rPr lang="zh-CN" altLang="en-US" sz="5400" b="1" dirty="0" smtClean="0">
-                <a:solidFill>
-                  <a:srgbClr val="002060"/>
-                </a:solidFill>
-                <a:ea typeface="Microsoft JhengHei" panose="020B0604030504040204" pitchFamily="34" charset="-120"/>
-              </a:rPr>
-              <a:t>穌今把我釋放</a:t>
-            </a:r>
-            <a:endParaRPr lang="en-US" altLang="zh-CN" sz="5400" b="1" dirty="0" smtClean="0">
-              <a:solidFill>
-                <a:srgbClr val="002060"/>
-              </a:solidFill>
-              <a:ea typeface="Microsoft JhengHei" panose="020B0604030504040204" pitchFamily="34" charset="-120"/>
-            </a:endParaRPr>
-          </a:p>
-          <a:p>
-            <a:pPr marL="0" indent="0" algn="ctr">
-              <a:buNone/>
-            </a:pPr>
-            <a:r>
-              <a:rPr lang="zh-CN" altLang="en-US" sz="5400" b="1" dirty="0" smtClean="0">
-                <a:solidFill>
-                  <a:srgbClr val="002060"/>
-                </a:solidFill>
-                <a:ea typeface="Microsoft JhengHei" panose="020B0604030504040204" pitchFamily="34" charset="-120"/>
-              </a:rPr>
-              <a:t>惟有主</a:t>
-            </a:r>
-            <a:r>
-              <a:rPr lang="zh-CN" altLang="en-US" sz="5400" b="1" dirty="0">
-                <a:solidFill>
-                  <a:srgbClr val="002060"/>
-                </a:solidFill>
-                <a:latin typeface="Microsoft JhengHei" panose="020B0604030504040204" pitchFamily="34" charset="-120"/>
-                <a:ea typeface="Microsoft JhengHei" panose="020B0604030504040204" pitchFamily="34" charset="-120"/>
-              </a:rPr>
-              <a:t>能救我</a:t>
-            </a:r>
-            <a:endParaRPr lang="vi-VN" sz="5400" b="1" dirty="0">
-              <a:solidFill>
-                <a:srgbClr val="002060"/>
-              </a:solidFill>
-              <a:ea typeface="Microsoft JhengHei" panose="020B0604030504040204" pitchFamily="34" charset="-120"/>
-            </a:endParaRPr>
-          </a:p>
         </p:txBody>
       </p:sp>
     </p:spTree>
     <p:extLst>
       <p:ext uri="{BB962C8B-B14F-4D97-AF65-F5344CB8AC3E}">
-        <p14:creationId xmlns:p14="http://schemas.microsoft.com/office/powerpoint/2010/main" val="660704332"/>
+        <p14:creationId xmlns:p14="http://schemas.microsoft.com/office/powerpoint/2010/main" val="4199903334"/>
       </p:ext>
     </p:extLst>
   </p:cSld>
   <p:clrMapOvr>
     <a:masterClrMapping/>
   </p:clrMapOvr>
+  <p:timing>
+    <p:tnLst>
+      <p:par>
+        <p:cTn id="1" dur="indefinite" restart="never" nodeType="tmRoot"/>
+      </p:par>
+    </p:tnLst>
+  </p:timing>
 </p:sld>
 </file>
 
@@ -4076,273 +4704,94 @@
       </p:grpSpPr>
       <p:sp>
         <p:nvSpPr>
-          <p:cNvPr id="2" name="Title 1"/>
-          <p:cNvSpPr>
-            <a:spLocks noGrp="1"/>
-          </p:cNvSpPr>
-          <p:nvPr>
-            <p:ph type="title"/>
-          </p:nvPr>
-        </p:nvSpPr>
-        <p:spPr/>
-        <p:txBody>
-          <a:bodyPr>
+          <p:cNvPr id="5" name="內容版面配置區 4"/>
+          <p:cNvSpPr>
+            <a:spLocks noGrp="1"/>
+          </p:cNvSpPr>
+          <p:nvPr>
+            <p:ph idx="1"/>
+          </p:nvPr>
+        </p:nvSpPr>
+        <p:spPr>
+          <a:xfrm>
+            <a:off x="0" y="2084851"/>
+            <a:ext cx="12192000" cy="2404863"/>
+          </a:xfrm>
+        </p:spPr>
+        <p:txBody>
+          <a:bodyPr anchor="ctr">
             <a:normAutofit/>
           </a:bodyPr>
           <a:lstStyle/>
           <a:p>
-            <a:r>
-              <a:rPr lang="zh-CN" altLang="en-US" sz="4800" b="1" dirty="0">
-                <a:solidFill>
-                  <a:srgbClr val="002060"/>
+            <a:pPr marL="0" indent="0" algn="ctr">
+              <a:buNone/>
+            </a:pPr>
+            <a:r>
+              <a:rPr lang="zh-CN" altLang="en-US" sz="6400" b="1" dirty="0">
+                <a:solidFill>
+                  <a:srgbClr val="660033"/>
+                </a:solidFill>
+                <a:ea typeface="Microsoft JhengHei" panose="020B0604030504040204" pitchFamily="34" charset="-120"/>
+              </a:rPr>
+              <a:t>耶穌今把我釋放</a:t>
+            </a:r>
+            <a:endParaRPr lang="en-US" altLang="zh-CN" sz="6400" b="1" dirty="0">
+              <a:solidFill>
+                <a:srgbClr val="660033"/>
+              </a:solidFill>
+              <a:ea typeface="Microsoft JhengHei" panose="020B0604030504040204" pitchFamily="34" charset="-120"/>
+            </a:endParaRPr>
+          </a:p>
+          <a:p>
+            <a:pPr marL="0" indent="0" algn="ctr">
+              <a:buNone/>
+            </a:pPr>
+            <a:r>
+              <a:rPr lang="zh-CN" altLang="en-US" sz="6400" b="1" dirty="0">
+                <a:solidFill>
+                  <a:srgbClr val="660033"/>
+                </a:solidFill>
+                <a:ea typeface="Microsoft JhengHei" panose="020B0604030504040204" pitchFamily="34" charset="-120"/>
+              </a:rPr>
+              <a:t>惟有主</a:t>
+            </a:r>
+            <a:r>
+              <a:rPr lang="zh-CN" altLang="en-US" sz="6400" b="1" dirty="0">
+                <a:solidFill>
+                  <a:srgbClr val="660033"/>
                 </a:solidFill>
                 <a:latin typeface="Microsoft JhengHei" panose="020B0604030504040204" pitchFamily="34" charset="-120"/>
                 <a:ea typeface="Microsoft JhengHei" panose="020B0604030504040204" pitchFamily="34" charset="-120"/>
               </a:rPr>
-              <a:t>惟主能救我</a:t>
-            </a:r>
-            <a:endParaRPr lang="vi-VN" sz="4800" b="1" dirty="0">
+              <a:t>能救我</a:t>
+            </a:r>
+            <a:endParaRPr lang="vi-VN" sz="6400" b="1" dirty="0">
               <a:solidFill>
-                <a:srgbClr val="002060"/>
+                <a:srgbClr val="660033"/>
               </a:solidFill>
               <a:ea typeface="Microsoft JhengHei" panose="020B0604030504040204" pitchFamily="34" charset="-120"/>
             </a:endParaRPr>
           </a:p>
         </p:txBody>
       </p:sp>
-      <p:sp>
-        <p:nvSpPr>
-          <p:cNvPr id="3" name="Content Placeholder 2"/>
-          <p:cNvSpPr>
-            <a:spLocks noGrp="1"/>
-          </p:cNvSpPr>
-          <p:nvPr>
-            <p:ph idx="1"/>
-          </p:nvPr>
-        </p:nvSpPr>
-        <p:spPr>
-          <a:xfrm>
-            <a:off x="609600" y="1600201"/>
-            <a:ext cx="10972800" cy="5257799"/>
-          </a:xfrm>
-        </p:spPr>
-        <p:txBody>
-          <a:bodyPr>
-            <a:normAutofit/>
-          </a:bodyPr>
-          <a:lstStyle/>
-          <a:p>
-            <a:pPr marL="0" indent="0" algn="ctr">
-              <a:buNone/>
-            </a:pPr>
-            <a:r>
-              <a:rPr lang="zh-CN" altLang="en-US" sz="5400" b="1" dirty="0">
-                <a:solidFill>
-                  <a:srgbClr val="002060"/>
-                </a:solidFill>
-                <a:ea typeface="Microsoft JhengHei" panose="020B0604030504040204" pitchFamily="34" charset="-120"/>
-              </a:rPr>
-              <a:t>等</a:t>
-            </a:r>
-            <a:r>
-              <a:rPr lang="zh-CN" altLang="en-US" sz="5400" b="1" dirty="0" smtClean="0">
-                <a:solidFill>
-                  <a:srgbClr val="002060"/>
-                </a:solidFill>
-                <a:ea typeface="Microsoft JhengHei" panose="020B0604030504040204" pitchFamily="34" charset="-120"/>
-              </a:rPr>
-              <a:t>候豈能救</a:t>
-            </a:r>
-            <a:r>
-              <a:rPr lang="zh-CN" altLang="en-US" sz="5400" b="1" dirty="0" smtClean="0">
-                <a:solidFill>
-                  <a:srgbClr val="002060"/>
-                </a:solidFill>
-                <a:ea typeface="Microsoft JhengHei" panose="020B0604030504040204" pitchFamily="34" charset="-120"/>
-              </a:rPr>
-              <a:t>我</a:t>
-            </a:r>
-            <a:endParaRPr lang="en-US" altLang="zh-CN" sz="5400" b="1" dirty="0">
-              <a:solidFill>
-                <a:srgbClr val="002060"/>
-              </a:solidFill>
-              <a:ea typeface="Microsoft JhengHei" panose="020B0604030504040204" pitchFamily="34" charset="-120"/>
-            </a:endParaRPr>
-          </a:p>
-          <a:p>
-            <a:pPr marL="0" indent="0" algn="ctr">
-              <a:buNone/>
-            </a:pPr>
-            <a:r>
-              <a:rPr lang="zh-CN" altLang="en-US" sz="5400" b="1" dirty="0" smtClean="0">
-                <a:solidFill>
-                  <a:srgbClr val="002060"/>
-                </a:solidFill>
-                <a:ea typeface="Microsoft JhengHei" panose="020B0604030504040204" pitchFamily="34" charset="-120"/>
-              </a:rPr>
-              <a:t>我</a:t>
-            </a:r>
-            <a:r>
-              <a:rPr lang="zh-CN" altLang="en-US" sz="5400" b="1" dirty="0" smtClean="0">
-                <a:solidFill>
-                  <a:srgbClr val="002060"/>
-                </a:solidFill>
-                <a:ea typeface="Microsoft JhengHei" panose="020B0604030504040204" pitchFamily="34" charset="-120"/>
-              </a:rPr>
-              <a:t>無法惟奔耶穌</a:t>
-            </a:r>
-            <a:endParaRPr lang="en-US" altLang="zh-CN" sz="5400" b="1" dirty="0" smtClean="0">
-              <a:solidFill>
-                <a:srgbClr val="002060"/>
-              </a:solidFill>
-              <a:ea typeface="Microsoft JhengHei" panose="020B0604030504040204" pitchFamily="34" charset="-120"/>
-            </a:endParaRPr>
-          </a:p>
-          <a:p>
-            <a:pPr marL="0" indent="0" algn="ctr">
-              <a:buNone/>
-            </a:pPr>
-            <a:r>
-              <a:rPr lang="zh-CN" altLang="en-US" sz="5400" b="1" dirty="0">
-                <a:solidFill>
-                  <a:srgbClr val="002060"/>
-                </a:solidFill>
-                <a:ea typeface="Microsoft JhengHei" panose="020B0604030504040204" pitchFamily="34" charset="-120"/>
-              </a:rPr>
-              <a:t>速求主挽</a:t>
-            </a:r>
-            <a:r>
-              <a:rPr lang="zh-CN" altLang="en-US" sz="5400" b="1" dirty="0" smtClean="0">
-                <a:solidFill>
-                  <a:srgbClr val="002060"/>
-                </a:solidFill>
-                <a:ea typeface="Microsoft JhengHei" panose="020B0604030504040204" pitchFamily="34" charset="-120"/>
-              </a:rPr>
-              <a:t>囘義怒</a:t>
-            </a:r>
-            <a:endParaRPr lang="en-US" altLang="zh-CN" sz="5400" b="1" dirty="0" smtClean="0">
-              <a:solidFill>
-                <a:srgbClr val="002060"/>
-              </a:solidFill>
-              <a:ea typeface="Microsoft JhengHei" panose="020B0604030504040204" pitchFamily="34" charset="-120"/>
-            </a:endParaRPr>
-          </a:p>
-          <a:p>
-            <a:pPr marL="0" indent="0" algn="ctr">
-              <a:buNone/>
-            </a:pPr>
-            <a:r>
-              <a:rPr lang="zh-CN" altLang="en-US" sz="5400" b="1" dirty="0">
-                <a:solidFill>
-                  <a:srgbClr val="002060"/>
-                </a:solidFill>
-                <a:ea typeface="Microsoft JhengHei" panose="020B0604030504040204" pitchFamily="34" charset="-120"/>
-              </a:rPr>
-              <a:t>若躭</a:t>
-            </a:r>
-            <a:r>
-              <a:rPr lang="zh-CN" altLang="en-US" sz="5400" b="1" dirty="0" smtClean="0">
-                <a:solidFill>
-                  <a:srgbClr val="002060"/>
-                </a:solidFill>
-                <a:ea typeface="Microsoft JhengHei" panose="020B0604030504040204" pitchFamily="34" charset="-120"/>
-              </a:rPr>
-              <a:t>延必受永苦</a:t>
-            </a:r>
-            <a:endParaRPr lang="en-US" altLang="zh-CN" sz="5400" b="1" dirty="0" smtClean="0">
-              <a:solidFill>
-                <a:srgbClr val="002060"/>
-              </a:solidFill>
-              <a:ea typeface="Microsoft JhengHei" panose="020B0604030504040204" pitchFamily="34" charset="-120"/>
-            </a:endParaRPr>
-          </a:p>
-          <a:p>
-            <a:pPr marL="0" indent="0" algn="ctr">
-              <a:buNone/>
-            </a:pPr>
-            <a:r>
-              <a:rPr lang="zh-CN" altLang="en-US" sz="5400" b="1" dirty="0">
-                <a:solidFill>
-                  <a:srgbClr val="002060"/>
-                </a:solidFill>
-                <a:ea typeface="Microsoft JhengHei" panose="020B0604030504040204" pitchFamily="34" charset="-120"/>
-              </a:rPr>
-              <a:t>等</a:t>
-            </a:r>
-            <a:r>
-              <a:rPr lang="zh-CN" altLang="en-US" sz="5400" b="1" dirty="0" smtClean="0">
-                <a:solidFill>
-                  <a:srgbClr val="002060"/>
-                </a:solidFill>
-                <a:ea typeface="Microsoft JhengHei" panose="020B0604030504040204" pitchFamily="34" charset="-120"/>
-              </a:rPr>
-              <a:t>候豈能救我</a:t>
-            </a:r>
-            <a:endParaRPr lang="en-US" altLang="zh-CN" sz="5400" b="1" dirty="0" smtClean="0">
-              <a:solidFill>
-                <a:srgbClr val="002060"/>
-              </a:solidFill>
-              <a:ea typeface="Microsoft JhengHei" panose="020B0604030504040204" pitchFamily="34" charset="-120"/>
-            </a:endParaRPr>
-          </a:p>
-        </p:txBody>
-      </p:sp>
-      <p:sp>
-        <p:nvSpPr>
-          <p:cNvPr id="5" name="TextBox 4"/>
-          <p:cNvSpPr txBox="1"/>
-          <p:nvPr/>
-        </p:nvSpPr>
-        <p:spPr>
-          <a:xfrm>
-            <a:off x="1461456" y="1704372"/>
-            <a:ext cx="962527" cy="923330"/>
-          </a:xfrm>
-          <a:prstGeom prst="rect">
-            <a:avLst/>
-          </a:prstGeom>
-          <a:noFill/>
-        </p:spPr>
-        <p:txBody>
-          <a:bodyPr wrap="square" rtlCol="0">
-            <a:spAutoFit/>
-          </a:bodyPr>
-          <a:lstStyle/>
-          <a:p>
-            <a:r>
-              <a:rPr lang="en-US" sz="5400" b="1" dirty="0" smtClean="0">
-                <a:solidFill>
-                  <a:srgbClr val="002060"/>
-                </a:solidFill>
-              </a:rPr>
-              <a:t>3</a:t>
-            </a:r>
-            <a:r>
-              <a:rPr lang="en-US" sz="5400" b="1" dirty="0" smtClean="0">
-                <a:solidFill>
-                  <a:srgbClr val="002060"/>
-                </a:solidFill>
-              </a:rPr>
-              <a:t>.</a:t>
-            </a:r>
-            <a:endParaRPr lang="vi-VN" sz="5400" b="1" dirty="0">
-              <a:solidFill>
-                <a:srgbClr val="002060"/>
-              </a:solidFill>
-            </a:endParaRPr>
-          </a:p>
-        </p:txBody>
-      </p:sp>
     </p:spTree>
     <p:extLst>
       <p:ext uri="{BB962C8B-B14F-4D97-AF65-F5344CB8AC3E}">
-        <p14:creationId xmlns:p14="http://schemas.microsoft.com/office/powerpoint/2010/main" val="2822090023"/>
+        <p14:creationId xmlns:p14="http://schemas.microsoft.com/office/powerpoint/2010/main" val="3625272259"/>
       </p:ext>
     </p:extLst>
   </p:cSld>
   <p:clrMapOvr>
     <a:masterClrMapping/>
   </p:clrMapOvr>
+  <p:timing>
+    <p:tnLst>
+      <p:par>
+        <p:cTn id="1" dur="indefinite" restart="never" nodeType="tmRoot"/>
+      </p:par>
+    </p:tnLst>
+  </p:timing>
 </p:sld>
 </file>
 
@@ -4365,162 +4814,119 @@
       </p:grpSpPr>
       <p:sp>
         <p:nvSpPr>
-          <p:cNvPr id="2" name="Title 1"/>
-          <p:cNvSpPr>
-            <a:spLocks noGrp="1"/>
-          </p:cNvSpPr>
-          <p:nvPr>
-            <p:ph type="title"/>
-          </p:nvPr>
-        </p:nvSpPr>
-        <p:spPr/>
-        <p:txBody>
-          <a:bodyPr>
+          <p:cNvPr id="5" name="內容版面配置區 4"/>
+          <p:cNvSpPr>
+            <a:spLocks noGrp="1"/>
+          </p:cNvSpPr>
+          <p:nvPr>
+            <p:ph idx="1"/>
+          </p:nvPr>
+        </p:nvSpPr>
+        <p:spPr>
+          <a:xfrm>
+            <a:off x="0" y="2084851"/>
+            <a:ext cx="12192000" cy="2404863"/>
+          </a:xfrm>
+        </p:spPr>
+        <p:txBody>
+          <a:bodyPr anchor="ctr">
             <a:normAutofit/>
           </a:bodyPr>
           <a:lstStyle/>
           <a:p>
-            <a:r>
-              <a:rPr lang="zh-CN" altLang="en-US" sz="4800" b="1" dirty="0">
-                <a:solidFill>
-                  <a:srgbClr val="002060"/>
-                </a:solidFill>
-                <a:latin typeface="Microsoft JhengHei" panose="020B0604030504040204" pitchFamily="34" charset="-120"/>
+            <a:pPr marL="0" indent="0" algn="ctr">
+              <a:buNone/>
+            </a:pPr>
+            <a:r>
+              <a:rPr lang="zh-CN" altLang="en-US" sz="6400" b="1" dirty="0">
+                <a:solidFill>
+                  <a:srgbClr val="660033"/>
+                </a:solidFill>
                 <a:ea typeface="Microsoft JhengHei" panose="020B0604030504040204" pitchFamily="34" charset="-120"/>
               </a:rPr>
-              <a:t>惟主能救我</a:t>
-            </a:r>
-            <a:endParaRPr lang="vi-VN" sz="4800" b="1" dirty="0">
+              <a:t>勞碌豈能救我</a:t>
+            </a:r>
+            <a:endParaRPr lang="en-US" altLang="zh-CN" sz="6400" b="1" dirty="0">
               <a:solidFill>
-                <a:srgbClr val="002060"/>
+                <a:srgbClr val="660033"/>
               </a:solidFill>
               <a:ea typeface="Microsoft JhengHei" panose="020B0604030504040204" pitchFamily="34" charset="-120"/>
             </a:endParaRPr>
           </a:p>
-        </p:txBody>
-      </p:sp>
-      <p:sp>
-        <p:nvSpPr>
-          <p:cNvPr id="3" name="Content Placeholder 2"/>
-          <p:cNvSpPr>
-            <a:spLocks noGrp="1"/>
-          </p:cNvSpPr>
-          <p:nvPr>
-            <p:ph idx="1"/>
-          </p:nvPr>
-        </p:nvSpPr>
-        <p:spPr/>
-        <p:txBody>
-          <a:bodyPr>
-            <a:normAutofit/>
-          </a:bodyPr>
-          <a:lstStyle/>
           <a:p>
             <a:pPr marL="0" indent="0" algn="ctr">
               <a:buNone/>
             </a:pPr>
             <a:r>
-              <a:rPr lang="zh-CN" altLang="en-US" sz="5400" b="1" dirty="0" smtClean="0">
-                <a:solidFill>
-                  <a:srgbClr val="002060"/>
+              <a:rPr lang="zh-CN" altLang="en-US" sz="6400" b="1" dirty="0">
+                <a:solidFill>
+                  <a:srgbClr val="660033"/>
                 </a:solidFill>
                 <a:ea typeface="Microsoft JhengHei" panose="020B0604030504040204" pitchFamily="34" charset="-120"/>
               </a:rPr>
-              <a:t>幸耶穌憐我苦況</a:t>
-            </a:r>
-            <a:endParaRPr lang="en-US" altLang="zh-CN" sz="5400" b="1" dirty="0" smtClean="0">
+              <a:t>我為人所知所行</a:t>
+            </a:r>
+            <a:r>
+              <a:rPr lang="en-US" altLang="zh-CN" sz="6400" b="1" dirty="0">
+                <a:solidFill>
+                  <a:srgbClr val="660033"/>
+                </a:solidFill>
+                <a:ea typeface="Microsoft JhengHei" panose="020B0604030504040204" pitchFamily="34" charset="-120"/>
+              </a:rPr>
+              <a:t>  </a:t>
+            </a:r>
+            <a:r>
+              <a:rPr lang="zh-CN" altLang="en-US" sz="6400" b="1" dirty="0">
+                <a:solidFill>
+                  <a:srgbClr val="660033"/>
+                </a:solidFill>
+                <a:ea typeface="Microsoft JhengHei" panose="020B0604030504040204" pitchFamily="34" charset="-120"/>
+              </a:rPr>
+              <a:t>雖使我能得好名</a:t>
+            </a:r>
+            <a:endParaRPr lang="en-US" altLang="zh-CN" sz="6400" b="1" dirty="0">
               <a:solidFill>
-                <a:srgbClr val="002060"/>
+                <a:srgbClr val="660033"/>
               </a:solidFill>
               <a:ea typeface="Microsoft JhengHei" panose="020B0604030504040204" pitchFamily="34" charset="-120"/>
             </a:endParaRPr>
           </a:p>
-          <a:p>
-            <a:pPr marL="0" indent="0" algn="ctr">
-              <a:buNone/>
-            </a:pPr>
-            <a:r>
-              <a:rPr lang="zh-CN" altLang="en-US" sz="5400" b="1" dirty="0">
-                <a:solidFill>
-                  <a:srgbClr val="002060"/>
-                </a:solidFill>
-                <a:ea typeface="Microsoft JhengHei" panose="020B0604030504040204" pitchFamily="34" charset="-120"/>
+        </p:txBody>
+      </p:sp>
+      <p:sp>
+        <p:nvSpPr>
+          <p:cNvPr id="6" name="TextBox 5"/>
+          <p:cNvSpPr txBox="1"/>
+          <p:nvPr/>
+        </p:nvSpPr>
+        <p:spPr>
+          <a:xfrm>
+            <a:off x="1199456" y="2276872"/>
+            <a:ext cx="1248139" cy="1077218"/>
+          </a:xfrm>
+          <a:prstGeom prst="rect">
+            <a:avLst/>
+          </a:prstGeom>
+          <a:noFill/>
+        </p:spPr>
+        <p:txBody>
+          <a:bodyPr wrap="square" rtlCol="0">
+            <a:spAutoFit/>
+          </a:bodyPr>
+          <a:lstStyle/>
+          <a:p>
+            <a:r>
+              <a:rPr lang="en-US" sz="6400" b="1" dirty="0">
+                <a:solidFill>
+                  <a:srgbClr val="660033"/>
+                </a:solidFill>
               </a:rPr>
-              <a:t>為</a:t>
-            </a:r>
-            <a:r>
-              <a:rPr lang="zh-CN" altLang="en-US" sz="5400" b="1" dirty="0" smtClean="0">
-                <a:solidFill>
-                  <a:srgbClr val="002060"/>
-                </a:solidFill>
-                <a:ea typeface="Microsoft JhengHei" panose="020B0604030504040204" pitchFamily="34" charset="-120"/>
-              </a:rPr>
-              <a:t>我死在十字架上</a:t>
-            </a:r>
-            <a:endParaRPr lang="en-US" altLang="zh-CN" sz="5400" b="1" dirty="0" smtClean="0">
+              <a:t>2.</a:t>
+            </a:r>
+            <a:endParaRPr lang="vi-VN" sz="6400" b="1" dirty="0">
               <a:solidFill>
-                <a:srgbClr val="002060"/>
+                <a:srgbClr val="660033"/>
               </a:solidFill>
-              <a:ea typeface="Microsoft JhengHei" panose="020B0604030504040204" pitchFamily="34" charset="-120"/>
-            </a:endParaRPr>
-          </a:p>
-          <a:p>
-            <a:pPr marL="0" indent="0" algn="ctr">
-              <a:buNone/>
-            </a:pPr>
-            <a:r>
-              <a:rPr lang="zh-CN" altLang="en-US" sz="5400" b="1" dirty="0">
-                <a:solidFill>
-                  <a:srgbClr val="002060"/>
-                </a:solidFill>
-                <a:ea typeface="Microsoft JhengHei" panose="020B0604030504040204" pitchFamily="34" charset="-120"/>
-              </a:rPr>
-              <a:t>耶</a:t>
-            </a:r>
-            <a:r>
-              <a:rPr lang="zh-CN" altLang="en-US" sz="5400" b="1" dirty="0" smtClean="0">
-                <a:solidFill>
-                  <a:srgbClr val="002060"/>
-                </a:solidFill>
-                <a:ea typeface="Microsoft JhengHei" panose="020B0604030504040204" pitchFamily="34" charset="-120"/>
-              </a:rPr>
-              <a:t>穌今把我釋放</a:t>
-            </a:r>
-            <a:endParaRPr lang="en-US" altLang="zh-CN" sz="5400" b="1" dirty="0" smtClean="0">
-              <a:solidFill>
-                <a:srgbClr val="002060"/>
-              </a:solidFill>
-              <a:ea typeface="Microsoft JhengHei" panose="020B0604030504040204" pitchFamily="34" charset="-120"/>
-            </a:endParaRPr>
-          </a:p>
-          <a:p>
-            <a:pPr marL="0" indent="0" algn="ctr">
-              <a:buNone/>
-            </a:pPr>
-            <a:r>
-              <a:rPr lang="zh-CN" altLang="en-US" sz="5400" b="1" dirty="0" smtClean="0">
-                <a:solidFill>
-                  <a:srgbClr val="002060"/>
-                </a:solidFill>
-                <a:ea typeface="Microsoft JhengHei" panose="020B0604030504040204" pitchFamily="34" charset="-120"/>
-              </a:rPr>
-              <a:t>惟有主</a:t>
-            </a:r>
-            <a:r>
-              <a:rPr lang="zh-CN" altLang="en-US" sz="5400" b="1" dirty="0">
-                <a:solidFill>
-                  <a:srgbClr val="002060"/>
-                </a:solidFill>
-                <a:latin typeface="Microsoft JhengHei" panose="020B0604030504040204" pitchFamily="34" charset="-120"/>
-                <a:ea typeface="Microsoft JhengHei" panose="020B0604030504040204" pitchFamily="34" charset="-120"/>
-              </a:rPr>
-              <a:t>能救我</a:t>
-            </a:r>
-            <a:endParaRPr lang="vi-VN" sz="5400" b="1" dirty="0">
-              <a:solidFill>
-                <a:srgbClr val="002060"/>
-              </a:solidFill>
-              <a:ea typeface="Microsoft JhengHei" panose="020B0604030504040204" pitchFamily="34" charset="-120"/>
             </a:endParaRPr>
           </a:p>
         </p:txBody>
@@ -4528,13 +4934,20 @@
     </p:spTree>
     <p:extLst>
       <p:ext uri="{BB962C8B-B14F-4D97-AF65-F5344CB8AC3E}">
-        <p14:creationId xmlns:p14="http://schemas.microsoft.com/office/powerpoint/2010/main" val="188141971"/>
+        <p14:creationId xmlns:p14="http://schemas.microsoft.com/office/powerpoint/2010/main" val="3363781334"/>
       </p:ext>
     </p:extLst>
   </p:cSld>
   <p:clrMapOvr>
     <a:masterClrMapping/>
   </p:clrMapOvr>
+  <p:timing>
+    <p:tnLst>
+      <p:par>
+        <p:cTn id="1" dur="indefinite" restart="never" nodeType="tmRoot"/>
+      </p:par>
+    </p:tnLst>
+  </p:timing>
 </p:sld>
 </file>
 
@@ -4557,216 +4970,61 @@
       </p:grpSpPr>
       <p:sp>
         <p:nvSpPr>
-          <p:cNvPr id="2" name="Title 1"/>
-          <p:cNvSpPr>
-            <a:spLocks noGrp="1"/>
-          </p:cNvSpPr>
-          <p:nvPr>
-            <p:ph type="title"/>
-          </p:nvPr>
-        </p:nvSpPr>
-        <p:spPr/>
-        <p:txBody>
-          <a:bodyPr>
+          <p:cNvPr id="5" name="內容版面配置區 4"/>
+          <p:cNvSpPr>
+            <a:spLocks noGrp="1"/>
+          </p:cNvSpPr>
+          <p:nvPr>
+            <p:ph idx="1"/>
+          </p:nvPr>
+        </p:nvSpPr>
+        <p:spPr>
+          <a:xfrm>
+            <a:off x="0" y="2084851"/>
+            <a:ext cx="12192000" cy="2404863"/>
+          </a:xfrm>
+        </p:spPr>
+        <p:txBody>
+          <a:bodyPr anchor="ctr">
             <a:normAutofit/>
           </a:bodyPr>
           <a:lstStyle/>
           <a:p>
-            <a:r>
-              <a:rPr lang="zh-CN" altLang="en-US" sz="4800" b="1" dirty="0">
-                <a:solidFill>
-                  <a:srgbClr val="002060"/>
-                </a:solidFill>
-                <a:latin typeface="Microsoft JhengHei" panose="020B0604030504040204" pitchFamily="34" charset="-120"/>
+            <a:pPr marL="0" indent="0" algn="ctr">
+              <a:buNone/>
+            </a:pPr>
+            <a:r>
+              <a:rPr lang="zh-CN" altLang="en-US" sz="6400" b="1" dirty="0">
+                <a:solidFill>
+                  <a:srgbClr val="660033"/>
+                </a:solidFill>
                 <a:ea typeface="Microsoft JhengHei" panose="020B0604030504040204" pitchFamily="34" charset="-120"/>
               </a:rPr>
-              <a:t>惟主能救我</a:t>
-            </a:r>
-            <a:endParaRPr lang="vi-VN" sz="4800" b="1" dirty="0">
+              <a:t>總不能改正心情</a:t>
+            </a:r>
+            <a:endParaRPr lang="en-US" altLang="zh-CN" sz="6400" b="1" dirty="0">
               <a:solidFill>
-                <a:srgbClr val="002060"/>
+                <a:srgbClr val="660033"/>
               </a:solidFill>
               <a:ea typeface="Microsoft JhengHei" panose="020B0604030504040204" pitchFamily="34" charset="-120"/>
             </a:endParaRPr>
           </a:p>
-        </p:txBody>
-      </p:sp>
-      <p:sp>
-        <p:nvSpPr>
-          <p:cNvPr id="3" name="Content Placeholder 2"/>
-          <p:cNvSpPr>
-            <a:spLocks noGrp="1"/>
-          </p:cNvSpPr>
-          <p:nvPr>
-            <p:ph idx="1"/>
-          </p:nvPr>
-        </p:nvSpPr>
-        <p:spPr>
-          <a:xfrm>
-            <a:off x="609600" y="1600201"/>
-            <a:ext cx="10972800" cy="5257799"/>
-          </a:xfrm>
-        </p:spPr>
-        <p:txBody>
-          <a:bodyPr>
-            <a:normAutofit/>
-          </a:bodyPr>
-          <a:lstStyle/>
           <a:p>
             <a:pPr marL="0" indent="0" algn="ctr">
               <a:buNone/>
             </a:pPr>
             <a:r>
-              <a:rPr lang="zh-CN" altLang="en-US" sz="5400" b="1" dirty="0">
-                <a:solidFill>
-                  <a:srgbClr val="002060"/>
-                </a:solidFill>
-                <a:latin typeface="Microsoft JhengHei" panose="020B0604030504040204" pitchFamily="34" charset="-120"/>
+              <a:rPr lang="zh-CN" altLang="en-US" sz="6400" b="1" dirty="0">
+                <a:solidFill>
+                  <a:srgbClr val="660033"/>
+                </a:solidFill>
                 <a:ea typeface="Microsoft JhengHei" panose="020B0604030504040204" pitchFamily="34" charset="-120"/>
               </a:rPr>
-              <a:t>惟主能救</a:t>
-            </a:r>
-            <a:r>
-              <a:rPr lang="zh-CN" altLang="en-US" sz="5400" b="1" dirty="0" smtClean="0">
-                <a:solidFill>
-                  <a:srgbClr val="002060"/>
-                </a:solidFill>
-                <a:latin typeface="Microsoft JhengHei" panose="020B0604030504040204" pitchFamily="34" charset="-120"/>
-                <a:ea typeface="Microsoft JhengHei" panose="020B0604030504040204" pitchFamily="34" charset="-120"/>
-              </a:rPr>
-              <a:t>我</a:t>
-            </a:r>
-            <a:endParaRPr lang="en-US" altLang="zh-CN" sz="5400" b="1" dirty="0" smtClean="0">
+              <a:t>勞碌不能救我</a:t>
+            </a:r>
+            <a:endParaRPr lang="vi-VN" sz="6400" b="1" dirty="0">
               <a:solidFill>
-                <a:srgbClr val="002060"/>
-              </a:solidFill>
-              <a:latin typeface="Microsoft JhengHei" panose="020B0604030504040204" pitchFamily="34" charset="-120"/>
-              <a:ea typeface="Microsoft JhengHei" panose="020B0604030504040204" pitchFamily="34" charset="-120"/>
-            </a:endParaRPr>
-          </a:p>
-          <a:p>
-            <a:pPr marL="0" indent="0" algn="ctr">
-              <a:buNone/>
-            </a:pPr>
-            <a:r>
-              <a:rPr lang="zh-CN" altLang="en-US" sz="5400" b="1" dirty="0" smtClean="0">
-                <a:solidFill>
-                  <a:srgbClr val="002060"/>
-                </a:solidFill>
-                <a:latin typeface="Microsoft JhengHei" panose="020B0604030504040204" pitchFamily="34" charset="-120"/>
-                <a:ea typeface="Microsoft JhengHei" panose="020B0604030504040204" pitchFamily="34" charset="-120"/>
-              </a:rPr>
-              <a:t>只</a:t>
-            </a:r>
-            <a:r>
-              <a:rPr lang="zh-CN" altLang="en-US" sz="5400" b="1" dirty="0" smtClean="0">
-                <a:solidFill>
-                  <a:srgbClr val="002060"/>
-                </a:solidFill>
-                <a:latin typeface="Microsoft JhengHei" panose="020B0604030504040204" pitchFamily="34" charset="-120"/>
-                <a:ea typeface="Microsoft JhengHei" panose="020B0604030504040204" pitchFamily="34" charset="-120"/>
-              </a:rPr>
-              <a:t>要我靠主救恩</a:t>
-            </a:r>
-            <a:endParaRPr lang="en-US" altLang="zh-CN" sz="5400" b="1" dirty="0" smtClean="0">
-              <a:solidFill>
-                <a:srgbClr val="002060"/>
-              </a:solidFill>
-              <a:latin typeface="Microsoft JhengHei" panose="020B0604030504040204" pitchFamily="34" charset="-120"/>
-              <a:ea typeface="Microsoft JhengHei" panose="020B0604030504040204" pitchFamily="34" charset="-120"/>
-            </a:endParaRPr>
-          </a:p>
-          <a:p>
-            <a:pPr marL="0" indent="0" algn="ctr">
-              <a:buNone/>
-            </a:pPr>
-            <a:r>
-              <a:rPr lang="zh-CN" altLang="en-US" sz="5400" b="1" dirty="0">
-                <a:solidFill>
-                  <a:srgbClr val="002060"/>
-                </a:solidFill>
-                <a:latin typeface="Microsoft JhengHei" panose="020B0604030504040204" pitchFamily="34" charset="-120"/>
-                <a:ea typeface="Microsoft JhengHei" panose="020B0604030504040204" pitchFamily="34" charset="-120"/>
-              </a:rPr>
-              <a:t>他為</a:t>
-            </a:r>
-            <a:r>
-              <a:rPr lang="zh-CN" altLang="en-US" sz="5400" b="1" dirty="0" smtClean="0">
-                <a:solidFill>
-                  <a:srgbClr val="002060"/>
-                </a:solidFill>
-                <a:latin typeface="Microsoft JhengHei" panose="020B0604030504040204" pitchFamily="34" charset="-120"/>
-                <a:ea typeface="Microsoft JhengHei" panose="020B0604030504040204" pitchFamily="34" charset="-120"/>
-              </a:rPr>
-              <a:t>我打開天門</a:t>
-            </a:r>
-            <a:endParaRPr lang="en-US" altLang="zh-CN" sz="5400" b="1" dirty="0" smtClean="0">
-              <a:solidFill>
-                <a:srgbClr val="002060"/>
-              </a:solidFill>
-              <a:latin typeface="Microsoft JhengHei" panose="020B0604030504040204" pitchFamily="34" charset="-120"/>
-              <a:ea typeface="Microsoft JhengHei" panose="020B0604030504040204" pitchFamily="34" charset="-120"/>
-            </a:endParaRPr>
-          </a:p>
-          <a:p>
-            <a:pPr marL="0" indent="0" algn="ctr">
-              <a:buNone/>
-            </a:pPr>
-            <a:r>
-              <a:rPr lang="zh-CN" altLang="en-US" sz="5400" b="1" dirty="0">
-                <a:solidFill>
-                  <a:srgbClr val="002060"/>
-                </a:solidFill>
-                <a:latin typeface="Microsoft JhengHei" panose="020B0604030504040204" pitchFamily="34" charset="-120"/>
-                <a:ea typeface="Microsoft JhengHei" panose="020B0604030504040204" pitchFamily="34" charset="-120"/>
-              </a:rPr>
-              <a:t>我因</a:t>
-            </a:r>
-            <a:r>
-              <a:rPr lang="zh-CN" altLang="en-US" sz="5400" b="1" dirty="0" smtClean="0">
-                <a:solidFill>
-                  <a:srgbClr val="002060"/>
-                </a:solidFill>
-                <a:latin typeface="Microsoft JhengHei" panose="020B0604030504040204" pitchFamily="34" charset="-120"/>
-                <a:ea typeface="Microsoft JhengHei" panose="020B0604030504040204" pitchFamily="34" charset="-120"/>
-              </a:rPr>
-              <a:t>此向主直奔</a:t>
-            </a:r>
-            <a:endParaRPr lang="en-US" altLang="zh-CN" sz="5400" b="1" dirty="0" smtClean="0">
-              <a:solidFill>
-                <a:srgbClr val="002060"/>
-              </a:solidFill>
-              <a:latin typeface="Microsoft JhengHei" panose="020B0604030504040204" pitchFamily="34" charset="-120"/>
-              <a:ea typeface="Microsoft JhengHei" panose="020B0604030504040204" pitchFamily="34" charset="-120"/>
-            </a:endParaRPr>
-          </a:p>
-          <a:p>
-            <a:pPr marL="0" indent="0" algn="ctr">
-              <a:buNone/>
-            </a:pPr>
-            <a:r>
-              <a:rPr lang="zh-CN" altLang="en-US" sz="5400" b="1" dirty="0" smtClean="0">
-                <a:solidFill>
-                  <a:srgbClr val="002060"/>
-                </a:solidFill>
-                <a:latin typeface="Microsoft JhengHei" panose="020B0604030504040204" pitchFamily="34" charset="-120"/>
-                <a:ea typeface="Microsoft JhengHei" panose="020B0604030504040204" pitchFamily="34" charset="-120"/>
-              </a:rPr>
-              <a:t>惟有主</a:t>
-            </a:r>
-            <a:r>
-              <a:rPr lang="zh-CN" altLang="en-US" sz="5400" b="1" dirty="0">
-                <a:solidFill>
-                  <a:srgbClr val="002060"/>
-                </a:solidFill>
-                <a:latin typeface="Microsoft JhengHei" panose="020B0604030504040204" pitchFamily="34" charset="-120"/>
-                <a:ea typeface="Microsoft JhengHei" panose="020B0604030504040204" pitchFamily="34" charset="-120"/>
-              </a:rPr>
-              <a:t>能救我</a:t>
-            </a:r>
-            <a:endParaRPr lang="en-US" altLang="zh-CN" sz="5400" b="1" dirty="0" smtClean="0">
-              <a:solidFill>
-                <a:srgbClr val="002060"/>
+                <a:srgbClr val="660033"/>
               </a:solidFill>
               <a:ea typeface="Microsoft JhengHei" panose="020B0604030504040204" pitchFamily="34" charset="-120"/>
             </a:endParaRPr>
@@ -4781,8 +5039,8 @@
         </p:nvSpPr>
         <p:spPr>
           <a:xfrm>
-            <a:off x="1461456" y="1704372"/>
-            <a:ext cx="962527" cy="923330"/>
+            <a:off x="1199456" y="2276872"/>
+            <a:ext cx="1248139" cy="1077218"/>
           </a:xfrm>
           <a:prstGeom prst="rect">
             <a:avLst/>
@@ -4796,24 +5054,16 @@
           <a:lstStyle/>
           <a:p>
             <a:r>
-              <a:rPr lang="en-US" sz="5400" b="1" dirty="0">
-                <a:solidFill>
-                  <a:srgbClr val="002060"/>
+              <a:rPr lang="en-US" sz="6400" b="1" dirty="0">
+                <a:solidFill>
+                  <a:srgbClr val="660033"/>
                 </a:solidFill>
               </a:rPr>
-              <a:t>4</a:t>
-            </a:r>
-            <a:r>
-              <a:rPr lang="en-US" sz="5400" b="1" dirty="0" smtClean="0">
-                <a:solidFill>
-                  <a:srgbClr val="002060"/>
-                </a:solidFill>
-              </a:rPr>
-              <a:t>.</a:t>
-            </a:r>
-            <a:endParaRPr lang="vi-VN" sz="5400" b="1" dirty="0">
+              <a:t>2.</a:t>
+            </a:r>
+            <a:endParaRPr lang="vi-VN" sz="6400" b="1" dirty="0">
               <a:solidFill>
-                <a:srgbClr val="002060"/>
+                <a:srgbClr val="660033"/>
               </a:solidFill>
             </a:endParaRPr>
           </a:p>
@@ -4822,13 +5072,20 @@
     </p:spTree>
     <p:extLst>
       <p:ext uri="{BB962C8B-B14F-4D97-AF65-F5344CB8AC3E}">
-        <p14:creationId xmlns:p14="http://schemas.microsoft.com/office/powerpoint/2010/main" val="4188209820"/>
+        <p14:creationId xmlns:p14="http://schemas.microsoft.com/office/powerpoint/2010/main" val="4024215467"/>
       </p:ext>
     </p:extLst>
   </p:cSld>
   <p:clrMapOvr>
     <a:masterClrMapping/>
   </p:clrMapOvr>
+  <p:timing>
+    <p:tnLst>
+      <p:par>
+        <p:cTn id="1" dur="indefinite" restart="never" nodeType="tmRoot"/>
+      </p:par>
+    </p:tnLst>
+  </p:timing>
 </p:sld>
 </file>
 
@@ -4851,176 +5108,194 @@
       </p:grpSpPr>
       <p:sp>
         <p:nvSpPr>
-          <p:cNvPr id="2" name="Title 1"/>
-          <p:cNvSpPr>
-            <a:spLocks noGrp="1"/>
-          </p:cNvSpPr>
-          <p:nvPr>
-            <p:ph type="title"/>
-          </p:nvPr>
-        </p:nvSpPr>
-        <p:spPr/>
-        <p:txBody>
-          <a:bodyPr>
+          <p:cNvPr id="5" name="內容版面配置區 4"/>
+          <p:cNvSpPr>
+            <a:spLocks noGrp="1"/>
+          </p:cNvSpPr>
+          <p:nvPr>
+            <p:ph idx="1"/>
+          </p:nvPr>
+        </p:nvSpPr>
+        <p:spPr>
+          <a:xfrm>
+            <a:off x="0" y="2084851"/>
+            <a:ext cx="12192000" cy="2404863"/>
+          </a:xfrm>
+        </p:spPr>
+        <p:txBody>
+          <a:bodyPr anchor="ctr">
             <a:normAutofit/>
           </a:bodyPr>
           <a:lstStyle/>
           <a:p>
-            <a:r>
-              <a:rPr lang="zh-CN" altLang="en-US" sz="4800" b="1" dirty="0">
-                <a:solidFill>
-                  <a:srgbClr val="002060"/>
-                </a:solidFill>
-                <a:latin typeface="Microsoft JhengHei" panose="020B0604030504040204" pitchFamily="34" charset="-120"/>
+            <a:pPr marL="0" indent="0" algn="ctr">
+              <a:buNone/>
+            </a:pPr>
+            <a:r>
+              <a:rPr lang="zh-CN" altLang="en-US" sz="6400" b="1" dirty="0">
+                <a:solidFill>
+                  <a:srgbClr val="660033"/>
+                </a:solidFill>
                 <a:ea typeface="Microsoft JhengHei" panose="020B0604030504040204" pitchFamily="34" charset="-120"/>
               </a:rPr>
-              <a:t>惟主能救我</a:t>
-            </a:r>
-            <a:endParaRPr lang="vi-VN" sz="4800" b="1" dirty="0">
+              <a:t>幸耶穌憐我苦況</a:t>
+            </a:r>
+            <a:endParaRPr lang="en-US" altLang="zh-CN" sz="6400" b="1" dirty="0">
               <a:solidFill>
-                <a:srgbClr val="002060"/>
+                <a:srgbClr val="660033"/>
               </a:solidFill>
               <a:ea typeface="Microsoft JhengHei" panose="020B0604030504040204" pitchFamily="34" charset="-120"/>
             </a:endParaRPr>
           </a:p>
-        </p:txBody>
-      </p:sp>
-      <p:sp>
-        <p:nvSpPr>
-          <p:cNvPr id="3" name="Content Placeholder 2"/>
-          <p:cNvSpPr>
-            <a:spLocks noGrp="1"/>
-          </p:cNvSpPr>
-          <p:nvPr>
-            <p:ph idx="1"/>
-          </p:nvPr>
-        </p:nvSpPr>
-        <p:spPr/>
-        <p:txBody>
-          <a:bodyPr>
-            <a:normAutofit/>
-          </a:bodyPr>
-          <a:lstStyle/>
           <a:p>
             <a:pPr marL="0" indent="0" algn="ctr">
               <a:buNone/>
             </a:pPr>
             <a:r>
-              <a:rPr lang="zh-CN" altLang="en-US" sz="5400" b="1" dirty="0" smtClean="0">
-                <a:solidFill>
-                  <a:srgbClr val="002060"/>
+              <a:rPr lang="zh-CN" altLang="en-US" sz="6400" b="1" dirty="0">
+                <a:solidFill>
+                  <a:srgbClr val="660033"/>
                 </a:solidFill>
                 <a:ea typeface="Microsoft JhengHei" panose="020B0604030504040204" pitchFamily="34" charset="-120"/>
               </a:rPr>
-              <a:t>幸耶穌憐我苦況</a:t>
-            </a:r>
-            <a:endParaRPr lang="en-US" altLang="zh-CN" sz="5400" b="1" dirty="0" smtClean="0">
+              <a:t>為我死在十字架上</a:t>
+            </a:r>
+            <a:endParaRPr lang="en-US" altLang="zh-CN" sz="6400" b="1" dirty="0">
               <a:solidFill>
-                <a:srgbClr val="002060"/>
+                <a:srgbClr val="660033"/>
               </a:solidFill>
               <a:ea typeface="Microsoft JhengHei" panose="020B0604030504040204" pitchFamily="34" charset="-120"/>
             </a:endParaRPr>
           </a:p>
-          <a:p>
-            <a:pPr marL="0" indent="0" algn="ctr">
-              <a:buNone/>
-            </a:pPr>
-            <a:r>
-              <a:rPr lang="zh-CN" altLang="en-US" sz="5400" b="1" dirty="0">
-                <a:solidFill>
-                  <a:srgbClr val="002060"/>
-                </a:solidFill>
-                <a:ea typeface="Microsoft JhengHei" panose="020B0604030504040204" pitchFamily="34" charset="-120"/>
-              </a:rPr>
-              <a:t>為</a:t>
-            </a:r>
-            <a:r>
-              <a:rPr lang="zh-CN" altLang="en-US" sz="5400" b="1" dirty="0" smtClean="0">
-                <a:solidFill>
-                  <a:srgbClr val="002060"/>
-                </a:solidFill>
-                <a:ea typeface="Microsoft JhengHei" panose="020B0604030504040204" pitchFamily="34" charset="-120"/>
-              </a:rPr>
-              <a:t>我死在十字架上</a:t>
-            </a:r>
-            <a:endParaRPr lang="en-US" altLang="zh-CN" sz="5400" b="1" dirty="0" smtClean="0">
-              <a:solidFill>
-                <a:srgbClr val="002060"/>
-              </a:solidFill>
-              <a:ea typeface="Microsoft JhengHei" panose="020B0604030504040204" pitchFamily="34" charset="-120"/>
-            </a:endParaRPr>
-          </a:p>
-          <a:p>
-            <a:pPr marL="0" indent="0" algn="ctr">
-              <a:buNone/>
-            </a:pPr>
-            <a:r>
-              <a:rPr lang="zh-CN" altLang="en-US" sz="5400" b="1" dirty="0">
-                <a:solidFill>
-                  <a:srgbClr val="002060"/>
-                </a:solidFill>
-                <a:ea typeface="Microsoft JhengHei" panose="020B0604030504040204" pitchFamily="34" charset="-120"/>
-              </a:rPr>
-              <a:t>耶</a:t>
-            </a:r>
-            <a:r>
-              <a:rPr lang="zh-CN" altLang="en-US" sz="5400" b="1" dirty="0" smtClean="0">
-                <a:solidFill>
-                  <a:srgbClr val="002060"/>
-                </a:solidFill>
-                <a:ea typeface="Microsoft JhengHei" panose="020B0604030504040204" pitchFamily="34" charset="-120"/>
-              </a:rPr>
-              <a:t>穌今把我釋放</a:t>
-            </a:r>
-            <a:endParaRPr lang="en-US" altLang="zh-CN" sz="5400" b="1" dirty="0" smtClean="0">
-              <a:solidFill>
-                <a:srgbClr val="002060"/>
-              </a:solidFill>
-              <a:ea typeface="Microsoft JhengHei" panose="020B0604030504040204" pitchFamily="34" charset="-120"/>
-            </a:endParaRPr>
-          </a:p>
-          <a:p>
-            <a:pPr marL="0" indent="0" algn="ctr">
-              <a:buNone/>
-            </a:pPr>
-            <a:r>
-              <a:rPr lang="zh-CN" altLang="en-US" sz="5400" b="1" dirty="0" smtClean="0">
-                <a:solidFill>
-                  <a:srgbClr val="002060"/>
-                </a:solidFill>
-                <a:ea typeface="Microsoft JhengHei" panose="020B0604030504040204" pitchFamily="34" charset="-120"/>
-              </a:rPr>
-              <a:t>惟有主</a:t>
-            </a:r>
-            <a:r>
-              <a:rPr lang="zh-CN" altLang="en-US" sz="5400" b="1" dirty="0">
-                <a:solidFill>
-                  <a:srgbClr val="002060"/>
-                </a:solidFill>
-                <a:latin typeface="Microsoft JhengHei" panose="020B0604030504040204" pitchFamily="34" charset="-120"/>
-                <a:ea typeface="Microsoft JhengHei" panose="020B0604030504040204" pitchFamily="34" charset="-120"/>
-              </a:rPr>
-              <a:t>能救我</a:t>
-            </a:r>
-            <a:endParaRPr lang="vi-VN" sz="5400" b="1" dirty="0">
-              <a:solidFill>
-                <a:srgbClr val="002060"/>
-              </a:solidFill>
-              <a:ea typeface="Microsoft JhengHei" panose="020B0604030504040204" pitchFamily="34" charset="-120"/>
-            </a:endParaRPr>
-          </a:p>
         </p:txBody>
       </p:sp>
     </p:spTree>
     <p:extLst>
       <p:ext uri="{BB962C8B-B14F-4D97-AF65-F5344CB8AC3E}">
-        <p14:creationId xmlns:p14="http://schemas.microsoft.com/office/powerpoint/2010/main" val="1653605751"/>
+        <p14:creationId xmlns:p14="http://schemas.microsoft.com/office/powerpoint/2010/main" val="2514528570"/>
       </p:ext>
     </p:extLst>
   </p:cSld>
   <p:clrMapOvr>
     <a:masterClrMapping/>
   </p:clrMapOvr>
+  <p:timing>
+    <p:tnLst>
+      <p:par>
+        <p:cTn id="1" dur="indefinite" restart="never" nodeType="tmRoot"/>
+      </p:par>
+    </p:tnLst>
+  </p:timing>
+</p:sld>
+</file>
+
+<file path=ppt/slides/slide9.xml><?xml version="1.0" encoding="utf-8"?>
+<p:sld xmlns:a="http://schemas.openxmlformats.org/drawingml/2006/main" xmlns:r="http://schemas.openxmlformats.org/officeDocument/2006/relationships" xmlns:p="http://schemas.openxmlformats.org/presentationml/2006/main">
+  <p:cSld>
+    <p:spTree>
+      <p:nvGrpSpPr>
+        <p:cNvPr id="1" name=""/>
+        <p:cNvGrpSpPr/>
+        <p:nvPr/>
+      </p:nvGrpSpPr>
+      <p:grpSpPr>
+        <a:xfrm>
+          <a:off x="0" y="0"/>
+          <a:ext cx="0" cy="0"/>
+          <a:chOff x="0" y="0"/>
+          <a:chExt cx="0" cy="0"/>
+        </a:xfrm>
+      </p:grpSpPr>
+      <p:sp>
+        <p:nvSpPr>
+          <p:cNvPr id="5" name="內容版面配置區 4"/>
+          <p:cNvSpPr>
+            <a:spLocks noGrp="1"/>
+          </p:cNvSpPr>
+          <p:nvPr>
+            <p:ph idx="1"/>
+          </p:nvPr>
+        </p:nvSpPr>
+        <p:spPr>
+          <a:xfrm>
+            <a:off x="0" y="2084851"/>
+            <a:ext cx="12192000" cy="2404863"/>
+          </a:xfrm>
+        </p:spPr>
+        <p:txBody>
+          <a:bodyPr anchor="ctr">
+            <a:normAutofit/>
+          </a:bodyPr>
+          <a:lstStyle/>
+          <a:p>
+            <a:pPr marL="0" indent="0" algn="ctr">
+              <a:buNone/>
+            </a:pPr>
+            <a:r>
+              <a:rPr lang="zh-CN" altLang="en-US" sz="6400" b="1" dirty="0">
+                <a:solidFill>
+                  <a:srgbClr val="660033"/>
+                </a:solidFill>
+                <a:ea typeface="Microsoft JhengHei" panose="020B0604030504040204" pitchFamily="34" charset="-120"/>
+              </a:rPr>
+              <a:t>耶穌今把我釋放</a:t>
+            </a:r>
+            <a:endParaRPr lang="en-US" altLang="zh-CN" sz="6400" b="1" dirty="0">
+              <a:solidFill>
+                <a:srgbClr val="660033"/>
+              </a:solidFill>
+              <a:ea typeface="Microsoft JhengHei" panose="020B0604030504040204" pitchFamily="34" charset="-120"/>
+            </a:endParaRPr>
+          </a:p>
+          <a:p>
+            <a:pPr marL="0" indent="0" algn="ctr">
+              <a:buNone/>
+            </a:pPr>
+            <a:r>
+              <a:rPr lang="zh-CN" altLang="en-US" sz="6400" b="1" dirty="0">
+                <a:solidFill>
+                  <a:srgbClr val="660033"/>
+                </a:solidFill>
+                <a:ea typeface="Microsoft JhengHei" panose="020B0604030504040204" pitchFamily="34" charset="-120"/>
+              </a:rPr>
+              <a:t>惟有主</a:t>
+            </a:r>
+            <a:r>
+              <a:rPr lang="zh-CN" altLang="en-US" sz="6400" b="1" dirty="0">
+                <a:solidFill>
+                  <a:srgbClr val="660033"/>
+                </a:solidFill>
+                <a:latin typeface="Microsoft JhengHei" panose="020B0604030504040204" pitchFamily="34" charset="-120"/>
+                <a:ea typeface="Microsoft JhengHei" panose="020B0604030504040204" pitchFamily="34" charset="-120"/>
+              </a:rPr>
+              <a:t>能救我</a:t>
+            </a:r>
+            <a:endParaRPr lang="vi-VN" sz="6400" b="1" dirty="0">
+              <a:solidFill>
+                <a:srgbClr val="660033"/>
+              </a:solidFill>
+              <a:ea typeface="Microsoft JhengHei" panose="020B0604030504040204" pitchFamily="34" charset="-120"/>
+            </a:endParaRPr>
+          </a:p>
+        </p:txBody>
+      </p:sp>
+    </p:spTree>
+    <p:extLst>
+      <p:ext uri="{BB962C8B-B14F-4D97-AF65-F5344CB8AC3E}">
+        <p14:creationId xmlns:p14="http://schemas.microsoft.com/office/powerpoint/2010/main" val="3799819338"/>
+      </p:ext>
+    </p:extLst>
+  </p:cSld>
+  <p:clrMapOvr>
+    <a:masterClrMapping/>
+  </p:clrMapOvr>
+  <p:timing>
+    <p:tnLst>
+      <p:par>
+        <p:cTn id="1" dur="indefinite" restart="never" nodeType="tmRoot"/>
+      </p:par>
+    </p:tnLst>
+  </p:timing>
 </p:sld>
 </file>
 
